--- a/LMS/slides/0 - Introdução_disciplina.pptx
+++ b/LMS/slides/0 - Introdução_disciplina.pptx
@@ -45,7 +45,7 @@
       </p:grpSpPr>
       <p:sp>
         <p:nvSpPr>
-          <p:cNvPr id="126" name="PlaceHolder 1"/>
+          <p:cNvPr id="119" name="PlaceHolder 1"/>
           <p:cNvSpPr>
             <a:spLocks noGrp="1"/>
           </p:cNvSpPr>
@@ -67,27 +67,22 @@
             <a:noAutofit/>
           </a:bodyPr>
           <a:p>
-            <a:r>
-              <a:rPr b="0" lang="en-US" sz="1800" spc="-1" strike="noStrike">
-                <a:solidFill>
-                  <a:srgbClr val="000000"/>
-                </a:solidFill>
-                <a:latin typeface="Calibri"/>
+            <a:pPr algn="ctr"/>
+            <a:r>
+              <a:rPr b="0" lang="pt-BR" sz="4400" spc="-1" strike="noStrike">
+                <a:latin typeface="Arial"/>
               </a:rPr>
               <a:t>Clique para mover o slide</a:t>
             </a:r>
-            <a:endParaRPr b="0" lang="en-US" sz="1800" spc="-1" strike="noStrike">
-              <a:solidFill>
-                <a:srgbClr val="000000"/>
-              </a:solidFill>
-              <a:latin typeface="Calibri"/>
-            </a:endParaRPr>
-          </a:p>
-        </p:txBody>
-      </p:sp>
-      <p:sp>
-        <p:nvSpPr>
-          <p:cNvPr id="127" name="PlaceHolder 2"/>
+            <a:endParaRPr b="0" lang="pt-BR" sz="4400" spc="-1" strike="noStrike">
+              <a:latin typeface="Arial"/>
+            </a:endParaRPr>
+          </a:p>
+        </p:txBody>
+      </p:sp>
+      <p:sp>
+        <p:nvSpPr>
+          <p:cNvPr id="120" name="PlaceHolder 2"/>
           <p:cNvSpPr>
             <a:spLocks noGrp="1"/>
           </p:cNvSpPr>
@@ -123,7 +118,7 @@
       </p:sp>
       <p:sp>
         <p:nvSpPr>
-          <p:cNvPr id="128" name="PlaceHolder 3"/>
+          <p:cNvPr id="121" name="PlaceHolder 3"/>
           <p:cNvSpPr>
             <a:spLocks noGrp="1"/>
           </p:cNvSpPr>
@@ -159,7 +154,7 @@
       </p:sp>
       <p:sp>
         <p:nvSpPr>
-          <p:cNvPr id="129" name="PlaceHolder 4"/>
+          <p:cNvPr id="122" name="PlaceHolder 4"/>
           <p:cNvSpPr>
             <a:spLocks noGrp="1"/>
           </p:cNvSpPr>
@@ -196,7 +191,7 @@
       </p:sp>
       <p:sp>
         <p:nvSpPr>
-          <p:cNvPr id="130" name="PlaceHolder 5"/>
+          <p:cNvPr id="123" name="PlaceHolder 5"/>
           <p:cNvSpPr>
             <a:spLocks noGrp="1"/>
           </p:cNvSpPr>
@@ -232,7 +227,7 @@
       </p:sp>
       <p:sp>
         <p:nvSpPr>
-          <p:cNvPr id="131" name="PlaceHolder 6"/>
+          <p:cNvPr id="124" name="PlaceHolder 6"/>
           <p:cNvSpPr>
             <a:spLocks noGrp="1"/>
           </p:cNvSpPr>
@@ -255,7 +250,7 @@
           </a:bodyPr>
           <a:p>
             <a:pPr algn="r"/>
-            <a:fld id="{182E8884-3CFD-4934-8134-DA74F239C41F}" type="slidenum">
+            <a:fld id="{733B8AEB-ED26-468E-93E5-448142DF8AE0}" type="slidenum">
               <a:rPr b="0" lang="pt-BR" sz="1400" spc="-1" strike="noStrike">
                 <a:latin typeface="Times New Roman"/>
               </a:rPr>
@@ -292,7 +287,7 @@
       </p:grpSpPr>
       <p:sp>
         <p:nvSpPr>
-          <p:cNvPr id="162" name="PlaceHolder 1"/>
+          <p:cNvPr id="155" name="PlaceHolder 1"/>
           <p:cNvSpPr>
             <a:spLocks noGrp="1"/>
           </p:cNvSpPr>
@@ -303,16 +298,16 @@
         <p:spPr>
           <a:xfrm>
             <a:off x="685800" y="1143000"/>
-            <a:ext cx="5486040" cy="3085920"/>
-          </a:xfrm>
-          <a:prstGeom prst="rect">
-            <a:avLst/>
-          </a:prstGeom>
-        </p:spPr>
-      </p:sp>
-      <p:sp>
-        <p:nvSpPr>
-          <p:cNvPr id="163" name="PlaceHolder 2"/>
+            <a:ext cx="5485680" cy="3085560"/>
+          </a:xfrm>
+          <a:prstGeom prst="rect">
+            <a:avLst/>
+          </a:prstGeom>
+        </p:spPr>
+      </p:sp>
+      <p:sp>
+        <p:nvSpPr>
+          <p:cNvPr id="156" name="PlaceHolder 2"/>
           <p:cNvSpPr>
             <a:spLocks noGrp="1"/>
           </p:cNvSpPr>
@@ -323,14 +318,14 @@
         <p:spPr>
           <a:xfrm>
             <a:off x="685800" y="4400640"/>
-            <a:ext cx="5486040" cy="3600000"/>
-          </a:xfrm>
-          <a:prstGeom prst="rect">
-            <a:avLst/>
-          </a:prstGeom>
-        </p:spPr>
-        <p:txBody>
-          <a:bodyPr>
+            <a:ext cx="5485680" cy="3599640"/>
+          </a:xfrm>
+          <a:prstGeom prst="rect">
+            <a:avLst/>
+          </a:prstGeom>
+        </p:spPr>
+        <p:txBody>
+          <a:bodyPr lIns="0" rIns="0" tIns="0" bIns="0">
             <a:noAutofit/>
           </a:bodyPr>
           <a:p>
@@ -342,14 +337,14 @@
       </p:sp>
       <p:sp>
         <p:nvSpPr>
-          <p:cNvPr id="164" name="Espaço Reservado para Número de Slide 3"/>
-          <p:cNvSpPr txBox="1"/>
+          <p:cNvPr id="157" name="Espaço Reservado para Número de Slide 3"/>
+          <p:cNvSpPr/>
           <p:nvPr/>
         </p:nvSpPr>
         <p:spPr>
           <a:xfrm>
             <a:off x="3884760" y="8685360"/>
-            <a:ext cx="2971440" cy="458280"/>
+            <a:ext cx="2971080" cy="457920"/>
           </a:xfrm>
           <a:prstGeom prst="rect">
             <a:avLst/>
@@ -359,8 +354,14 @@
             <a:noFill/>
           </a:ln>
         </p:spPr>
-        <p:txBody>
-          <a:bodyPr anchor="b">
+        <p:style>
+          <a:lnRef idx="0"/>
+          <a:fillRef idx="0"/>
+          <a:effectRef idx="0"/>
+          <a:fontRef idx="minor"/>
+        </p:style>
+        <p:txBody>
+          <a:bodyPr lIns="90000" rIns="90000" tIns="45000" bIns="45000" anchor="b">
             <a:noAutofit/>
           </a:bodyPr>
           <a:p>
@@ -369,7 +370,7 @@
                 <a:spcPct val="100000"/>
               </a:lnSpc>
             </a:pPr>
-            <a:fld id="{24C79872-5973-4B3E-A11E-DCD8FBBF91E8}" type="slidenum">
+            <a:fld id="{81DA99DC-EA2C-4F58-B3B5-F23187CE9973}" type="slidenum">
               <a:rPr b="0" lang="en-US" sz="1200" spc="-1" strike="noStrike">
                 <a:solidFill>
                   <a:srgbClr val="000000"/>
@@ -380,7 +381,7 @@
               <a:t>&lt;número&gt;</a:t>
             </a:fld>
             <a:endParaRPr b="0" lang="pt-BR" sz="1200" spc="-1" strike="noStrike">
-              <a:latin typeface="Times New Roman"/>
+              <a:latin typeface="Arial"/>
             </a:endParaRPr>
           </a:p>
         </p:txBody>
@@ -441,8 +442,8 @@
         </p:nvSpPr>
         <p:spPr>
           <a:xfrm>
-            <a:off x="1097280" y="5074920"/>
-            <a:ext cx="10112760" cy="822600"/>
+            <a:off x="609480" y="273600"/>
+            <a:ext cx="10972440" cy="1144800"/>
           </a:xfrm>
           <a:prstGeom prst="rect">
             <a:avLst/>
@@ -453,11 +454,9 @@
             <a:noAutofit/>
           </a:bodyPr>
           <a:p>
-            <a:endParaRPr b="0" lang="en-US" sz="1800" spc="-1" strike="noStrike">
-              <a:solidFill>
-                <a:srgbClr val="000000"/>
-              </a:solidFill>
-              <a:latin typeface="Calibri"/>
+            <a:pPr algn="ctr"/>
+            <a:endParaRPr b="0" lang="pt-BR" sz="4400" spc="-1" strike="noStrike">
+              <a:latin typeface="Arial"/>
             </a:endParaRPr>
           </a:p>
         </p:txBody>
@@ -474,8 +473,8 @@
         </p:nvSpPr>
         <p:spPr>
           <a:xfrm>
-            <a:off x="0" y="0"/>
-            <a:ext cx="12191760" cy="2343960"/>
+            <a:off x="609480" y="1604520"/>
+            <a:ext cx="10972440" cy="1896840"/>
           </a:xfrm>
           <a:prstGeom prst="rect">
             <a:avLst/>
@@ -486,11 +485,8 @@
             <a:normAutofit/>
           </a:bodyPr>
           <a:p>
-            <a:endParaRPr b="0" lang="en-US" sz="2800" spc="-1" strike="noStrike">
-              <a:solidFill>
-                <a:srgbClr val="000000"/>
-              </a:solidFill>
-              <a:latin typeface="Calibri"/>
+            <a:endParaRPr b="0" lang="pt-BR" sz="3200" spc="-1" strike="noStrike">
+              <a:latin typeface="Arial"/>
             </a:endParaRPr>
           </a:p>
         </p:txBody>
@@ -507,8 +503,8 @@
         </p:nvSpPr>
         <p:spPr>
           <a:xfrm>
-            <a:off x="0" y="2567160"/>
-            <a:ext cx="12191760" cy="2343960"/>
+            <a:off x="609480" y="3682080"/>
+            <a:ext cx="10972440" cy="1896840"/>
           </a:xfrm>
           <a:prstGeom prst="rect">
             <a:avLst/>
@@ -519,11 +515,8 @@
             <a:normAutofit/>
           </a:bodyPr>
           <a:p>
-            <a:endParaRPr b="0" lang="en-US" sz="2800" spc="-1" strike="noStrike">
-              <a:solidFill>
-                <a:srgbClr val="000000"/>
-              </a:solidFill>
-              <a:latin typeface="Calibri"/>
+            <a:endParaRPr b="0" lang="pt-BR" sz="3200" spc="-1" strike="noStrike">
+              <a:latin typeface="Arial"/>
             </a:endParaRPr>
           </a:p>
         </p:txBody>
@@ -562,8 +555,8 @@
         </p:nvSpPr>
         <p:spPr>
           <a:xfrm>
-            <a:off x="1097280" y="5074920"/>
-            <a:ext cx="10112760" cy="822600"/>
+            <a:off x="609480" y="273600"/>
+            <a:ext cx="10972440" cy="1144800"/>
           </a:xfrm>
           <a:prstGeom prst="rect">
             <a:avLst/>
@@ -574,11 +567,9 @@
             <a:noAutofit/>
           </a:bodyPr>
           <a:p>
-            <a:endParaRPr b="0" lang="en-US" sz="1800" spc="-1" strike="noStrike">
-              <a:solidFill>
-                <a:srgbClr val="000000"/>
-              </a:solidFill>
-              <a:latin typeface="Calibri"/>
+            <a:pPr algn="ctr"/>
+            <a:endParaRPr b="0" lang="pt-BR" sz="4400" spc="-1" strike="noStrike">
+              <a:latin typeface="Arial"/>
             </a:endParaRPr>
           </a:p>
         </p:txBody>
@@ -595,8 +586,8 @@
         </p:nvSpPr>
         <p:spPr>
           <a:xfrm>
-            <a:off x="0" y="0"/>
-            <a:ext cx="5949360" cy="2343960"/>
+            <a:off x="609480" y="1604520"/>
+            <a:ext cx="5354280" cy="1896840"/>
           </a:xfrm>
           <a:prstGeom prst="rect">
             <a:avLst/>
@@ -607,11 +598,8 @@
             <a:normAutofit/>
           </a:bodyPr>
           <a:p>
-            <a:endParaRPr b="0" lang="en-US" sz="2800" spc="-1" strike="noStrike">
-              <a:solidFill>
-                <a:srgbClr val="000000"/>
-              </a:solidFill>
-              <a:latin typeface="Calibri"/>
+            <a:endParaRPr b="0" lang="pt-BR" sz="3200" spc="-1" strike="noStrike">
+              <a:latin typeface="Arial"/>
             </a:endParaRPr>
           </a:p>
         </p:txBody>
@@ -628,8 +616,8 @@
         </p:nvSpPr>
         <p:spPr>
           <a:xfrm>
-            <a:off x="6247080" y="0"/>
-            <a:ext cx="5949360" cy="2343960"/>
+            <a:off x="6231960" y="1604520"/>
+            <a:ext cx="5354280" cy="1896840"/>
           </a:xfrm>
           <a:prstGeom prst="rect">
             <a:avLst/>
@@ -640,11 +628,8 @@
             <a:normAutofit/>
           </a:bodyPr>
           <a:p>
-            <a:endParaRPr b="0" lang="en-US" sz="2800" spc="-1" strike="noStrike">
-              <a:solidFill>
-                <a:srgbClr val="000000"/>
-              </a:solidFill>
-              <a:latin typeface="Calibri"/>
+            <a:endParaRPr b="0" lang="pt-BR" sz="3200" spc="-1" strike="noStrike">
+              <a:latin typeface="Arial"/>
             </a:endParaRPr>
           </a:p>
         </p:txBody>
@@ -661,8 +646,8 @@
         </p:nvSpPr>
         <p:spPr>
           <a:xfrm>
-            <a:off x="0" y="2567160"/>
-            <a:ext cx="5949360" cy="2343960"/>
+            <a:off x="609480" y="3682080"/>
+            <a:ext cx="5354280" cy="1896840"/>
           </a:xfrm>
           <a:prstGeom prst="rect">
             <a:avLst/>
@@ -673,11 +658,8 @@
             <a:normAutofit/>
           </a:bodyPr>
           <a:p>
-            <a:endParaRPr b="0" lang="en-US" sz="2800" spc="-1" strike="noStrike">
-              <a:solidFill>
-                <a:srgbClr val="000000"/>
-              </a:solidFill>
-              <a:latin typeface="Calibri"/>
+            <a:endParaRPr b="0" lang="pt-BR" sz="3200" spc="-1" strike="noStrike">
+              <a:latin typeface="Arial"/>
             </a:endParaRPr>
           </a:p>
         </p:txBody>
@@ -694,8 +676,8 @@
         </p:nvSpPr>
         <p:spPr>
           <a:xfrm>
-            <a:off x="6247080" y="2567160"/>
-            <a:ext cx="5949360" cy="2343960"/>
+            <a:off x="6231960" y="3682080"/>
+            <a:ext cx="5354280" cy="1896840"/>
           </a:xfrm>
           <a:prstGeom prst="rect">
             <a:avLst/>
@@ -706,11 +688,8 @@
             <a:normAutofit/>
           </a:bodyPr>
           <a:p>
-            <a:endParaRPr b="0" lang="en-US" sz="2800" spc="-1" strike="noStrike">
-              <a:solidFill>
-                <a:srgbClr val="000000"/>
-              </a:solidFill>
-              <a:latin typeface="Calibri"/>
+            <a:endParaRPr b="0" lang="pt-BR" sz="3200" spc="-1" strike="noStrike">
+              <a:latin typeface="Arial"/>
             </a:endParaRPr>
           </a:p>
         </p:txBody>
@@ -749,8 +728,8 @@
         </p:nvSpPr>
         <p:spPr>
           <a:xfrm>
-            <a:off x="1097280" y="5074920"/>
-            <a:ext cx="10112760" cy="822600"/>
+            <a:off x="609480" y="273600"/>
+            <a:ext cx="10972440" cy="1144800"/>
           </a:xfrm>
           <a:prstGeom prst="rect">
             <a:avLst/>
@@ -761,11 +740,9 @@
             <a:noAutofit/>
           </a:bodyPr>
           <a:p>
-            <a:endParaRPr b="0" lang="en-US" sz="1800" spc="-1" strike="noStrike">
-              <a:solidFill>
-                <a:srgbClr val="000000"/>
-              </a:solidFill>
-              <a:latin typeface="Calibri"/>
+            <a:pPr algn="ctr"/>
+            <a:endParaRPr b="0" lang="pt-BR" sz="4400" spc="-1" strike="noStrike">
+              <a:latin typeface="Arial"/>
             </a:endParaRPr>
           </a:p>
         </p:txBody>
@@ -782,8 +759,8 @@
         </p:nvSpPr>
         <p:spPr>
           <a:xfrm>
-            <a:off x="0" y="0"/>
-            <a:ext cx="3925440" cy="2343960"/>
+            <a:off x="609480" y="1604520"/>
+            <a:ext cx="3533040" cy="1896840"/>
           </a:xfrm>
           <a:prstGeom prst="rect">
             <a:avLst/>
@@ -794,11 +771,8 @@
             <a:normAutofit/>
           </a:bodyPr>
           <a:p>
-            <a:endParaRPr b="0" lang="en-US" sz="2800" spc="-1" strike="noStrike">
-              <a:solidFill>
-                <a:srgbClr val="000000"/>
-              </a:solidFill>
-              <a:latin typeface="Calibri"/>
+            <a:endParaRPr b="0" lang="pt-BR" sz="3200" spc="-1" strike="noStrike">
+              <a:latin typeface="Arial"/>
             </a:endParaRPr>
           </a:p>
         </p:txBody>
@@ -815,8 +789,8 @@
         </p:nvSpPr>
         <p:spPr>
           <a:xfrm>
-            <a:off x="4122000" y="0"/>
-            <a:ext cx="3925440" cy="2343960"/>
+            <a:off x="4319640" y="1604520"/>
+            <a:ext cx="3533040" cy="1896840"/>
           </a:xfrm>
           <a:prstGeom prst="rect">
             <a:avLst/>
@@ -827,11 +801,8 @@
             <a:normAutofit/>
           </a:bodyPr>
           <a:p>
-            <a:endParaRPr b="0" lang="en-US" sz="2800" spc="-1" strike="noStrike">
-              <a:solidFill>
-                <a:srgbClr val="000000"/>
-              </a:solidFill>
-              <a:latin typeface="Calibri"/>
+            <a:endParaRPr b="0" lang="pt-BR" sz="3200" spc="-1" strike="noStrike">
+              <a:latin typeface="Arial"/>
             </a:endParaRPr>
           </a:p>
         </p:txBody>
@@ -848,8 +819,8 @@
         </p:nvSpPr>
         <p:spPr>
           <a:xfrm>
-            <a:off x="8244360" y="0"/>
-            <a:ext cx="3925440" cy="2343960"/>
+            <a:off x="8029800" y="1604520"/>
+            <a:ext cx="3533040" cy="1896840"/>
           </a:xfrm>
           <a:prstGeom prst="rect">
             <a:avLst/>
@@ -860,11 +831,8 @@
             <a:normAutofit/>
           </a:bodyPr>
           <a:p>
-            <a:endParaRPr b="0" lang="en-US" sz="2800" spc="-1" strike="noStrike">
-              <a:solidFill>
-                <a:srgbClr val="000000"/>
-              </a:solidFill>
-              <a:latin typeface="Calibri"/>
+            <a:endParaRPr b="0" lang="pt-BR" sz="3200" spc="-1" strike="noStrike">
+              <a:latin typeface="Arial"/>
             </a:endParaRPr>
           </a:p>
         </p:txBody>
@@ -881,8 +849,8 @@
         </p:nvSpPr>
         <p:spPr>
           <a:xfrm>
-            <a:off x="0" y="2567160"/>
-            <a:ext cx="3925440" cy="2343960"/>
+            <a:off x="609480" y="3682080"/>
+            <a:ext cx="3533040" cy="1896840"/>
           </a:xfrm>
           <a:prstGeom prst="rect">
             <a:avLst/>
@@ -893,11 +861,8 @@
             <a:normAutofit/>
           </a:bodyPr>
           <a:p>
-            <a:endParaRPr b="0" lang="en-US" sz="2800" spc="-1" strike="noStrike">
-              <a:solidFill>
-                <a:srgbClr val="000000"/>
-              </a:solidFill>
-              <a:latin typeface="Calibri"/>
+            <a:endParaRPr b="0" lang="pt-BR" sz="3200" spc="-1" strike="noStrike">
+              <a:latin typeface="Arial"/>
             </a:endParaRPr>
           </a:p>
         </p:txBody>
@@ -914,8 +879,8 @@
         </p:nvSpPr>
         <p:spPr>
           <a:xfrm>
-            <a:off x="4122000" y="2567160"/>
-            <a:ext cx="3925440" cy="2343960"/>
+            <a:off x="4319640" y="3682080"/>
+            <a:ext cx="3533040" cy="1896840"/>
           </a:xfrm>
           <a:prstGeom prst="rect">
             <a:avLst/>
@@ -926,11 +891,8 @@
             <a:normAutofit/>
           </a:bodyPr>
           <a:p>
-            <a:endParaRPr b="0" lang="en-US" sz="2800" spc="-1" strike="noStrike">
-              <a:solidFill>
-                <a:srgbClr val="000000"/>
-              </a:solidFill>
-              <a:latin typeface="Calibri"/>
+            <a:endParaRPr b="0" lang="pt-BR" sz="3200" spc="-1" strike="noStrike">
+              <a:latin typeface="Arial"/>
             </a:endParaRPr>
           </a:p>
         </p:txBody>
@@ -947,8 +909,8 @@
         </p:nvSpPr>
         <p:spPr>
           <a:xfrm>
-            <a:off x="8244360" y="2567160"/>
-            <a:ext cx="3925440" cy="2343960"/>
+            <a:off x="8029800" y="3682080"/>
+            <a:ext cx="3533040" cy="1896840"/>
           </a:xfrm>
           <a:prstGeom prst="rect">
             <a:avLst/>
@@ -959,11 +921,8 @@
             <a:normAutofit/>
           </a:bodyPr>
           <a:p>
-            <a:endParaRPr b="0" lang="en-US" sz="2800" spc="-1" strike="noStrike">
-              <a:solidFill>
-                <a:srgbClr val="000000"/>
-              </a:solidFill>
-              <a:latin typeface="Calibri"/>
+            <a:endParaRPr b="0" lang="pt-BR" sz="3200" spc="-1" strike="noStrike">
+              <a:latin typeface="Arial"/>
             </a:endParaRPr>
           </a:p>
         </p:txBody>
@@ -1014,7 +973,7 @@
       </p:grpSpPr>
       <p:sp>
         <p:nvSpPr>
-          <p:cNvPr id="45" name="PlaceHolder 1"/>
+          <p:cNvPr id="42" name="PlaceHolder 1"/>
           <p:cNvSpPr>
             <a:spLocks noGrp="1"/>
           </p:cNvSpPr>
@@ -1024,8 +983,8 @@
         </p:nvSpPr>
         <p:spPr>
           <a:xfrm>
-            <a:off x="1097280" y="5074920"/>
-            <a:ext cx="10112760" cy="822600"/>
+            <a:off x="609480" y="273600"/>
+            <a:ext cx="10972440" cy="1144800"/>
           </a:xfrm>
           <a:prstGeom prst="rect">
             <a:avLst/>
@@ -1036,18 +995,16 @@
             <a:noAutofit/>
           </a:bodyPr>
           <a:p>
-            <a:endParaRPr b="0" lang="en-US" sz="1800" spc="-1" strike="noStrike">
-              <a:solidFill>
-                <a:srgbClr val="000000"/>
-              </a:solidFill>
-              <a:latin typeface="Calibri"/>
-            </a:endParaRPr>
-          </a:p>
-        </p:txBody>
-      </p:sp>
-      <p:sp>
-        <p:nvSpPr>
-          <p:cNvPr id="46" name="PlaceHolder 2"/>
+            <a:pPr algn="ctr"/>
+            <a:endParaRPr b="0" lang="pt-BR" sz="4400" spc="-1" strike="noStrike">
+              <a:latin typeface="Arial"/>
+            </a:endParaRPr>
+          </a:p>
+        </p:txBody>
+      </p:sp>
+      <p:sp>
+        <p:nvSpPr>
+          <p:cNvPr id="43" name="PlaceHolder 2"/>
           <p:cNvSpPr>
             <a:spLocks noGrp="1"/>
           </p:cNvSpPr>
@@ -1057,8 +1014,8 @@
         </p:nvSpPr>
         <p:spPr>
           <a:xfrm>
-            <a:off x="0" y="0"/>
-            <a:ext cx="12191760" cy="4914720"/>
+            <a:off x="609480" y="1604520"/>
+            <a:ext cx="10972440" cy="3977280"/>
           </a:xfrm>
           <a:prstGeom prst="rect">
             <a:avLst/>
@@ -1100,7 +1057,7 @@
       </p:grpSpPr>
       <p:sp>
         <p:nvSpPr>
-          <p:cNvPr id="47" name="PlaceHolder 1"/>
+          <p:cNvPr id="44" name="PlaceHolder 1"/>
           <p:cNvSpPr>
             <a:spLocks noGrp="1"/>
           </p:cNvSpPr>
@@ -1110,8 +1067,8 @@
         </p:nvSpPr>
         <p:spPr>
           <a:xfrm>
-            <a:off x="1097280" y="5074920"/>
-            <a:ext cx="10112760" cy="822600"/>
+            <a:off x="609480" y="273600"/>
+            <a:ext cx="10972440" cy="1144800"/>
           </a:xfrm>
           <a:prstGeom prst="rect">
             <a:avLst/>
@@ -1122,18 +1079,16 @@
             <a:noAutofit/>
           </a:bodyPr>
           <a:p>
-            <a:endParaRPr b="0" lang="en-US" sz="1800" spc="-1" strike="noStrike">
-              <a:solidFill>
-                <a:srgbClr val="000000"/>
-              </a:solidFill>
-              <a:latin typeface="Calibri"/>
-            </a:endParaRPr>
-          </a:p>
-        </p:txBody>
-      </p:sp>
-      <p:sp>
-        <p:nvSpPr>
-          <p:cNvPr id="48" name="PlaceHolder 2"/>
+            <a:pPr algn="ctr"/>
+            <a:endParaRPr b="0" lang="pt-BR" sz="4400" spc="-1" strike="noStrike">
+              <a:latin typeface="Arial"/>
+            </a:endParaRPr>
+          </a:p>
+        </p:txBody>
+      </p:sp>
+      <p:sp>
+        <p:nvSpPr>
+          <p:cNvPr id="45" name="PlaceHolder 2"/>
           <p:cNvSpPr>
             <a:spLocks noGrp="1"/>
           </p:cNvSpPr>
@@ -1143,8 +1098,8 @@
         </p:nvSpPr>
         <p:spPr>
           <a:xfrm>
-            <a:off x="0" y="0"/>
-            <a:ext cx="12191760" cy="4914720"/>
+            <a:off x="609480" y="1604520"/>
+            <a:ext cx="10972440" cy="3977280"/>
           </a:xfrm>
           <a:prstGeom prst="rect">
             <a:avLst/>
@@ -1155,11 +1110,8 @@
             <a:normAutofit/>
           </a:bodyPr>
           <a:p>
-            <a:endParaRPr b="0" lang="en-US" sz="2800" spc="-1" strike="noStrike">
-              <a:solidFill>
-                <a:srgbClr val="000000"/>
-              </a:solidFill>
-              <a:latin typeface="Calibri"/>
+            <a:endParaRPr b="0" lang="pt-BR" sz="3200" spc="-1" strike="noStrike">
+              <a:latin typeface="Arial"/>
             </a:endParaRPr>
           </a:p>
         </p:txBody>
@@ -1188,7 +1140,7 @@
       </p:grpSpPr>
       <p:sp>
         <p:nvSpPr>
-          <p:cNvPr id="49" name="PlaceHolder 1"/>
+          <p:cNvPr id="46" name="PlaceHolder 1"/>
           <p:cNvSpPr>
             <a:spLocks noGrp="1"/>
           </p:cNvSpPr>
@@ -1198,8 +1150,8 @@
         </p:nvSpPr>
         <p:spPr>
           <a:xfrm>
-            <a:off x="1097280" y="5074920"/>
-            <a:ext cx="10112760" cy="822600"/>
+            <a:off x="609480" y="273600"/>
+            <a:ext cx="10972440" cy="1144800"/>
           </a:xfrm>
           <a:prstGeom prst="rect">
             <a:avLst/>
@@ -1210,18 +1162,16 @@
             <a:noAutofit/>
           </a:bodyPr>
           <a:p>
-            <a:endParaRPr b="0" lang="en-US" sz="1800" spc="-1" strike="noStrike">
-              <a:solidFill>
-                <a:srgbClr val="000000"/>
-              </a:solidFill>
-              <a:latin typeface="Calibri"/>
-            </a:endParaRPr>
-          </a:p>
-        </p:txBody>
-      </p:sp>
-      <p:sp>
-        <p:nvSpPr>
-          <p:cNvPr id="50" name="PlaceHolder 2"/>
+            <a:pPr algn="ctr"/>
+            <a:endParaRPr b="0" lang="pt-BR" sz="4400" spc="-1" strike="noStrike">
+              <a:latin typeface="Arial"/>
+            </a:endParaRPr>
+          </a:p>
+        </p:txBody>
+      </p:sp>
+      <p:sp>
+        <p:nvSpPr>
+          <p:cNvPr id="47" name="PlaceHolder 2"/>
           <p:cNvSpPr>
             <a:spLocks noGrp="1"/>
           </p:cNvSpPr>
@@ -1231,8 +1181,8 @@
         </p:nvSpPr>
         <p:spPr>
           <a:xfrm>
-            <a:off x="0" y="0"/>
-            <a:ext cx="5949360" cy="4914720"/>
+            <a:off x="609480" y="1604520"/>
+            <a:ext cx="5354280" cy="3977280"/>
           </a:xfrm>
           <a:prstGeom prst="rect">
             <a:avLst/>
@@ -1243,18 +1193,15 @@
             <a:normAutofit/>
           </a:bodyPr>
           <a:p>
-            <a:endParaRPr b="0" lang="en-US" sz="2800" spc="-1" strike="noStrike">
-              <a:solidFill>
-                <a:srgbClr val="000000"/>
-              </a:solidFill>
-              <a:latin typeface="Calibri"/>
-            </a:endParaRPr>
-          </a:p>
-        </p:txBody>
-      </p:sp>
-      <p:sp>
-        <p:nvSpPr>
-          <p:cNvPr id="51" name="PlaceHolder 3"/>
+            <a:endParaRPr b="0" lang="pt-BR" sz="3200" spc="-1" strike="noStrike">
+              <a:latin typeface="Arial"/>
+            </a:endParaRPr>
+          </a:p>
+        </p:txBody>
+      </p:sp>
+      <p:sp>
+        <p:nvSpPr>
+          <p:cNvPr id="48" name="PlaceHolder 3"/>
           <p:cNvSpPr>
             <a:spLocks noGrp="1"/>
           </p:cNvSpPr>
@@ -1264,8 +1211,8 @@
         </p:nvSpPr>
         <p:spPr>
           <a:xfrm>
-            <a:off x="6247080" y="0"/>
-            <a:ext cx="5949360" cy="4914720"/>
+            <a:off x="6231960" y="1604520"/>
+            <a:ext cx="5354280" cy="3977280"/>
           </a:xfrm>
           <a:prstGeom prst="rect">
             <a:avLst/>
@@ -1276,11 +1223,8 @@
             <a:normAutofit/>
           </a:bodyPr>
           <a:p>
-            <a:endParaRPr b="0" lang="en-US" sz="2800" spc="-1" strike="noStrike">
-              <a:solidFill>
-                <a:srgbClr val="000000"/>
-              </a:solidFill>
-              <a:latin typeface="Calibri"/>
+            <a:endParaRPr b="0" lang="pt-BR" sz="3200" spc="-1" strike="noStrike">
+              <a:latin typeface="Arial"/>
             </a:endParaRPr>
           </a:p>
         </p:txBody>
@@ -1309,7 +1253,7 @@
       </p:grpSpPr>
       <p:sp>
         <p:nvSpPr>
-          <p:cNvPr id="52" name="PlaceHolder 1"/>
+          <p:cNvPr id="49" name="PlaceHolder 1"/>
           <p:cNvSpPr>
             <a:spLocks noGrp="1"/>
           </p:cNvSpPr>
@@ -1319,8 +1263,8 @@
         </p:nvSpPr>
         <p:spPr>
           <a:xfrm>
-            <a:off x="1097280" y="5074920"/>
-            <a:ext cx="10112760" cy="822600"/>
+            <a:off x="609480" y="273600"/>
+            <a:ext cx="10972440" cy="1144800"/>
           </a:xfrm>
           <a:prstGeom prst="rect">
             <a:avLst/>
@@ -1331,11 +1275,9 @@
             <a:noAutofit/>
           </a:bodyPr>
           <a:p>
-            <a:endParaRPr b="0" lang="en-US" sz="1800" spc="-1" strike="noStrike">
-              <a:solidFill>
-                <a:srgbClr val="000000"/>
-              </a:solidFill>
-              <a:latin typeface="Calibri"/>
+            <a:pPr algn="ctr"/>
+            <a:endParaRPr b="0" lang="pt-BR" sz="4400" spc="-1" strike="noStrike">
+              <a:latin typeface="Arial"/>
             </a:endParaRPr>
           </a:p>
         </p:txBody>
@@ -1364,7 +1306,7 @@
       </p:grpSpPr>
       <p:sp>
         <p:nvSpPr>
-          <p:cNvPr id="53" name="PlaceHolder 1"/>
+          <p:cNvPr id="50" name="PlaceHolder 1"/>
           <p:cNvSpPr>
             <a:spLocks noGrp="1"/>
           </p:cNvSpPr>
@@ -1374,8 +1316,8 @@
         </p:nvSpPr>
         <p:spPr>
           <a:xfrm>
-            <a:off x="1097280" y="5074920"/>
-            <a:ext cx="10112760" cy="3814560"/>
+            <a:off x="609480" y="273600"/>
+            <a:ext cx="10972440" cy="5307840"/>
           </a:xfrm>
           <a:prstGeom prst="rect">
             <a:avLst/>
@@ -1417,7 +1359,7 @@
       </p:grpSpPr>
       <p:sp>
         <p:nvSpPr>
-          <p:cNvPr id="54" name="PlaceHolder 1"/>
+          <p:cNvPr id="51" name="PlaceHolder 1"/>
           <p:cNvSpPr>
             <a:spLocks noGrp="1"/>
           </p:cNvSpPr>
@@ -1427,8 +1369,8 @@
         </p:nvSpPr>
         <p:spPr>
           <a:xfrm>
-            <a:off x="1097280" y="5074920"/>
-            <a:ext cx="10112760" cy="822600"/>
+            <a:off x="609480" y="273600"/>
+            <a:ext cx="10972440" cy="1144800"/>
           </a:xfrm>
           <a:prstGeom prst="rect">
             <a:avLst/>
@@ -1439,18 +1381,16 @@
             <a:noAutofit/>
           </a:bodyPr>
           <a:p>
-            <a:endParaRPr b="0" lang="en-US" sz="1800" spc="-1" strike="noStrike">
-              <a:solidFill>
-                <a:srgbClr val="000000"/>
-              </a:solidFill>
-              <a:latin typeface="Calibri"/>
-            </a:endParaRPr>
-          </a:p>
-        </p:txBody>
-      </p:sp>
-      <p:sp>
-        <p:nvSpPr>
-          <p:cNvPr id="55" name="PlaceHolder 2"/>
+            <a:pPr algn="ctr"/>
+            <a:endParaRPr b="0" lang="pt-BR" sz="4400" spc="-1" strike="noStrike">
+              <a:latin typeface="Arial"/>
+            </a:endParaRPr>
+          </a:p>
+        </p:txBody>
+      </p:sp>
+      <p:sp>
+        <p:nvSpPr>
+          <p:cNvPr id="52" name="PlaceHolder 2"/>
           <p:cNvSpPr>
             <a:spLocks noGrp="1"/>
           </p:cNvSpPr>
@@ -1460,8 +1400,8 @@
         </p:nvSpPr>
         <p:spPr>
           <a:xfrm>
-            <a:off x="0" y="0"/>
-            <a:ext cx="5949360" cy="2343960"/>
+            <a:off x="609480" y="1604520"/>
+            <a:ext cx="5354280" cy="1896840"/>
           </a:xfrm>
           <a:prstGeom prst="rect">
             <a:avLst/>
@@ -1472,18 +1412,15 @@
             <a:normAutofit/>
           </a:bodyPr>
           <a:p>
-            <a:endParaRPr b="0" lang="en-US" sz="2800" spc="-1" strike="noStrike">
-              <a:solidFill>
-                <a:srgbClr val="000000"/>
-              </a:solidFill>
-              <a:latin typeface="Calibri"/>
-            </a:endParaRPr>
-          </a:p>
-        </p:txBody>
-      </p:sp>
-      <p:sp>
-        <p:nvSpPr>
-          <p:cNvPr id="56" name="PlaceHolder 3"/>
+            <a:endParaRPr b="0" lang="pt-BR" sz="3200" spc="-1" strike="noStrike">
+              <a:latin typeface="Arial"/>
+            </a:endParaRPr>
+          </a:p>
+        </p:txBody>
+      </p:sp>
+      <p:sp>
+        <p:nvSpPr>
+          <p:cNvPr id="53" name="PlaceHolder 3"/>
           <p:cNvSpPr>
             <a:spLocks noGrp="1"/>
           </p:cNvSpPr>
@@ -1493,8 +1430,8 @@
         </p:nvSpPr>
         <p:spPr>
           <a:xfrm>
-            <a:off x="6247080" y="0"/>
-            <a:ext cx="5949360" cy="4914720"/>
+            <a:off x="6231960" y="1604520"/>
+            <a:ext cx="5354280" cy="3977280"/>
           </a:xfrm>
           <a:prstGeom prst="rect">
             <a:avLst/>
@@ -1505,18 +1442,15 @@
             <a:normAutofit/>
           </a:bodyPr>
           <a:p>
-            <a:endParaRPr b="0" lang="en-US" sz="2800" spc="-1" strike="noStrike">
-              <a:solidFill>
-                <a:srgbClr val="000000"/>
-              </a:solidFill>
-              <a:latin typeface="Calibri"/>
-            </a:endParaRPr>
-          </a:p>
-        </p:txBody>
-      </p:sp>
-      <p:sp>
-        <p:nvSpPr>
-          <p:cNvPr id="57" name="PlaceHolder 4"/>
+            <a:endParaRPr b="0" lang="pt-BR" sz="3200" spc="-1" strike="noStrike">
+              <a:latin typeface="Arial"/>
+            </a:endParaRPr>
+          </a:p>
+        </p:txBody>
+      </p:sp>
+      <p:sp>
+        <p:nvSpPr>
+          <p:cNvPr id="54" name="PlaceHolder 4"/>
           <p:cNvSpPr>
             <a:spLocks noGrp="1"/>
           </p:cNvSpPr>
@@ -1526,8 +1460,8 @@
         </p:nvSpPr>
         <p:spPr>
           <a:xfrm>
-            <a:off x="0" y="2567160"/>
-            <a:ext cx="5949360" cy="2343960"/>
+            <a:off x="609480" y="3682080"/>
+            <a:ext cx="5354280" cy="1896840"/>
           </a:xfrm>
           <a:prstGeom prst="rect">
             <a:avLst/>
@@ -1538,11 +1472,8 @@
             <a:normAutofit/>
           </a:bodyPr>
           <a:p>
-            <a:endParaRPr b="0" lang="en-US" sz="2800" spc="-1" strike="noStrike">
-              <a:solidFill>
-                <a:srgbClr val="000000"/>
-              </a:solidFill>
-              <a:latin typeface="Calibri"/>
+            <a:endParaRPr b="0" lang="pt-BR" sz="3200" spc="-1" strike="noStrike">
+              <a:latin typeface="Arial"/>
             </a:endParaRPr>
           </a:p>
         </p:txBody>
@@ -1581,8 +1512,8 @@
         </p:nvSpPr>
         <p:spPr>
           <a:xfrm>
-            <a:off x="1097280" y="5074920"/>
-            <a:ext cx="10112760" cy="822600"/>
+            <a:off x="609480" y="273600"/>
+            <a:ext cx="10972440" cy="1144800"/>
           </a:xfrm>
           <a:prstGeom prst="rect">
             <a:avLst/>
@@ -1593,11 +1524,9 @@
             <a:noAutofit/>
           </a:bodyPr>
           <a:p>
-            <a:endParaRPr b="0" lang="en-US" sz="1800" spc="-1" strike="noStrike">
-              <a:solidFill>
-                <a:srgbClr val="000000"/>
-              </a:solidFill>
-              <a:latin typeface="Calibri"/>
+            <a:pPr algn="ctr"/>
+            <a:endParaRPr b="0" lang="pt-BR" sz="4400" spc="-1" strike="noStrike">
+              <a:latin typeface="Arial"/>
             </a:endParaRPr>
           </a:p>
         </p:txBody>
@@ -1614,8 +1543,8 @@
         </p:nvSpPr>
         <p:spPr>
           <a:xfrm>
-            <a:off x="0" y="0"/>
-            <a:ext cx="12191760" cy="4914720"/>
+            <a:off x="609480" y="1604520"/>
+            <a:ext cx="10972440" cy="3977280"/>
           </a:xfrm>
           <a:prstGeom prst="rect">
             <a:avLst/>
@@ -1657,7 +1586,7 @@
       </p:grpSpPr>
       <p:sp>
         <p:nvSpPr>
-          <p:cNvPr id="58" name="PlaceHolder 1"/>
+          <p:cNvPr id="55" name="PlaceHolder 1"/>
           <p:cNvSpPr>
             <a:spLocks noGrp="1"/>
           </p:cNvSpPr>
@@ -1667,8 +1596,8 @@
         </p:nvSpPr>
         <p:spPr>
           <a:xfrm>
-            <a:off x="1097280" y="5074920"/>
-            <a:ext cx="10112760" cy="822600"/>
+            <a:off x="609480" y="273600"/>
+            <a:ext cx="10972440" cy="1144800"/>
           </a:xfrm>
           <a:prstGeom prst="rect">
             <a:avLst/>
@@ -1679,18 +1608,16 @@
             <a:noAutofit/>
           </a:bodyPr>
           <a:p>
-            <a:endParaRPr b="0" lang="en-US" sz="1800" spc="-1" strike="noStrike">
-              <a:solidFill>
-                <a:srgbClr val="000000"/>
-              </a:solidFill>
-              <a:latin typeface="Calibri"/>
-            </a:endParaRPr>
-          </a:p>
-        </p:txBody>
-      </p:sp>
-      <p:sp>
-        <p:nvSpPr>
-          <p:cNvPr id="59" name="PlaceHolder 2"/>
+            <a:pPr algn="ctr"/>
+            <a:endParaRPr b="0" lang="pt-BR" sz="4400" spc="-1" strike="noStrike">
+              <a:latin typeface="Arial"/>
+            </a:endParaRPr>
+          </a:p>
+        </p:txBody>
+      </p:sp>
+      <p:sp>
+        <p:nvSpPr>
+          <p:cNvPr id="56" name="PlaceHolder 2"/>
           <p:cNvSpPr>
             <a:spLocks noGrp="1"/>
           </p:cNvSpPr>
@@ -1700,8 +1627,8 @@
         </p:nvSpPr>
         <p:spPr>
           <a:xfrm>
-            <a:off x="0" y="0"/>
-            <a:ext cx="5949360" cy="4914720"/>
+            <a:off x="609480" y="1604520"/>
+            <a:ext cx="5354280" cy="3977280"/>
           </a:xfrm>
           <a:prstGeom prst="rect">
             <a:avLst/>
@@ -1712,18 +1639,15 @@
             <a:normAutofit/>
           </a:bodyPr>
           <a:p>
-            <a:endParaRPr b="0" lang="en-US" sz="2800" spc="-1" strike="noStrike">
-              <a:solidFill>
-                <a:srgbClr val="000000"/>
-              </a:solidFill>
-              <a:latin typeface="Calibri"/>
-            </a:endParaRPr>
-          </a:p>
-        </p:txBody>
-      </p:sp>
-      <p:sp>
-        <p:nvSpPr>
-          <p:cNvPr id="60" name="PlaceHolder 3"/>
+            <a:endParaRPr b="0" lang="pt-BR" sz="3200" spc="-1" strike="noStrike">
+              <a:latin typeface="Arial"/>
+            </a:endParaRPr>
+          </a:p>
+        </p:txBody>
+      </p:sp>
+      <p:sp>
+        <p:nvSpPr>
+          <p:cNvPr id="57" name="PlaceHolder 3"/>
           <p:cNvSpPr>
             <a:spLocks noGrp="1"/>
           </p:cNvSpPr>
@@ -1733,8 +1657,8 @@
         </p:nvSpPr>
         <p:spPr>
           <a:xfrm>
-            <a:off x="6247080" y="0"/>
-            <a:ext cx="5949360" cy="2343960"/>
+            <a:off x="6231960" y="1604520"/>
+            <a:ext cx="5354280" cy="1896840"/>
           </a:xfrm>
           <a:prstGeom prst="rect">
             <a:avLst/>
@@ -1745,18 +1669,15 @@
             <a:normAutofit/>
           </a:bodyPr>
           <a:p>
-            <a:endParaRPr b="0" lang="en-US" sz="2800" spc="-1" strike="noStrike">
-              <a:solidFill>
-                <a:srgbClr val="000000"/>
-              </a:solidFill>
-              <a:latin typeface="Calibri"/>
-            </a:endParaRPr>
-          </a:p>
-        </p:txBody>
-      </p:sp>
-      <p:sp>
-        <p:nvSpPr>
-          <p:cNvPr id="61" name="PlaceHolder 4"/>
+            <a:endParaRPr b="0" lang="pt-BR" sz="3200" spc="-1" strike="noStrike">
+              <a:latin typeface="Arial"/>
+            </a:endParaRPr>
+          </a:p>
+        </p:txBody>
+      </p:sp>
+      <p:sp>
+        <p:nvSpPr>
+          <p:cNvPr id="58" name="PlaceHolder 4"/>
           <p:cNvSpPr>
             <a:spLocks noGrp="1"/>
           </p:cNvSpPr>
@@ -1766,8 +1687,8 @@
         </p:nvSpPr>
         <p:spPr>
           <a:xfrm>
-            <a:off x="6247080" y="2567160"/>
-            <a:ext cx="5949360" cy="2343960"/>
+            <a:off x="6231960" y="3682080"/>
+            <a:ext cx="5354280" cy="1896840"/>
           </a:xfrm>
           <a:prstGeom prst="rect">
             <a:avLst/>
@@ -1778,11 +1699,8 @@
             <a:normAutofit/>
           </a:bodyPr>
           <a:p>
-            <a:endParaRPr b="0" lang="en-US" sz="2800" spc="-1" strike="noStrike">
-              <a:solidFill>
-                <a:srgbClr val="000000"/>
-              </a:solidFill>
-              <a:latin typeface="Calibri"/>
+            <a:endParaRPr b="0" lang="pt-BR" sz="3200" spc="-1" strike="noStrike">
+              <a:latin typeface="Arial"/>
             </a:endParaRPr>
           </a:p>
         </p:txBody>
@@ -1811,7 +1729,7 @@
       </p:grpSpPr>
       <p:sp>
         <p:nvSpPr>
-          <p:cNvPr id="62" name="PlaceHolder 1"/>
+          <p:cNvPr id="59" name="PlaceHolder 1"/>
           <p:cNvSpPr>
             <a:spLocks noGrp="1"/>
           </p:cNvSpPr>
@@ -1821,8 +1739,8 @@
         </p:nvSpPr>
         <p:spPr>
           <a:xfrm>
-            <a:off x="1097280" y="5074920"/>
-            <a:ext cx="10112760" cy="822600"/>
+            <a:off x="609480" y="273600"/>
+            <a:ext cx="10972440" cy="1144800"/>
           </a:xfrm>
           <a:prstGeom prst="rect">
             <a:avLst/>
@@ -1833,18 +1751,16 @@
             <a:noAutofit/>
           </a:bodyPr>
           <a:p>
-            <a:endParaRPr b="0" lang="en-US" sz="1800" spc="-1" strike="noStrike">
-              <a:solidFill>
-                <a:srgbClr val="000000"/>
-              </a:solidFill>
-              <a:latin typeface="Calibri"/>
-            </a:endParaRPr>
-          </a:p>
-        </p:txBody>
-      </p:sp>
-      <p:sp>
-        <p:nvSpPr>
-          <p:cNvPr id="63" name="PlaceHolder 2"/>
+            <a:pPr algn="ctr"/>
+            <a:endParaRPr b="0" lang="pt-BR" sz="4400" spc="-1" strike="noStrike">
+              <a:latin typeface="Arial"/>
+            </a:endParaRPr>
+          </a:p>
+        </p:txBody>
+      </p:sp>
+      <p:sp>
+        <p:nvSpPr>
+          <p:cNvPr id="60" name="PlaceHolder 2"/>
           <p:cNvSpPr>
             <a:spLocks noGrp="1"/>
           </p:cNvSpPr>
@@ -1854,8 +1770,8 @@
         </p:nvSpPr>
         <p:spPr>
           <a:xfrm>
-            <a:off x="0" y="0"/>
-            <a:ext cx="5949360" cy="2343960"/>
+            <a:off x="609480" y="1604520"/>
+            <a:ext cx="5354280" cy="1896840"/>
           </a:xfrm>
           <a:prstGeom prst="rect">
             <a:avLst/>
@@ -1866,18 +1782,15 @@
             <a:normAutofit/>
           </a:bodyPr>
           <a:p>
-            <a:endParaRPr b="0" lang="en-US" sz="2800" spc="-1" strike="noStrike">
-              <a:solidFill>
-                <a:srgbClr val="000000"/>
-              </a:solidFill>
-              <a:latin typeface="Calibri"/>
-            </a:endParaRPr>
-          </a:p>
-        </p:txBody>
-      </p:sp>
-      <p:sp>
-        <p:nvSpPr>
-          <p:cNvPr id="64" name="PlaceHolder 3"/>
+            <a:endParaRPr b="0" lang="pt-BR" sz="3200" spc="-1" strike="noStrike">
+              <a:latin typeface="Arial"/>
+            </a:endParaRPr>
+          </a:p>
+        </p:txBody>
+      </p:sp>
+      <p:sp>
+        <p:nvSpPr>
+          <p:cNvPr id="61" name="PlaceHolder 3"/>
           <p:cNvSpPr>
             <a:spLocks noGrp="1"/>
           </p:cNvSpPr>
@@ -1887,8 +1800,8 @@
         </p:nvSpPr>
         <p:spPr>
           <a:xfrm>
-            <a:off x="6247080" y="0"/>
-            <a:ext cx="5949360" cy="2343960"/>
+            <a:off x="6231960" y="1604520"/>
+            <a:ext cx="5354280" cy="1896840"/>
           </a:xfrm>
           <a:prstGeom prst="rect">
             <a:avLst/>
@@ -1899,18 +1812,15 @@
             <a:normAutofit/>
           </a:bodyPr>
           <a:p>
-            <a:endParaRPr b="0" lang="en-US" sz="2800" spc="-1" strike="noStrike">
-              <a:solidFill>
-                <a:srgbClr val="000000"/>
-              </a:solidFill>
-              <a:latin typeface="Calibri"/>
-            </a:endParaRPr>
-          </a:p>
-        </p:txBody>
-      </p:sp>
-      <p:sp>
-        <p:nvSpPr>
-          <p:cNvPr id="65" name="PlaceHolder 4"/>
+            <a:endParaRPr b="0" lang="pt-BR" sz="3200" spc="-1" strike="noStrike">
+              <a:latin typeface="Arial"/>
+            </a:endParaRPr>
+          </a:p>
+        </p:txBody>
+      </p:sp>
+      <p:sp>
+        <p:nvSpPr>
+          <p:cNvPr id="62" name="PlaceHolder 4"/>
           <p:cNvSpPr>
             <a:spLocks noGrp="1"/>
           </p:cNvSpPr>
@@ -1920,8 +1830,8 @@
         </p:nvSpPr>
         <p:spPr>
           <a:xfrm>
-            <a:off x="0" y="2567160"/>
-            <a:ext cx="12191760" cy="2343960"/>
+            <a:off x="609480" y="3682080"/>
+            <a:ext cx="10972440" cy="1896840"/>
           </a:xfrm>
           <a:prstGeom prst="rect">
             <a:avLst/>
@@ -1932,11 +1842,8 @@
             <a:normAutofit/>
           </a:bodyPr>
           <a:p>
-            <a:endParaRPr b="0" lang="en-US" sz="2800" spc="-1" strike="noStrike">
-              <a:solidFill>
-                <a:srgbClr val="000000"/>
-              </a:solidFill>
-              <a:latin typeface="Calibri"/>
+            <a:endParaRPr b="0" lang="pt-BR" sz="3200" spc="-1" strike="noStrike">
+              <a:latin typeface="Arial"/>
             </a:endParaRPr>
           </a:p>
         </p:txBody>
@@ -1965,7 +1872,7 @@
       </p:grpSpPr>
       <p:sp>
         <p:nvSpPr>
-          <p:cNvPr id="66" name="PlaceHolder 1"/>
+          <p:cNvPr id="63" name="PlaceHolder 1"/>
           <p:cNvSpPr>
             <a:spLocks noGrp="1"/>
           </p:cNvSpPr>
@@ -1975,8 +1882,8 @@
         </p:nvSpPr>
         <p:spPr>
           <a:xfrm>
-            <a:off x="1097280" y="5074920"/>
-            <a:ext cx="10112760" cy="822600"/>
+            <a:off x="609480" y="273600"/>
+            <a:ext cx="10972440" cy="1144800"/>
           </a:xfrm>
           <a:prstGeom prst="rect">
             <a:avLst/>
@@ -1987,18 +1894,16 @@
             <a:noAutofit/>
           </a:bodyPr>
           <a:p>
-            <a:endParaRPr b="0" lang="en-US" sz="1800" spc="-1" strike="noStrike">
-              <a:solidFill>
-                <a:srgbClr val="000000"/>
-              </a:solidFill>
-              <a:latin typeface="Calibri"/>
-            </a:endParaRPr>
-          </a:p>
-        </p:txBody>
-      </p:sp>
-      <p:sp>
-        <p:nvSpPr>
-          <p:cNvPr id="67" name="PlaceHolder 2"/>
+            <a:pPr algn="ctr"/>
+            <a:endParaRPr b="0" lang="pt-BR" sz="4400" spc="-1" strike="noStrike">
+              <a:latin typeface="Arial"/>
+            </a:endParaRPr>
+          </a:p>
+        </p:txBody>
+      </p:sp>
+      <p:sp>
+        <p:nvSpPr>
+          <p:cNvPr id="64" name="PlaceHolder 2"/>
           <p:cNvSpPr>
             <a:spLocks noGrp="1"/>
           </p:cNvSpPr>
@@ -2008,8 +1913,8 @@
         </p:nvSpPr>
         <p:spPr>
           <a:xfrm>
-            <a:off x="0" y="0"/>
-            <a:ext cx="12191760" cy="2343960"/>
+            <a:off x="609480" y="1604520"/>
+            <a:ext cx="10972440" cy="1896840"/>
           </a:xfrm>
           <a:prstGeom prst="rect">
             <a:avLst/>
@@ -2020,18 +1925,15 @@
             <a:normAutofit/>
           </a:bodyPr>
           <a:p>
-            <a:endParaRPr b="0" lang="en-US" sz="2800" spc="-1" strike="noStrike">
-              <a:solidFill>
-                <a:srgbClr val="000000"/>
-              </a:solidFill>
-              <a:latin typeface="Calibri"/>
-            </a:endParaRPr>
-          </a:p>
-        </p:txBody>
-      </p:sp>
-      <p:sp>
-        <p:nvSpPr>
-          <p:cNvPr id="68" name="PlaceHolder 3"/>
+            <a:endParaRPr b="0" lang="pt-BR" sz="3200" spc="-1" strike="noStrike">
+              <a:latin typeface="Arial"/>
+            </a:endParaRPr>
+          </a:p>
+        </p:txBody>
+      </p:sp>
+      <p:sp>
+        <p:nvSpPr>
+          <p:cNvPr id="65" name="PlaceHolder 3"/>
           <p:cNvSpPr>
             <a:spLocks noGrp="1"/>
           </p:cNvSpPr>
@@ -2041,8 +1943,8 @@
         </p:nvSpPr>
         <p:spPr>
           <a:xfrm>
-            <a:off x="0" y="2567160"/>
-            <a:ext cx="12191760" cy="2343960"/>
+            <a:off x="609480" y="3682080"/>
+            <a:ext cx="10972440" cy="1896840"/>
           </a:xfrm>
           <a:prstGeom prst="rect">
             <a:avLst/>
@@ -2053,11 +1955,8 @@
             <a:normAutofit/>
           </a:bodyPr>
           <a:p>
-            <a:endParaRPr b="0" lang="en-US" sz="2800" spc="-1" strike="noStrike">
-              <a:solidFill>
-                <a:srgbClr val="000000"/>
-              </a:solidFill>
-              <a:latin typeface="Calibri"/>
+            <a:endParaRPr b="0" lang="pt-BR" sz="3200" spc="-1" strike="noStrike">
+              <a:latin typeface="Arial"/>
             </a:endParaRPr>
           </a:p>
         </p:txBody>
@@ -2086,7 +1985,7 @@
       </p:grpSpPr>
       <p:sp>
         <p:nvSpPr>
-          <p:cNvPr id="69" name="PlaceHolder 1"/>
+          <p:cNvPr id="66" name="PlaceHolder 1"/>
           <p:cNvSpPr>
             <a:spLocks noGrp="1"/>
           </p:cNvSpPr>
@@ -2096,8 +1995,8 @@
         </p:nvSpPr>
         <p:spPr>
           <a:xfrm>
-            <a:off x="1097280" y="5074920"/>
-            <a:ext cx="10112760" cy="822600"/>
+            <a:off x="609480" y="273600"/>
+            <a:ext cx="10972440" cy="1144800"/>
           </a:xfrm>
           <a:prstGeom prst="rect">
             <a:avLst/>
@@ -2108,18 +2007,16 @@
             <a:noAutofit/>
           </a:bodyPr>
           <a:p>
-            <a:endParaRPr b="0" lang="en-US" sz="1800" spc="-1" strike="noStrike">
-              <a:solidFill>
-                <a:srgbClr val="000000"/>
-              </a:solidFill>
-              <a:latin typeface="Calibri"/>
-            </a:endParaRPr>
-          </a:p>
-        </p:txBody>
-      </p:sp>
-      <p:sp>
-        <p:nvSpPr>
-          <p:cNvPr id="70" name="PlaceHolder 2"/>
+            <a:pPr algn="ctr"/>
+            <a:endParaRPr b="0" lang="pt-BR" sz="4400" spc="-1" strike="noStrike">
+              <a:latin typeface="Arial"/>
+            </a:endParaRPr>
+          </a:p>
+        </p:txBody>
+      </p:sp>
+      <p:sp>
+        <p:nvSpPr>
+          <p:cNvPr id="67" name="PlaceHolder 2"/>
           <p:cNvSpPr>
             <a:spLocks noGrp="1"/>
           </p:cNvSpPr>
@@ -2129,8 +2026,8 @@
         </p:nvSpPr>
         <p:spPr>
           <a:xfrm>
-            <a:off x="0" y="0"/>
-            <a:ext cx="5949360" cy="2343960"/>
+            <a:off x="609480" y="1604520"/>
+            <a:ext cx="5354280" cy="1896840"/>
           </a:xfrm>
           <a:prstGeom prst="rect">
             <a:avLst/>
@@ -2141,18 +2038,15 @@
             <a:normAutofit/>
           </a:bodyPr>
           <a:p>
-            <a:endParaRPr b="0" lang="en-US" sz="2800" spc="-1" strike="noStrike">
-              <a:solidFill>
-                <a:srgbClr val="000000"/>
-              </a:solidFill>
-              <a:latin typeface="Calibri"/>
-            </a:endParaRPr>
-          </a:p>
-        </p:txBody>
-      </p:sp>
-      <p:sp>
-        <p:nvSpPr>
-          <p:cNvPr id="71" name="PlaceHolder 3"/>
+            <a:endParaRPr b="0" lang="pt-BR" sz="3200" spc="-1" strike="noStrike">
+              <a:latin typeface="Arial"/>
+            </a:endParaRPr>
+          </a:p>
+        </p:txBody>
+      </p:sp>
+      <p:sp>
+        <p:nvSpPr>
+          <p:cNvPr id="68" name="PlaceHolder 3"/>
           <p:cNvSpPr>
             <a:spLocks noGrp="1"/>
           </p:cNvSpPr>
@@ -2162,8 +2056,8 @@
         </p:nvSpPr>
         <p:spPr>
           <a:xfrm>
-            <a:off x="6247080" y="0"/>
-            <a:ext cx="5949360" cy="2343960"/>
+            <a:off x="6231960" y="1604520"/>
+            <a:ext cx="5354280" cy="1896840"/>
           </a:xfrm>
           <a:prstGeom prst="rect">
             <a:avLst/>
@@ -2174,18 +2068,15 @@
             <a:normAutofit/>
           </a:bodyPr>
           <a:p>
-            <a:endParaRPr b="0" lang="en-US" sz="2800" spc="-1" strike="noStrike">
-              <a:solidFill>
-                <a:srgbClr val="000000"/>
-              </a:solidFill>
-              <a:latin typeface="Calibri"/>
-            </a:endParaRPr>
-          </a:p>
-        </p:txBody>
-      </p:sp>
-      <p:sp>
-        <p:nvSpPr>
-          <p:cNvPr id="72" name="PlaceHolder 4"/>
+            <a:endParaRPr b="0" lang="pt-BR" sz="3200" spc="-1" strike="noStrike">
+              <a:latin typeface="Arial"/>
+            </a:endParaRPr>
+          </a:p>
+        </p:txBody>
+      </p:sp>
+      <p:sp>
+        <p:nvSpPr>
+          <p:cNvPr id="69" name="PlaceHolder 4"/>
           <p:cNvSpPr>
             <a:spLocks noGrp="1"/>
           </p:cNvSpPr>
@@ -2195,8 +2086,8 @@
         </p:nvSpPr>
         <p:spPr>
           <a:xfrm>
-            <a:off x="0" y="2567160"/>
-            <a:ext cx="5949360" cy="2343960"/>
+            <a:off x="609480" y="3682080"/>
+            <a:ext cx="5354280" cy="1896840"/>
           </a:xfrm>
           <a:prstGeom prst="rect">
             <a:avLst/>
@@ -2207,18 +2098,15 @@
             <a:normAutofit/>
           </a:bodyPr>
           <a:p>
-            <a:endParaRPr b="0" lang="en-US" sz="2800" spc="-1" strike="noStrike">
-              <a:solidFill>
-                <a:srgbClr val="000000"/>
-              </a:solidFill>
-              <a:latin typeface="Calibri"/>
-            </a:endParaRPr>
-          </a:p>
-        </p:txBody>
-      </p:sp>
-      <p:sp>
-        <p:nvSpPr>
-          <p:cNvPr id="73" name="PlaceHolder 5"/>
+            <a:endParaRPr b="0" lang="pt-BR" sz="3200" spc="-1" strike="noStrike">
+              <a:latin typeface="Arial"/>
+            </a:endParaRPr>
+          </a:p>
+        </p:txBody>
+      </p:sp>
+      <p:sp>
+        <p:nvSpPr>
+          <p:cNvPr id="70" name="PlaceHolder 5"/>
           <p:cNvSpPr>
             <a:spLocks noGrp="1"/>
           </p:cNvSpPr>
@@ -2228,8 +2116,8 @@
         </p:nvSpPr>
         <p:spPr>
           <a:xfrm>
-            <a:off x="6247080" y="2567160"/>
-            <a:ext cx="5949360" cy="2343960"/>
+            <a:off x="6231960" y="3682080"/>
+            <a:ext cx="5354280" cy="1896840"/>
           </a:xfrm>
           <a:prstGeom prst="rect">
             <a:avLst/>
@@ -2240,11 +2128,8 @@
             <a:normAutofit/>
           </a:bodyPr>
           <a:p>
-            <a:endParaRPr b="0" lang="en-US" sz="2800" spc="-1" strike="noStrike">
-              <a:solidFill>
-                <a:srgbClr val="000000"/>
-              </a:solidFill>
-              <a:latin typeface="Calibri"/>
+            <a:endParaRPr b="0" lang="pt-BR" sz="3200" spc="-1" strike="noStrike">
+              <a:latin typeface="Arial"/>
             </a:endParaRPr>
           </a:p>
         </p:txBody>
@@ -2273,7 +2158,7 @@
       </p:grpSpPr>
       <p:sp>
         <p:nvSpPr>
-          <p:cNvPr id="74" name="PlaceHolder 1"/>
+          <p:cNvPr id="71" name="PlaceHolder 1"/>
           <p:cNvSpPr>
             <a:spLocks noGrp="1"/>
           </p:cNvSpPr>
@@ -2283,8 +2168,8 @@
         </p:nvSpPr>
         <p:spPr>
           <a:xfrm>
-            <a:off x="1097280" y="5074920"/>
-            <a:ext cx="10112760" cy="822600"/>
+            <a:off x="609480" y="273600"/>
+            <a:ext cx="10972440" cy="1144800"/>
           </a:xfrm>
           <a:prstGeom prst="rect">
             <a:avLst/>
@@ -2295,18 +2180,16 @@
             <a:noAutofit/>
           </a:bodyPr>
           <a:p>
-            <a:endParaRPr b="0" lang="en-US" sz="1800" spc="-1" strike="noStrike">
-              <a:solidFill>
-                <a:srgbClr val="000000"/>
-              </a:solidFill>
-              <a:latin typeface="Calibri"/>
-            </a:endParaRPr>
-          </a:p>
-        </p:txBody>
-      </p:sp>
-      <p:sp>
-        <p:nvSpPr>
-          <p:cNvPr id="75" name="PlaceHolder 2"/>
+            <a:pPr algn="ctr"/>
+            <a:endParaRPr b="0" lang="pt-BR" sz="4400" spc="-1" strike="noStrike">
+              <a:latin typeface="Arial"/>
+            </a:endParaRPr>
+          </a:p>
+        </p:txBody>
+      </p:sp>
+      <p:sp>
+        <p:nvSpPr>
+          <p:cNvPr id="72" name="PlaceHolder 2"/>
           <p:cNvSpPr>
             <a:spLocks noGrp="1"/>
           </p:cNvSpPr>
@@ -2316,8 +2199,8 @@
         </p:nvSpPr>
         <p:spPr>
           <a:xfrm>
-            <a:off x="0" y="0"/>
-            <a:ext cx="3925440" cy="2343960"/>
+            <a:off x="609480" y="1604520"/>
+            <a:ext cx="3533040" cy="1896840"/>
           </a:xfrm>
           <a:prstGeom prst="rect">
             <a:avLst/>
@@ -2328,18 +2211,15 @@
             <a:normAutofit/>
           </a:bodyPr>
           <a:p>
-            <a:endParaRPr b="0" lang="en-US" sz="2800" spc="-1" strike="noStrike">
-              <a:solidFill>
-                <a:srgbClr val="000000"/>
-              </a:solidFill>
-              <a:latin typeface="Calibri"/>
-            </a:endParaRPr>
-          </a:p>
-        </p:txBody>
-      </p:sp>
-      <p:sp>
-        <p:nvSpPr>
-          <p:cNvPr id="76" name="PlaceHolder 3"/>
+            <a:endParaRPr b="0" lang="pt-BR" sz="3200" spc="-1" strike="noStrike">
+              <a:latin typeface="Arial"/>
+            </a:endParaRPr>
+          </a:p>
+        </p:txBody>
+      </p:sp>
+      <p:sp>
+        <p:nvSpPr>
+          <p:cNvPr id="73" name="PlaceHolder 3"/>
           <p:cNvSpPr>
             <a:spLocks noGrp="1"/>
           </p:cNvSpPr>
@@ -2349,8 +2229,8 @@
         </p:nvSpPr>
         <p:spPr>
           <a:xfrm>
-            <a:off x="4122000" y="0"/>
-            <a:ext cx="3925440" cy="2343960"/>
+            <a:off x="4319640" y="1604520"/>
+            <a:ext cx="3533040" cy="1896840"/>
           </a:xfrm>
           <a:prstGeom prst="rect">
             <a:avLst/>
@@ -2361,18 +2241,15 @@
             <a:normAutofit/>
           </a:bodyPr>
           <a:p>
-            <a:endParaRPr b="0" lang="en-US" sz="2800" spc="-1" strike="noStrike">
-              <a:solidFill>
-                <a:srgbClr val="000000"/>
-              </a:solidFill>
-              <a:latin typeface="Calibri"/>
-            </a:endParaRPr>
-          </a:p>
-        </p:txBody>
-      </p:sp>
-      <p:sp>
-        <p:nvSpPr>
-          <p:cNvPr id="77" name="PlaceHolder 4"/>
+            <a:endParaRPr b="0" lang="pt-BR" sz="3200" spc="-1" strike="noStrike">
+              <a:latin typeface="Arial"/>
+            </a:endParaRPr>
+          </a:p>
+        </p:txBody>
+      </p:sp>
+      <p:sp>
+        <p:nvSpPr>
+          <p:cNvPr id="74" name="PlaceHolder 4"/>
           <p:cNvSpPr>
             <a:spLocks noGrp="1"/>
           </p:cNvSpPr>
@@ -2382,8 +2259,8 @@
         </p:nvSpPr>
         <p:spPr>
           <a:xfrm>
-            <a:off x="8244360" y="0"/>
-            <a:ext cx="3925440" cy="2343960"/>
+            <a:off x="8029800" y="1604520"/>
+            <a:ext cx="3533040" cy="1896840"/>
           </a:xfrm>
           <a:prstGeom prst="rect">
             <a:avLst/>
@@ -2394,18 +2271,15 @@
             <a:normAutofit/>
           </a:bodyPr>
           <a:p>
-            <a:endParaRPr b="0" lang="en-US" sz="2800" spc="-1" strike="noStrike">
-              <a:solidFill>
-                <a:srgbClr val="000000"/>
-              </a:solidFill>
-              <a:latin typeface="Calibri"/>
-            </a:endParaRPr>
-          </a:p>
-        </p:txBody>
-      </p:sp>
-      <p:sp>
-        <p:nvSpPr>
-          <p:cNvPr id="78" name="PlaceHolder 5"/>
+            <a:endParaRPr b="0" lang="pt-BR" sz="3200" spc="-1" strike="noStrike">
+              <a:latin typeface="Arial"/>
+            </a:endParaRPr>
+          </a:p>
+        </p:txBody>
+      </p:sp>
+      <p:sp>
+        <p:nvSpPr>
+          <p:cNvPr id="75" name="PlaceHolder 5"/>
           <p:cNvSpPr>
             <a:spLocks noGrp="1"/>
           </p:cNvSpPr>
@@ -2415,8 +2289,8 @@
         </p:nvSpPr>
         <p:spPr>
           <a:xfrm>
-            <a:off x="0" y="2567160"/>
-            <a:ext cx="3925440" cy="2343960"/>
+            <a:off x="609480" y="3682080"/>
+            <a:ext cx="3533040" cy="1896840"/>
           </a:xfrm>
           <a:prstGeom prst="rect">
             <a:avLst/>
@@ -2427,18 +2301,15 @@
             <a:normAutofit/>
           </a:bodyPr>
           <a:p>
-            <a:endParaRPr b="0" lang="en-US" sz="2800" spc="-1" strike="noStrike">
-              <a:solidFill>
-                <a:srgbClr val="000000"/>
-              </a:solidFill>
-              <a:latin typeface="Calibri"/>
-            </a:endParaRPr>
-          </a:p>
-        </p:txBody>
-      </p:sp>
-      <p:sp>
-        <p:nvSpPr>
-          <p:cNvPr id="79" name="PlaceHolder 6"/>
+            <a:endParaRPr b="0" lang="pt-BR" sz="3200" spc="-1" strike="noStrike">
+              <a:latin typeface="Arial"/>
+            </a:endParaRPr>
+          </a:p>
+        </p:txBody>
+      </p:sp>
+      <p:sp>
+        <p:nvSpPr>
+          <p:cNvPr id="76" name="PlaceHolder 6"/>
           <p:cNvSpPr>
             <a:spLocks noGrp="1"/>
           </p:cNvSpPr>
@@ -2448,8 +2319,8 @@
         </p:nvSpPr>
         <p:spPr>
           <a:xfrm>
-            <a:off x="4122000" y="2567160"/>
-            <a:ext cx="3925440" cy="2343960"/>
+            <a:off x="4319640" y="3682080"/>
+            <a:ext cx="3533040" cy="1896840"/>
           </a:xfrm>
           <a:prstGeom prst="rect">
             <a:avLst/>
@@ -2460,18 +2331,15 @@
             <a:normAutofit/>
           </a:bodyPr>
           <a:p>
-            <a:endParaRPr b="0" lang="en-US" sz="2800" spc="-1" strike="noStrike">
-              <a:solidFill>
-                <a:srgbClr val="000000"/>
-              </a:solidFill>
-              <a:latin typeface="Calibri"/>
-            </a:endParaRPr>
-          </a:p>
-        </p:txBody>
-      </p:sp>
-      <p:sp>
-        <p:nvSpPr>
-          <p:cNvPr id="80" name="PlaceHolder 7"/>
+            <a:endParaRPr b="0" lang="pt-BR" sz="3200" spc="-1" strike="noStrike">
+              <a:latin typeface="Arial"/>
+            </a:endParaRPr>
+          </a:p>
+        </p:txBody>
+      </p:sp>
+      <p:sp>
+        <p:nvSpPr>
+          <p:cNvPr id="77" name="PlaceHolder 7"/>
           <p:cNvSpPr>
             <a:spLocks noGrp="1"/>
           </p:cNvSpPr>
@@ -2481,8 +2349,8 @@
         </p:nvSpPr>
         <p:spPr>
           <a:xfrm>
-            <a:off x="8244360" y="2567160"/>
-            <a:ext cx="3925440" cy="2343960"/>
+            <a:off x="8029800" y="3682080"/>
+            <a:ext cx="3533040" cy="1896840"/>
           </a:xfrm>
           <a:prstGeom prst="rect">
             <a:avLst/>
@@ -2493,11 +2361,8 @@
             <a:normAutofit/>
           </a:bodyPr>
           <a:p>
-            <a:endParaRPr b="0" lang="en-US" sz="2800" spc="-1" strike="noStrike">
-              <a:solidFill>
-                <a:srgbClr val="000000"/>
-              </a:solidFill>
-              <a:latin typeface="Calibri"/>
+            <a:endParaRPr b="0" lang="pt-BR" sz="3200" spc="-1" strike="noStrike">
+              <a:latin typeface="Arial"/>
             </a:endParaRPr>
           </a:p>
         </p:txBody>
@@ -2548,7 +2413,7 @@
       </p:grpSpPr>
       <p:sp>
         <p:nvSpPr>
-          <p:cNvPr id="90" name="PlaceHolder 1"/>
+          <p:cNvPr id="83" name="PlaceHolder 1"/>
           <p:cNvSpPr>
             <a:spLocks noGrp="1"/>
           </p:cNvSpPr>
@@ -2558,8 +2423,8 @@
         </p:nvSpPr>
         <p:spPr>
           <a:xfrm>
-            <a:off x="1097280" y="5074920"/>
-            <a:ext cx="10112760" cy="822600"/>
+            <a:off x="609480" y="273600"/>
+            <a:ext cx="10972440" cy="1144800"/>
           </a:xfrm>
           <a:prstGeom prst="rect">
             <a:avLst/>
@@ -2570,18 +2435,16 @@
             <a:noAutofit/>
           </a:bodyPr>
           <a:p>
-            <a:endParaRPr b="0" lang="en-US" sz="1800" spc="-1" strike="noStrike">
-              <a:solidFill>
-                <a:srgbClr val="000000"/>
-              </a:solidFill>
-              <a:latin typeface="Calibri"/>
-            </a:endParaRPr>
-          </a:p>
-        </p:txBody>
-      </p:sp>
-      <p:sp>
-        <p:nvSpPr>
-          <p:cNvPr id="91" name="PlaceHolder 2"/>
+            <a:pPr algn="ctr"/>
+            <a:endParaRPr b="0" lang="pt-BR" sz="4400" spc="-1" strike="noStrike">
+              <a:latin typeface="Arial"/>
+            </a:endParaRPr>
+          </a:p>
+        </p:txBody>
+      </p:sp>
+      <p:sp>
+        <p:nvSpPr>
+          <p:cNvPr id="84" name="PlaceHolder 2"/>
           <p:cNvSpPr>
             <a:spLocks noGrp="1"/>
           </p:cNvSpPr>
@@ -2591,8 +2454,8 @@
         </p:nvSpPr>
         <p:spPr>
           <a:xfrm>
-            <a:off x="0" y="0"/>
-            <a:ext cx="12191760" cy="4914720"/>
+            <a:off x="609480" y="1604520"/>
+            <a:ext cx="10972440" cy="3977280"/>
           </a:xfrm>
           <a:prstGeom prst="rect">
             <a:avLst/>
@@ -2634,7 +2497,7 @@
       </p:grpSpPr>
       <p:sp>
         <p:nvSpPr>
-          <p:cNvPr id="92" name="PlaceHolder 1"/>
+          <p:cNvPr id="85" name="PlaceHolder 1"/>
           <p:cNvSpPr>
             <a:spLocks noGrp="1"/>
           </p:cNvSpPr>
@@ -2644,8 +2507,8 @@
         </p:nvSpPr>
         <p:spPr>
           <a:xfrm>
-            <a:off x="1097280" y="5074920"/>
-            <a:ext cx="10112760" cy="822600"/>
+            <a:off x="609480" y="273600"/>
+            <a:ext cx="10972440" cy="1144800"/>
           </a:xfrm>
           <a:prstGeom prst="rect">
             <a:avLst/>
@@ -2656,18 +2519,16 @@
             <a:noAutofit/>
           </a:bodyPr>
           <a:p>
-            <a:endParaRPr b="0" lang="en-US" sz="1800" spc="-1" strike="noStrike">
-              <a:solidFill>
-                <a:srgbClr val="000000"/>
-              </a:solidFill>
-              <a:latin typeface="Calibri"/>
-            </a:endParaRPr>
-          </a:p>
-        </p:txBody>
-      </p:sp>
-      <p:sp>
-        <p:nvSpPr>
-          <p:cNvPr id="93" name="PlaceHolder 2"/>
+            <a:pPr algn="ctr"/>
+            <a:endParaRPr b="0" lang="pt-BR" sz="4400" spc="-1" strike="noStrike">
+              <a:latin typeface="Arial"/>
+            </a:endParaRPr>
+          </a:p>
+        </p:txBody>
+      </p:sp>
+      <p:sp>
+        <p:nvSpPr>
+          <p:cNvPr id="86" name="PlaceHolder 2"/>
           <p:cNvSpPr>
             <a:spLocks noGrp="1"/>
           </p:cNvSpPr>
@@ -2677,8 +2538,8 @@
         </p:nvSpPr>
         <p:spPr>
           <a:xfrm>
-            <a:off x="0" y="0"/>
-            <a:ext cx="12191760" cy="4914720"/>
+            <a:off x="609480" y="1604520"/>
+            <a:ext cx="10972440" cy="3977280"/>
           </a:xfrm>
           <a:prstGeom prst="rect">
             <a:avLst/>
@@ -2689,11 +2550,8 @@
             <a:normAutofit/>
           </a:bodyPr>
           <a:p>
-            <a:endParaRPr b="0" lang="en-US" sz="2800" spc="-1" strike="noStrike">
-              <a:solidFill>
-                <a:srgbClr val="000000"/>
-              </a:solidFill>
-              <a:latin typeface="Calibri"/>
+            <a:endParaRPr b="0" lang="pt-BR" sz="3200" spc="-1" strike="noStrike">
+              <a:latin typeface="Arial"/>
             </a:endParaRPr>
           </a:p>
         </p:txBody>
@@ -2722,7 +2580,7 @@
       </p:grpSpPr>
       <p:sp>
         <p:nvSpPr>
-          <p:cNvPr id="94" name="PlaceHolder 1"/>
+          <p:cNvPr id="87" name="PlaceHolder 1"/>
           <p:cNvSpPr>
             <a:spLocks noGrp="1"/>
           </p:cNvSpPr>
@@ -2732,8 +2590,8 @@
         </p:nvSpPr>
         <p:spPr>
           <a:xfrm>
-            <a:off x="1097280" y="5074920"/>
-            <a:ext cx="10112760" cy="822600"/>
+            <a:off x="609480" y="273600"/>
+            <a:ext cx="10972440" cy="1144800"/>
           </a:xfrm>
           <a:prstGeom prst="rect">
             <a:avLst/>
@@ -2744,18 +2602,16 @@
             <a:noAutofit/>
           </a:bodyPr>
           <a:p>
-            <a:endParaRPr b="0" lang="en-US" sz="1800" spc="-1" strike="noStrike">
-              <a:solidFill>
-                <a:srgbClr val="000000"/>
-              </a:solidFill>
-              <a:latin typeface="Calibri"/>
-            </a:endParaRPr>
-          </a:p>
-        </p:txBody>
-      </p:sp>
-      <p:sp>
-        <p:nvSpPr>
-          <p:cNvPr id="95" name="PlaceHolder 2"/>
+            <a:pPr algn="ctr"/>
+            <a:endParaRPr b="0" lang="pt-BR" sz="4400" spc="-1" strike="noStrike">
+              <a:latin typeface="Arial"/>
+            </a:endParaRPr>
+          </a:p>
+        </p:txBody>
+      </p:sp>
+      <p:sp>
+        <p:nvSpPr>
+          <p:cNvPr id="88" name="PlaceHolder 2"/>
           <p:cNvSpPr>
             <a:spLocks noGrp="1"/>
           </p:cNvSpPr>
@@ -2765,8 +2621,8 @@
         </p:nvSpPr>
         <p:spPr>
           <a:xfrm>
-            <a:off x="0" y="0"/>
-            <a:ext cx="5949360" cy="4914720"/>
+            <a:off x="609480" y="1604520"/>
+            <a:ext cx="5354280" cy="3977280"/>
           </a:xfrm>
           <a:prstGeom prst="rect">
             <a:avLst/>
@@ -2777,18 +2633,15 @@
             <a:normAutofit/>
           </a:bodyPr>
           <a:p>
-            <a:endParaRPr b="0" lang="en-US" sz="2800" spc="-1" strike="noStrike">
-              <a:solidFill>
-                <a:srgbClr val="000000"/>
-              </a:solidFill>
-              <a:latin typeface="Calibri"/>
-            </a:endParaRPr>
-          </a:p>
-        </p:txBody>
-      </p:sp>
-      <p:sp>
-        <p:nvSpPr>
-          <p:cNvPr id="96" name="PlaceHolder 3"/>
+            <a:endParaRPr b="0" lang="pt-BR" sz="3200" spc="-1" strike="noStrike">
+              <a:latin typeface="Arial"/>
+            </a:endParaRPr>
+          </a:p>
+        </p:txBody>
+      </p:sp>
+      <p:sp>
+        <p:nvSpPr>
+          <p:cNvPr id="89" name="PlaceHolder 3"/>
           <p:cNvSpPr>
             <a:spLocks noGrp="1"/>
           </p:cNvSpPr>
@@ -2798,8 +2651,8 @@
         </p:nvSpPr>
         <p:spPr>
           <a:xfrm>
-            <a:off x="6247080" y="0"/>
-            <a:ext cx="5949360" cy="4914720"/>
+            <a:off x="6231960" y="1604520"/>
+            <a:ext cx="5354280" cy="3977280"/>
           </a:xfrm>
           <a:prstGeom prst="rect">
             <a:avLst/>
@@ -2810,11 +2663,8 @@
             <a:normAutofit/>
           </a:bodyPr>
           <a:p>
-            <a:endParaRPr b="0" lang="en-US" sz="2800" spc="-1" strike="noStrike">
-              <a:solidFill>
-                <a:srgbClr val="000000"/>
-              </a:solidFill>
-              <a:latin typeface="Calibri"/>
+            <a:endParaRPr b="0" lang="pt-BR" sz="3200" spc="-1" strike="noStrike">
+              <a:latin typeface="Arial"/>
             </a:endParaRPr>
           </a:p>
         </p:txBody>
@@ -2843,7 +2693,7 @@
       </p:grpSpPr>
       <p:sp>
         <p:nvSpPr>
-          <p:cNvPr id="97" name="PlaceHolder 1"/>
+          <p:cNvPr id="90" name="PlaceHolder 1"/>
           <p:cNvSpPr>
             <a:spLocks noGrp="1"/>
           </p:cNvSpPr>
@@ -2853,8 +2703,8 @@
         </p:nvSpPr>
         <p:spPr>
           <a:xfrm>
-            <a:off x="1097280" y="5074920"/>
-            <a:ext cx="10112760" cy="822600"/>
+            <a:off x="609480" y="273600"/>
+            <a:ext cx="10972440" cy="1144800"/>
           </a:xfrm>
           <a:prstGeom prst="rect">
             <a:avLst/>
@@ -2865,11 +2715,9 @@
             <a:noAutofit/>
           </a:bodyPr>
           <a:p>
-            <a:endParaRPr b="0" lang="en-US" sz="1800" spc="-1" strike="noStrike">
-              <a:solidFill>
-                <a:srgbClr val="000000"/>
-              </a:solidFill>
-              <a:latin typeface="Calibri"/>
+            <a:pPr algn="ctr"/>
+            <a:endParaRPr b="0" lang="pt-BR" sz="4400" spc="-1" strike="noStrike">
+              <a:latin typeface="Arial"/>
             </a:endParaRPr>
           </a:p>
         </p:txBody>
@@ -2908,8 +2756,8 @@
         </p:nvSpPr>
         <p:spPr>
           <a:xfrm>
-            <a:off x="1097280" y="5074920"/>
-            <a:ext cx="10112760" cy="822600"/>
+            <a:off x="609480" y="273600"/>
+            <a:ext cx="10972440" cy="1144800"/>
           </a:xfrm>
           <a:prstGeom prst="rect">
             <a:avLst/>
@@ -2920,11 +2768,9 @@
             <a:noAutofit/>
           </a:bodyPr>
           <a:p>
-            <a:endParaRPr b="0" lang="en-US" sz="1800" spc="-1" strike="noStrike">
-              <a:solidFill>
-                <a:srgbClr val="000000"/>
-              </a:solidFill>
-              <a:latin typeface="Calibri"/>
+            <a:pPr algn="ctr"/>
+            <a:endParaRPr b="0" lang="pt-BR" sz="4400" spc="-1" strike="noStrike">
+              <a:latin typeface="Arial"/>
             </a:endParaRPr>
           </a:p>
         </p:txBody>
@@ -2941,8 +2787,8 @@
         </p:nvSpPr>
         <p:spPr>
           <a:xfrm>
-            <a:off x="0" y="0"/>
-            <a:ext cx="12191760" cy="4914720"/>
+            <a:off x="609480" y="1604520"/>
+            <a:ext cx="10972440" cy="3977280"/>
           </a:xfrm>
           <a:prstGeom prst="rect">
             <a:avLst/>
@@ -2953,11 +2799,8 @@
             <a:normAutofit/>
           </a:bodyPr>
           <a:p>
-            <a:endParaRPr b="0" lang="en-US" sz="2800" spc="-1" strike="noStrike">
-              <a:solidFill>
-                <a:srgbClr val="000000"/>
-              </a:solidFill>
-              <a:latin typeface="Calibri"/>
+            <a:endParaRPr b="0" lang="pt-BR" sz="3200" spc="-1" strike="noStrike">
+              <a:latin typeface="Arial"/>
             </a:endParaRPr>
           </a:p>
         </p:txBody>
@@ -2986,7 +2829,7 @@
       </p:grpSpPr>
       <p:sp>
         <p:nvSpPr>
-          <p:cNvPr id="98" name="PlaceHolder 1"/>
+          <p:cNvPr id="91" name="PlaceHolder 1"/>
           <p:cNvSpPr>
             <a:spLocks noGrp="1"/>
           </p:cNvSpPr>
@@ -2996,8 +2839,8 @@
         </p:nvSpPr>
         <p:spPr>
           <a:xfrm>
-            <a:off x="1097280" y="5074920"/>
-            <a:ext cx="10112760" cy="3814560"/>
+            <a:off x="609480" y="273600"/>
+            <a:ext cx="10972440" cy="5307840"/>
           </a:xfrm>
           <a:prstGeom prst="rect">
             <a:avLst/>
@@ -3039,7 +2882,7 @@
       </p:grpSpPr>
       <p:sp>
         <p:nvSpPr>
-          <p:cNvPr id="99" name="PlaceHolder 1"/>
+          <p:cNvPr id="92" name="PlaceHolder 1"/>
           <p:cNvSpPr>
             <a:spLocks noGrp="1"/>
           </p:cNvSpPr>
@@ -3049,8 +2892,8 @@
         </p:nvSpPr>
         <p:spPr>
           <a:xfrm>
-            <a:off x="1097280" y="5074920"/>
-            <a:ext cx="10112760" cy="822600"/>
+            <a:off x="609480" y="273600"/>
+            <a:ext cx="10972440" cy="1144800"/>
           </a:xfrm>
           <a:prstGeom prst="rect">
             <a:avLst/>
@@ -3061,18 +2904,16 @@
             <a:noAutofit/>
           </a:bodyPr>
           <a:p>
-            <a:endParaRPr b="0" lang="en-US" sz="1800" spc="-1" strike="noStrike">
-              <a:solidFill>
-                <a:srgbClr val="000000"/>
-              </a:solidFill>
-              <a:latin typeface="Calibri"/>
-            </a:endParaRPr>
-          </a:p>
-        </p:txBody>
-      </p:sp>
-      <p:sp>
-        <p:nvSpPr>
-          <p:cNvPr id="100" name="PlaceHolder 2"/>
+            <a:pPr algn="ctr"/>
+            <a:endParaRPr b="0" lang="pt-BR" sz="4400" spc="-1" strike="noStrike">
+              <a:latin typeface="Arial"/>
+            </a:endParaRPr>
+          </a:p>
+        </p:txBody>
+      </p:sp>
+      <p:sp>
+        <p:nvSpPr>
+          <p:cNvPr id="93" name="PlaceHolder 2"/>
           <p:cNvSpPr>
             <a:spLocks noGrp="1"/>
           </p:cNvSpPr>
@@ -3082,8 +2923,8 @@
         </p:nvSpPr>
         <p:spPr>
           <a:xfrm>
-            <a:off x="0" y="0"/>
-            <a:ext cx="5949360" cy="2343960"/>
+            <a:off x="609480" y="1604520"/>
+            <a:ext cx="5354280" cy="1896840"/>
           </a:xfrm>
           <a:prstGeom prst="rect">
             <a:avLst/>
@@ -3094,18 +2935,15 @@
             <a:normAutofit/>
           </a:bodyPr>
           <a:p>
-            <a:endParaRPr b="0" lang="en-US" sz="2800" spc="-1" strike="noStrike">
-              <a:solidFill>
-                <a:srgbClr val="000000"/>
-              </a:solidFill>
-              <a:latin typeface="Calibri"/>
-            </a:endParaRPr>
-          </a:p>
-        </p:txBody>
-      </p:sp>
-      <p:sp>
-        <p:nvSpPr>
-          <p:cNvPr id="101" name="PlaceHolder 3"/>
+            <a:endParaRPr b="0" lang="pt-BR" sz="3200" spc="-1" strike="noStrike">
+              <a:latin typeface="Arial"/>
+            </a:endParaRPr>
+          </a:p>
+        </p:txBody>
+      </p:sp>
+      <p:sp>
+        <p:nvSpPr>
+          <p:cNvPr id="94" name="PlaceHolder 3"/>
           <p:cNvSpPr>
             <a:spLocks noGrp="1"/>
           </p:cNvSpPr>
@@ -3115,8 +2953,8 @@
         </p:nvSpPr>
         <p:spPr>
           <a:xfrm>
-            <a:off x="6247080" y="0"/>
-            <a:ext cx="5949360" cy="4914720"/>
+            <a:off x="6231960" y="1604520"/>
+            <a:ext cx="5354280" cy="3977280"/>
           </a:xfrm>
           <a:prstGeom prst="rect">
             <a:avLst/>
@@ -3127,18 +2965,15 @@
             <a:normAutofit/>
           </a:bodyPr>
           <a:p>
-            <a:endParaRPr b="0" lang="en-US" sz="2800" spc="-1" strike="noStrike">
-              <a:solidFill>
-                <a:srgbClr val="000000"/>
-              </a:solidFill>
-              <a:latin typeface="Calibri"/>
-            </a:endParaRPr>
-          </a:p>
-        </p:txBody>
-      </p:sp>
-      <p:sp>
-        <p:nvSpPr>
-          <p:cNvPr id="102" name="PlaceHolder 4"/>
+            <a:endParaRPr b="0" lang="pt-BR" sz="3200" spc="-1" strike="noStrike">
+              <a:latin typeface="Arial"/>
+            </a:endParaRPr>
+          </a:p>
+        </p:txBody>
+      </p:sp>
+      <p:sp>
+        <p:nvSpPr>
+          <p:cNvPr id="95" name="PlaceHolder 4"/>
           <p:cNvSpPr>
             <a:spLocks noGrp="1"/>
           </p:cNvSpPr>
@@ -3148,8 +2983,8 @@
         </p:nvSpPr>
         <p:spPr>
           <a:xfrm>
-            <a:off x="0" y="2567160"/>
-            <a:ext cx="5949360" cy="2343960"/>
+            <a:off x="609480" y="3682080"/>
+            <a:ext cx="5354280" cy="1896840"/>
           </a:xfrm>
           <a:prstGeom prst="rect">
             <a:avLst/>
@@ -3160,11 +2995,8 @@
             <a:normAutofit/>
           </a:bodyPr>
           <a:p>
-            <a:endParaRPr b="0" lang="en-US" sz="2800" spc="-1" strike="noStrike">
-              <a:solidFill>
-                <a:srgbClr val="000000"/>
-              </a:solidFill>
-              <a:latin typeface="Calibri"/>
+            <a:endParaRPr b="0" lang="pt-BR" sz="3200" spc="-1" strike="noStrike">
+              <a:latin typeface="Arial"/>
             </a:endParaRPr>
           </a:p>
         </p:txBody>
@@ -3193,7 +3025,7 @@
       </p:grpSpPr>
       <p:sp>
         <p:nvSpPr>
-          <p:cNvPr id="103" name="PlaceHolder 1"/>
+          <p:cNvPr id="96" name="PlaceHolder 1"/>
           <p:cNvSpPr>
             <a:spLocks noGrp="1"/>
           </p:cNvSpPr>
@@ -3203,8 +3035,8 @@
         </p:nvSpPr>
         <p:spPr>
           <a:xfrm>
-            <a:off x="1097280" y="5074920"/>
-            <a:ext cx="10112760" cy="822600"/>
+            <a:off x="609480" y="273600"/>
+            <a:ext cx="10972440" cy="1144800"/>
           </a:xfrm>
           <a:prstGeom prst="rect">
             <a:avLst/>
@@ -3215,18 +3047,16 @@
             <a:noAutofit/>
           </a:bodyPr>
           <a:p>
-            <a:endParaRPr b="0" lang="en-US" sz="1800" spc="-1" strike="noStrike">
-              <a:solidFill>
-                <a:srgbClr val="000000"/>
-              </a:solidFill>
-              <a:latin typeface="Calibri"/>
-            </a:endParaRPr>
-          </a:p>
-        </p:txBody>
-      </p:sp>
-      <p:sp>
-        <p:nvSpPr>
-          <p:cNvPr id="104" name="PlaceHolder 2"/>
+            <a:pPr algn="ctr"/>
+            <a:endParaRPr b="0" lang="pt-BR" sz="4400" spc="-1" strike="noStrike">
+              <a:latin typeface="Arial"/>
+            </a:endParaRPr>
+          </a:p>
+        </p:txBody>
+      </p:sp>
+      <p:sp>
+        <p:nvSpPr>
+          <p:cNvPr id="97" name="PlaceHolder 2"/>
           <p:cNvSpPr>
             <a:spLocks noGrp="1"/>
           </p:cNvSpPr>
@@ -3236,8 +3066,8 @@
         </p:nvSpPr>
         <p:spPr>
           <a:xfrm>
-            <a:off x="0" y="0"/>
-            <a:ext cx="5949360" cy="4914720"/>
+            <a:off x="609480" y="1604520"/>
+            <a:ext cx="5354280" cy="3977280"/>
           </a:xfrm>
           <a:prstGeom prst="rect">
             <a:avLst/>
@@ -3248,18 +3078,15 @@
             <a:normAutofit/>
           </a:bodyPr>
           <a:p>
-            <a:endParaRPr b="0" lang="en-US" sz="2800" spc="-1" strike="noStrike">
-              <a:solidFill>
-                <a:srgbClr val="000000"/>
-              </a:solidFill>
-              <a:latin typeface="Calibri"/>
-            </a:endParaRPr>
-          </a:p>
-        </p:txBody>
-      </p:sp>
-      <p:sp>
-        <p:nvSpPr>
-          <p:cNvPr id="105" name="PlaceHolder 3"/>
+            <a:endParaRPr b="0" lang="pt-BR" sz="3200" spc="-1" strike="noStrike">
+              <a:latin typeface="Arial"/>
+            </a:endParaRPr>
+          </a:p>
+        </p:txBody>
+      </p:sp>
+      <p:sp>
+        <p:nvSpPr>
+          <p:cNvPr id="98" name="PlaceHolder 3"/>
           <p:cNvSpPr>
             <a:spLocks noGrp="1"/>
           </p:cNvSpPr>
@@ -3269,8 +3096,8 @@
         </p:nvSpPr>
         <p:spPr>
           <a:xfrm>
-            <a:off x="6247080" y="0"/>
-            <a:ext cx="5949360" cy="2343960"/>
+            <a:off x="6231960" y="1604520"/>
+            <a:ext cx="5354280" cy="1896840"/>
           </a:xfrm>
           <a:prstGeom prst="rect">
             <a:avLst/>
@@ -3281,18 +3108,15 @@
             <a:normAutofit/>
           </a:bodyPr>
           <a:p>
-            <a:endParaRPr b="0" lang="en-US" sz="2800" spc="-1" strike="noStrike">
-              <a:solidFill>
-                <a:srgbClr val="000000"/>
-              </a:solidFill>
-              <a:latin typeface="Calibri"/>
-            </a:endParaRPr>
-          </a:p>
-        </p:txBody>
-      </p:sp>
-      <p:sp>
-        <p:nvSpPr>
-          <p:cNvPr id="106" name="PlaceHolder 4"/>
+            <a:endParaRPr b="0" lang="pt-BR" sz="3200" spc="-1" strike="noStrike">
+              <a:latin typeface="Arial"/>
+            </a:endParaRPr>
+          </a:p>
+        </p:txBody>
+      </p:sp>
+      <p:sp>
+        <p:nvSpPr>
+          <p:cNvPr id="99" name="PlaceHolder 4"/>
           <p:cNvSpPr>
             <a:spLocks noGrp="1"/>
           </p:cNvSpPr>
@@ -3302,8 +3126,8 @@
         </p:nvSpPr>
         <p:spPr>
           <a:xfrm>
-            <a:off x="6247080" y="2567160"/>
-            <a:ext cx="5949360" cy="2343960"/>
+            <a:off x="6231960" y="3682080"/>
+            <a:ext cx="5354280" cy="1896840"/>
           </a:xfrm>
           <a:prstGeom prst="rect">
             <a:avLst/>
@@ -3314,11 +3138,8 @@
             <a:normAutofit/>
           </a:bodyPr>
           <a:p>
-            <a:endParaRPr b="0" lang="en-US" sz="2800" spc="-1" strike="noStrike">
-              <a:solidFill>
-                <a:srgbClr val="000000"/>
-              </a:solidFill>
-              <a:latin typeface="Calibri"/>
+            <a:endParaRPr b="0" lang="pt-BR" sz="3200" spc="-1" strike="noStrike">
+              <a:latin typeface="Arial"/>
             </a:endParaRPr>
           </a:p>
         </p:txBody>
@@ -3347,7 +3168,7 @@
       </p:grpSpPr>
       <p:sp>
         <p:nvSpPr>
-          <p:cNvPr id="107" name="PlaceHolder 1"/>
+          <p:cNvPr id="100" name="PlaceHolder 1"/>
           <p:cNvSpPr>
             <a:spLocks noGrp="1"/>
           </p:cNvSpPr>
@@ -3357,8 +3178,8 @@
         </p:nvSpPr>
         <p:spPr>
           <a:xfrm>
-            <a:off x="1097280" y="5074920"/>
-            <a:ext cx="10112760" cy="822600"/>
+            <a:off x="609480" y="273600"/>
+            <a:ext cx="10972440" cy="1144800"/>
           </a:xfrm>
           <a:prstGeom prst="rect">
             <a:avLst/>
@@ -3369,18 +3190,16 @@
             <a:noAutofit/>
           </a:bodyPr>
           <a:p>
-            <a:endParaRPr b="0" lang="en-US" sz="1800" spc="-1" strike="noStrike">
-              <a:solidFill>
-                <a:srgbClr val="000000"/>
-              </a:solidFill>
-              <a:latin typeface="Calibri"/>
-            </a:endParaRPr>
-          </a:p>
-        </p:txBody>
-      </p:sp>
-      <p:sp>
-        <p:nvSpPr>
-          <p:cNvPr id="108" name="PlaceHolder 2"/>
+            <a:pPr algn="ctr"/>
+            <a:endParaRPr b="0" lang="pt-BR" sz="4400" spc="-1" strike="noStrike">
+              <a:latin typeface="Arial"/>
+            </a:endParaRPr>
+          </a:p>
+        </p:txBody>
+      </p:sp>
+      <p:sp>
+        <p:nvSpPr>
+          <p:cNvPr id="101" name="PlaceHolder 2"/>
           <p:cNvSpPr>
             <a:spLocks noGrp="1"/>
           </p:cNvSpPr>
@@ -3390,8 +3209,8 @@
         </p:nvSpPr>
         <p:spPr>
           <a:xfrm>
-            <a:off x="0" y="0"/>
-            <a:ext cx="5949360" cy="2343960"/>
+            <a:off x="609480" y="1604520"/>
+            <a:ext cx="5354280" cy="1896840"/>
           </a:xfrm>
           <a:prstGeom prst="rect">
             <a:avLst/>
@@ -3402,18 +3221,15 @@
             <a:normAutofit/>
           </a:bodyPr>
           <a:p>
-            <a:endParaRPr b="0" lang="en-US" sz="2800" spc="-1" strike="noStrike">
-              <a:solidFill>
-                <a:srgbClr val="000000"/>
-              </a:solidFill>
-              <a:latin typeface="Calibri"/>
-            </a:endParaRPr>
-          </a:p>
-        </p:txBody>
-      </p:sp>
-      <p:sp>
-        <p:nvSpPr>
-          <p:cNvPr id="109" name="PlaceHolder 3"/>
+            <a:endParaRPr b="0" lang="pt-BR" sz="3200" spc="-1" strike="noStrike">
+              <a:latin typeface="Arial"/>
+            </a:endParaRPr>
+          </a:p>
+        </p:txBody>
+      </p:sp>
+      <p:sp>
+        <p:nvSpPr>
+          <p:cNvPr id="102" name="PlaceHolder 3"/>
           <p:cNvSpPr>
             <a:spLocks noGrp="1"/>
           </p:cNvSpPr>
@@ -3423,8 +3239,8 @@
         </p:nvSpPr>
         <p:spPr>
           <a:xfrm>
-            <a:off x="6247080" y="0"/>
-            <a:ext cx="5949360" cy="2343960"/>
+            <a:off x="6231960" y="1604520"/>
+            <a:ext cx="5354280" cy="1896840"/>
           </a:xfrm>
           <a:prstGeom prst="rect">
             <a:avLst/>
@@ -3435,18 +3251,15 @@
             <a:normAutofit/>
           </a:bodyPr>
           <a:p>
-            <a:endParaRPr b="0" lang="en-US" sz="2800" spc="-1" strike="noStrike">
-              <a:solidFill>
-                <a:srgbClr val="000000"/>
-              </a:solidFill>
-              <a:latin typeface="Calibri"/>
-            </a:endParaRPr>
-          </a:p>
-        </p:txBody>
-      </p:sp>
-      <p:sp>
-        <p:nvSpPr>
-          <p:cNvPr id="110" name="PlaceHolder 4"/>
+            <a:endParaRPr b="0" lang="pt-BR" sz="3200" spc="-1" strike="noStrike">
+              <a:latin typeface="Arial"/>
+            </a:endParaRPr>
+          </a:p>
+        </p:txBody>
+      </p:sp>
+      <p:sp>
+        <p:nvSpPr>
+          <p:cNvPr id="103" name="PlaceHolder 4"/>
           <p:cNvSpPr>
             <a:spLocks noGrp="1"/>
           </p:cNvSpPr>
@@ -3456,8 +3269,8 @@
         </p:nvSpPr>
         <p:spPr>
           <a:xfrm>
-            <a:off x="0" y="2567160"/>
-            <a:ext cx="12191760" cy="2343960"/>
+            <a:off x="609480" y="3682080"/>
+            <a:ext cx="10972440" cy="1896840"/>
           </a:xfrm>
           <a:prstGeom prst="rect">
             <a:avLst/>
@@ -3468,11 +3281,8 @@
             <a:normAutofit/>
           </a:bodyPr>
           <a:p>
-            <a:endParaRPr b="0" lang="en-US" sz="2800" spc="-1" strike="noStrike">
-              <a:solidFill>
-                <a:srgbClr val="000000"/>
-              </a:solidFill>
-              <a:latin typeface="Calibri"/>
+            <a:endParaRPr b="0" lang="pt-BR" sz="3200" spc="-1" strike="noStrike">
+              <a:latin typeface="Arial"/>
             </a:endParaRPr>
           </a:p>
         </p:txBody>
@@ -3501,7 +3311,7 @@
       </p:grpSpPr>
       <p:sp>
         <p:nvSpPr>
-          <p:cNvPr id="111" name="PlaceHolder 1"/>
+          <p:cNvPr id="104" name="PlaceHolder 1"/>
           <p:cNvSpPr>
             <a:spLocks noGrp="1"/>
           </p:cNvSpPr>
@@ -3511,8 +3321,8 @@
         </p:nvSpPr>
         <p:spPr>
           <a:xfrm>
-            <a:off x="1097280" y="5074920"/>
-            <a:ext cx="10112760" cy="822600"/>
+            <a:off x="609480" y="273600"/>
+            <a:ext cx="10972440" cy="1144800"/>
           </a:xfrm>
           <a:prstGeom prst="rect">
             <a:avLst/>
@@ -3523,18 +3333,16 @@
             <a:noAutofit/>
           </a:bodyPr>
           <a:p>
-            <a:endParaRPr b="0" lang="en-US" sz="1800" spc="-1" strike="noStrike">
-              <a:solidFill>
-                <a:srgbClr val="000000"/>
-              </a:solidFill>
-              <a:latin typeface="Calibri"/>
-            </a:endParaRPr>
-          </a:p>
-        </p:txBody>
-      </p:sp>
-      <p:sp>
-        <p:nvSpPr>
-          <p:cNvPr id="112" name="PlaceHolder 2"/>
+            <a:pPr algn="ctr"/>
+            <a:endParaRPr b="0" lang="pt-BR" sz="4400" spc="-1" strike="noStrike">
+              <a:latin typeface="Arial"/>
+            </a:endParaRPr>
+          </a:p>
+        </p:txBody>
+      </p:sp>
+      <p:sp>
+        <p:nvSpPr>
+          <p:cNvPr id="105" name="PlaceHolder 2"/>
           <p:cNvSpPr>
             <a:spLocks noGrp="1"/>
           </p:cNvSpPr>
@@ -3544,8 +3352,8 @@
         </p:nvSpPr>
         <p:spPr>
           <a:xfrm>
-            <a:off x="0" y="0"/>
-            <a:ext cx="12191760" cy="2343960"/>
+            <a:off x="609480" y="1604520"/>
+            <a:ext cx="10972440" cy="1896840"/>
           </a:xfrm>
           <a:prstGeom prst="rect">
             <a:avLst/>
@@ -3556,18 +3364,15 @@
             <a:normAutofit/>
           </a:bodyPr>
           <a:p>
-            <a:endParaRPr b="0" lang="en-US" sz="2800" spc="-1" strike="noStrike">
-              <a:solidFill>
-                <a:srgbClr val="000000"/>
-              </a:solidFill>
-              <a:latin typeface="Calibri"/>
-            </a:endParaRPr>
-          </a:p>
-        </p:txBody>
-      </p:sp>
-      <p:sp>
-        <p:nvSpPr>
-          <p:cNvPr id="113" name="PlaceHolder 3"/>
+            <a:endParaRPr b="0" lang="pt-BR" sz="3200" spc="-1" strike="noStrike">
+              <a:latin typeface="Arial"/>
+            </a:endParaRPr>
+          </a:p>
+        </p:txBody>
+      </p:sp>
+      <p:sp>
+        <p:nvSpPr>
+          <p:cNvPr id="106" name="PlaceHolder 3"/>
           <p:cNvSpPr>
             <a:spLocks noGrp="1"/>
           </p:cNvSpPr>
@@ -3577,8 +3382,8 @@
         </p:nvSpPr>
         <p:spPr>
           <a:xfrm>
-            <a:off x="0" y="2567160"/>
-            <a:ext cx="12191760" cy="2343960"/>
+            <a:off x="609480" y="3682080"/>
+            <a:ext cx="10972440" cy="1896840"/>
           </a:xfrm>
           <a:prstGeom prst="rect">
             <a:avLst/>
@@ -3589,11 +3394,8 @@
             <a:normAutofit/>
           </a:bodyPr>
           <a:p>
-            <a:endParaRPr b="0" lang="en-US" sz="2800" spc="-1" strike="noStrike">
-              <a:solidFill>
-                <a:srgbClr val="000000"/>
-              </a:solidFill>
-              <a:latin typeface="Calibri"/>
+            <a:endParaRPr b="0" lang="pt-BR" sz="3200" spc="-1" strike="noStrike">
+              <a:latin typeface="Arial"/>
             </a:endParaRPr>
           </a:p>
         </p:txBody>
@@ -3622,7 +3424,7 @@
       </p:grpSpPr>
       <p:sp>
         <p:nvSpPr>
-          <p:cNvPr id="114" name="PlaceHolder 1"/>
+          <p:cNvPr id="107" name="PlaceHolder 1"/>
           <p:cNvSpPr>
             <a:spLocks noGrp="1"/>
           </p:cNvSpPr>
@@ -3632,8 +3434,8 @@
         </p:nvSpPr>
         <p:spPr>
           <a:xfrm>
-            <a:off x="1097280" y="5074920"/>
-            <a:ext cx="10112760" cy="822600"/>
+            <a:off x="609480" y="273600"/>
+            <a:ext cx="10972440" cy="1144800"/>
           </a:xfrm>
           <a:prstGeom prst="rect">
             <a:avLst/>
@@ -3644,18 +3446,16 @@
             <a:noAutofit/>
           </a:bodyPr>
           <a:p>
-            <a:endParaRPr b="0" lang="en-US" sz="1800" spc="-1" strike="noStrike">
-              <a:solidFill>
-                <a:srgbClr val="000000"/>
-              </a:solidFill>
-              <a:latin typeface="Calibri"/>
-            </a:endParaRPr>
-          </a:p>
-        </p:txBody>
-      </p:sp>
-      <p:sp>
-        <p:nvSpPr>
-          <p:cNvPr id="115" name="PlaceHolder 2"/>
+            <a:pPr algn="ctr"/>
+            <a:endParaRPr b="0" lang="pt-BR" sz="4400" spc="-1" strike="noStrike">
+              <a:latin typeface="Arial"/>
+            </a:endParaRPr>
+          </a:p>
+        </p:txBody>
+      </p:sp>
+      <p:sp>
+        <p:nvSpPr>
+          <p:cNvPr id="108" name="PlaceHolder 2"/>
           <p:cNvSpPr>
             <a:spLocks noGrp="1"/>
           </p:cNvSpPr>
@@ -3665,8 +3465,8 @@
         </p:nvSpPr>
         <p:spPr>
           <a:xfrm>
-            <a:off x="0" y="0"/>
-            <a:ext cx="5949360" cy="2343960"/>
+            <a:off x="609480" y="1604520"/>
+            <a:ext cx="5354280" cy="1896840"/>
           </a:xfrm>
           <a:prstGeom prst="rect">
             <a:avLst/>
@@ -3677,18 +3477,15 @@
             <a:normAutofit/>
           </a:bodyPr>
           <a:p>
-            <a:endParaRPr b="0" lang="en-US" sz="2800" spc="-1" strike="noStrike">
-              <a:solidFill>
-                <a:srgbClr val="000000"/>
-              </a:solidFill>
-              <a:latin typeface="Calibri"/>
-            </a:endParaRPr>
-          </a:p>
-        </p:txBody>
-      </p:sp>
-      <p:sp>
-        <p:nvSpPr>
-          <p:cNvPr id="116" name="PlaceHolder 3"/>
+            <a:endParaRPr b="0" lang="pt-BR" sz="3200" spc="-1" strike="noStrike">
+              <a:latin typeface="Arial"/>
+            </a:endParaRPr>
+          </a:p>
+        </p:txBody>
+      </p:sp>
+      <p:sp>
+        <p:nvSpPr>
+          <p:cNvPr id="109" name="PlaceHolder 3"/>
           <p:cNvSpPr>
             <a:spLocks noGrp="1"/>
           </p:cNvSpPr>
@@ -3698,8 +3495,8 @@
         </p:nvSpPr>
         <p:spPr>
           <a:xfrm>
-            <a:off x="6247080" y="0"/>
-            <a:ext cx="5949360" cy="2343960"/>
+            <a:off x="6231960" y="1604520"/>
+            <a:ext cx="5354280" cy="1896840"/>
           </a:xfrm>
           <a:prstGeom prst="rect">
             <a:avLst/>
@@ -3710,18 +3507,15 @@
             <a:normAutofit/>
           </a:bodyPr>
           <a:p>
-            <a:endParaRPr b="0" lang="en-US" sz="2800" spc="-1" strike="noStrike">
-              <a:solidFill>
-                <a:srgbClr val="000000"/>
-              </a:solidFill>
-              <a:latin typeface="Calibri"/>
-            </a:endParaRPr>
-          </a:p>
-        </p:txBody>
-      </p:sp>
-      <p:sp>
-        <p:nvSpPr>
-          <p:cNvPr id="117" name="PlaceHolder 4"/>
+            <a:endParaRPr b="0" lang="pt-BR" sz="3200" spc="-1" strike="noStrike">
+              <a:latin typeface="Arial"/>
+            </a:endParaRPr>
+          </a:p>
+        </p:txBody>
+      </p:sp>
+      <p:sp>
+        <p:nvSpPr>
+          <p:cNvPr id="110" name="PlaceHolder 4"/>
           <p:cNvSpPr>
             <a:spLocks noGrp="1"/>
           </p:cNvSpPr>
@@ -3731,8 +3525,8 @@
         </p:nvSpPr>
         <p:spPr>
           <a:xfrm>
-            <a:off x="0" y="2567160"/>
-            <a:ext cx="5949360" cy="2343960"/>
+            <a:off x="609480" y="3682080"/>
+            <a:ext cx="5354280" cy="1896840"/>
           </a:xfrm>
           <a:prstGeom prst="rect">
             <a:avLst/>
@@ -3743,18 +3537,15 @@
             <a:normAutofit/>
           </a:bodyPr>
           <a:p>
-            <a:endParaRPr b="0" lang="en-US" sz="2800" spc="-1" strike="noStrike">
-              <a:solidFill>
-                <a:srgbClr val="000000"/>
-              </a:solidFill>
-              <a:latin typeface="Calibri"/>
-            </a:endParaRPr>
-          </a:p>
-        </p:txBody>
-      </p:sp>
-      <p:sp>
-        <p:nvSpPr>
-          <p:cNvPr id="118" name="PlaceHolder 5"/>
+            <a:endParaRPr b="0" lang="pt-BR" sz="3200" spc="-1" strike="noStrike">
+              <a:latin typeface="Arial"/>
+            </a:endParaRPr>
+          </a:p>
+        </p:txBody>
+      </p:sp>
+      <p:sp>
+        <p:nvSpPr>
+          <p:cNvPr id="111" name="PlaceHolder 5"/>
           <p:cNvSpPr>
             <a:spLocks noGrp="1"/>
           </p:cNvSpPr>
@@ -3764,8 +3555,8 @@
         </p:nvSpPr>
         <p:spPr>
           <a:xfrm>
-            <a:off x="6247080" y="2567160"/>
-            <a:ext cx="5949360" cy="2343960"/>
+            <a:off x="6231960" y="3682080"/>
+            <a:ext cx="5354280" cy="1896840"/>
           </a:xfrm>
           <a:prstGeom prst="rect">
             <a:avLst/>
@@ -3776,11 +3567,8 @@
             <a:normAutofit/>
           </a:bodyPr>
           <a:p>
-            <a:endParaRPr b="0" lang="en-US" sz="2800" spc="-1" strike="noStrike">
-              <a:solidFill>
-                <a:srgbClr val="000000"/>
-              </a:solidFill>
-              <a:latin typeface="Calibri"/>
+            <a:endParaRPr b="0" lang="pt-BR" sz="3200" spc="-1" strike="noStrike">
+              <a:latin typeface="Arial"/>
             </a:endParaRPr>
           </a:p>
         </p:txBody>
@@ -3809,7 +3597,7 @@
       </p:grpSpPr>
       <p:sp>
         <p:nvSpPr>
-          <p:cNvPr id="119" name="PlaceHolder 1"/>
+          <p:cNvPr id="112" name="PlaceHolder 1"/>
           <p:cNvSpPr>
             <a:spLocks noGrp="1"/>
           </p:cNvSpPr>
@@ -3819,8 +3607,8 @@
         </p:nvSpPr>
         <p:spPr>
           <a:xfrm>
-            <a:off x="1097280" y="5074920"/>
-            <a:ext cx="10112760" cy="822600"/>
+            <a:off x="609480" y="273600"/>
+            <a:ext cx="10972440" cy="1144800"/>
           </a:xfrm>
           <a:prstGeom prst="rect">
             <a:avLst/>
@@ -3831,18 +3619,16 @@
             <a:noAutofit/>
           </a:bodyPr>
           <a:p>
-            <a:endParaRPr b="0" lang="en-US" sz="1800" spc="-1" strike="noStrike">
-              <a:solidFill>
-                <a:srgbClr val="000000"/>
-              </a:solidFill>
-              <a:latin typeface="Calibri"/>
-            </a:endParaRPr>
-          </a:p>
-        </p:txBody>
-      </p:sp>
-      <p:sp>
-        <p:nvSpPr>
-          <p:cNvPr id="120" name="PlaceHolder 2"/>
+            <a:pPr algn="ctr"/>
+            <a:endParaRPr b="0" lang="pt-BR" sz="4400" spc="-1" strike="noStrike">
+              <a:latin typeface="Arial"/>
+            </a:endParaRPr>
+          </a:p>
+        </p:txBody>
+      </p:sp>
+      <p:sp>
+        <p:nvSpPr>
+          <p:cNvPr id="113" name="PlaceHolder 2"/>
           <p:cNvSpPr>
             <a:spLocks noGrp="1"/>
           </p:cNvSpPr>
@@ -3852,8 +3638,8 @@
         </p:nvSpPr>
         <p:spPr>
           <a:xfrm>
-            <a:off x="0" y="0"/>
-            <a:ext cx="3925440" cy="2343960"/>
+            <a:off x="609480" y="1604520"/>
+            <a:ext cx="3533040" cy="1896840"/>
           </a:xfrm>
           <a:prstGeom prst="rect">
             <a:avLst/>
@@ -3864,18 +3650,15 @@
             <a:normAutofit/>
           </a:bodyPr>
           <a:p>
-            <a:endParaRPr b="0" lang="en-US" sz="2800" spc="-1" strike="noStrike">
-              <a:solidFill>
-                <a:srgbClr val="000000"/>
-              </a:solidFill>
-              <a:latin typeface="Calibri"/>
-            </a:endParaRPr>
-          </a:p>
-        </p:txBody>
-      </p:sp>
-      <p:sp>
-        <p:nvSpPr>
-          <p:cNvPr id="121" name="PlaceHolder 3"/>
+            <a:endParaRPr b="0" lang="pt-BR" sz="3200" spc="-1" strike="noStrike">
+              <a:latin typeface="Arial"/>
+            </a:endParaRPr>
+          </a:p>
+        </p:txBody>
+      </p:sp>
+      <p:sp>
+        <p:nvSpPr>
+          <p:cNvPr id="114" name="PlaceHolder 3"/>
           <p:cNvSpPr>
             <a:spLocks noGrp="1"/>
           </p:cNvSpPr>
@@ -3885,8 +3668,8 @@
         </p:nvSpPr>
         <p:spPr>
           <a:xfrm>
-            <a:off x="4122000" y="0"/>
-            <a:ext cx="3925440" cy="2343960"/>
+            <a:off x="4319640" y="1604520"/>
+            <a:ext cx="3533040" cy="1896840"/>
           </a:xfrm>
           <a:prstGeom prst="rect">
             <a:avLst/>
@@ -3897,18 +3680,15 @@
             <a:normAutofit/>
           </a:bodyPr>
           <a:p>
-            <a:endParaRPr b="0" lang="en-US" sz="2800" spc="-1" strike="noStrike">
-              <a:solidFill>
-                <a:srgbClr val="000000"/>
-              </a:solidFill>
-              <a:latin typeface="Calibri"/>
-            </a:endParaRPr>
-          </a:p>
-        </p:txBody>
-      </p:sp>
-      <p:sp>
-        <p:nvSpPr>
-          <p:cNvPr id="122" name="PlaceHolder 4"/>
+            <a:endParaRPr b="0" lang="pt-BR" sz="3200" spc="-1" strike="noStrike">
+              <a:latin typeface="Arial"/>
+            </a:endParaRPr>
+          </a:p>
+        </p:txBody>
+      </p:sp>
+      <p:sp>
+        <p:nvSpPr>
+          <p:cNvPr id="115" name="PlaceHolder 4"/>
           <p:cNvSpPr>
             <a:spLocks noGrp="1"/>
           </p:cNvSpPr>
@@ -3918,8 +3698,8 @@
         </p:nvSpPr>
         <p:spPr>
           <a:xfrm>
-            <a:off x="8244360" y="0"/>
-            <a:ext cx="3925440" cy="2343960"/>
+            <a:off x="8029800" y="1604520"/>
+            <a:ext cx="3533040" cy="1896840"/>
           </a:xfrm>
           <a:prstGeom prst="rect">
             <a:avLst/>
@@ -3930,18 +3710,15 @@
             <a:normAutofit/>
           </a:bodyPr>
           <a:p>
-            <a:endParaRPr b="0" lang="en-US" sz="2800" spc="-1" strike="noStrike">
-              <a:solidFill>
-                <a:srgbClr val="000000"/>
-              </a:solidFill>
-              <a:latin typeface="Calibri"/>
-            </a:endParaRPr>
-          </a:p>
-        </p:txBody>
-      </p:sp>
-      <p:sp>
-        <p:nvSpPr>
-          <p:cNvPr id="123" name="PlaceHolder 5"/>
+            <a:endParaRPr b="0" lang="pt-BR" sz="3200" spc="-1" strike="noStrike">
+              <a:latin typeface="Arial"/>
+            </a:endParaRPr>
+          </a:p>
+        </p:txBody>
+      </p:sp>
+      <p:sp>
+        <p:nvSpPr>
+          <p:cNvPr id="116" name="PlaceHolder 5"/>
           <p:cNvSpPr>
             <a:spLocks noGrp="1"/>
           </p:cNvSpPr>
@@ -3951,8 +3728,8 @@
         </p:nvSpPr>
         <p:spPr>
           <a:xfrm>
-            <a:off x="0" y="2567160"/>
-            <a:ext cx="3925440" cy="2343960"/>
+            <a:off x="609480" y="3682080"/>
+            <a:ext cx="3533040" cy="1896840"/>
           </a:xfrm>
           <a:prstGeom prst="rect">
             <a:avLst/>
@@ -3963,18 +3740,15 @@
             <a:normAutofit/>
           </a:bodyPr>
           <a:p>
-            <a:endParaRPr b="0" lang="en-US" sz="2800" spc="-1" strike="noStrike">
-              <a:solidFill>
-                <a:srgbClr val="000000"/>
-              </a:solidFill>
-              <a:latin typeface="Calibri"/>
-            </a:endParaRPr>
-          </a:p>
-        </p:txBody>
-      </p:sp>
-      <p:sp>
-        <p:nvSpPr>
-          <p:cNvPr id="124" name="PlaceHolder 6"/>
+            <a:endParaRPr b="0" lang="pt-BR" sz="3200" spc="-1" strike="noStrike">
+              <a:latin typeface="Arial"/>
+            </a:endParaRPr>
+          </a:p>
+        </p:txBody>
+      </p:sp>
+      <p:sp>
+        <p:nvSpPr>
+          <p:cNvPr id="117" name="PlaceHolder 6"/>
           <p:cNvSpPr>
             <a:spLocks noGrp="1"/>
           </p:cNvSpPr>
@@ -3984,8 +3758,8 @@
         </p:nvSpPr>
         <p:spPr>
           <a:xfrm>
-            <a:off x="4122000" y="2567160"/>
-            <a:ext cx="3925440" cy="2343960"/>
+            <a:off x="4319640" y="3682080"/>
+            <a:ext cx="3533040" cy="1896840"/>
           </a:xfrm>
           <a:prstGeom prst="rect">
             <a:avLst/>
@@ -3996,18 +3770,15 @@
             <a:normAutofit/>
           </a:bodyPr>
           <a:p>
-            <a:endParaRPr b="0" lang="en-US" sz="2800" spc="-1" strike="noStrike">
-              <a:solidFill>
-                <a:srgbClr val="000000"/>
-              </a:solidFill>
-              <a:latin typeface="Calibri"/>
-            </a:endParaRPr>
-          </a:p>
-        </p:txBody>
-      </p:sp>
-      <p:sp>
-        <p:nvSpPr>
-          <p:cNvPr id="125" name="PlaceHolder 7"/>
+            <a:endParaRPr b="0" lang="pt-BR" sz="3200" spc="-1" strike="noStrike">
+              <a:latin typeface="Arial"/>
+            </a:endParaRPr>
+          </a:p>
+        </p:txBody>
+      </p:sp>
+      <p:sp>
+        <p:nvSpPr>
+          <p:cNvPr id="118" name="PlaceHolder 7"/>
           <p:cNvSpPr>
             <a:spLocks noGrp="1"/>
           </p:cNvSpPr>
@@ -4017,8 +3788,8 @@
         </p:nvSpPr>
         <p:spPr>
           <a:xfrm>
-            <a:off x="8244360" y="2567160"/>
-            <a:ext cx="3925440" cy="2343960"/>
+            <a:off x="8029800" y="3682080"/>
+            <a:ext cx="3533040" cy="1896840"/>
           </a:xfrm>
           <a:prstGeom prst="rect">
             <a:avLst/>
@@ -4029,11 +3800,8 @@
             <a:normAutofit/>
           </a:bodyPr>
           <a:p>
-            <a:endParaRPr b="0" lang="en-US" sz="2800" spc="-1" strike="noStrike">
-              <a:solidFill>
-                <a:srgbClr val="000000"/>
-              </a:solidFill>
-              <a:latin typeface="Calibri"/>
+            <a:endParaRPr b="0" lang="pt-BR" sz="3200" spc="-1" strike="noStrike">
+              <a:latin typeface="Arial"/>
             </a:endParaRPr>
           </a:p>
         </p:txBody>
@@ -4072,8 +3840,8 @@
         </p:nvSpPr>
         <p:spPr>
           <a:xfrm>
-            <a:off x="1097280" y="5074920"/>
-            <a:ext cx="10112760" cy="822600"/>
+            <a:off x="609480" y="273600"/>
+            <a:ext cx="10972440" cy="1144800"/>
           </a:xfrm>
           <a:prstGeom prst="rect">
             <a:avLst/>
@@ -4084,11 +3852,9 @@
             <a:noAutofit/>
           </a:bodyPr>
           <a:p>
-            <a:endParaRPr b="0" lang="en-US" sz="1800" spc="-1" strike="noStrike">
-              <a:solidFill>
-                <a:srgbClr val="000000"/>
-              </a:solidFill>
-              <a:latin typeface="Calibri"/>
+            <a:pPr algn="ctr"/>
+            <a:endParaRPr b="0" lang="pt-BR" sz="4400" spc="-1" strike="noStrike">
+              <a:latin typeface="Arial"/>
             </a:endParaRPr>
           </a:p>
         </p:txBody>
@@ -4105,8 +3871,8 @@
         </p:nvSpPr>
         <p:spPr>
           <a:xfrm>
-            <a:off x="0" y="0"/>
-            <a:ext cx="5949360" cy="4914720"/>
+            <a:off x="609480" y="1604520"/>
+            <a:ext cx="5354280" cy="3977280"/>
           </a:xfrm>
           <a:prstGeom prst="rect">
             <a:avLst/>
@@ -4117,11 +3883,8 @@
             <a:normAutofit/>
           </a:bodyPr>
           <a:p>
-            <a:endParaRPr b="0" lang="en-US" sz="2800" spc="-1" strike="noStrike">
-              <a:solidFill>
-                <a:srgbClr val="000000"/>
-              </a:solidFill>
-              <a:latin typeface="Calibri"/>
+            <a:endParaRPr b="0" lang="pt-BR" sz="3200" spc="-1" strike="noStrike">
+              <a:latin typeface="Arial"/>
             </a:endParaRPr>
           </a:p>
         </p:txBody>
@@ -4138,8 +3901,8 @@
         </p:nvSpPr>
         <p:spPr>
           <a:xfrm>
-            <a:off x="6247080" y="0"/>
-            <a:ext cx="5949360" cy="4914720"/>
+            <a:off x="6231960" y="1604520"/>
+            <a:ext cx="5354280" cy="3977280"/>
           </a:xfrm>
           <a:prstGeom prst="rect">
             <a:avLst/>
@@ -4150,11 +3913,8 @@
             <a:normAutofit/>
           </a:bodyPr>
           <a:p>
-            <a:endParaRPr b="0" lang="en-US" sz="2800" spc="-1" strike="noStrike">
-              <a:solidFill>
-                <a:srgbClr val="000000"/>
-              </a:solidFill>
-              <a:latin typeface="Calibri"/>
+            <a:endParaRPr b="0" lang="pt-BR" sz="3200" spc="-1" strike="noStrike">
+              <a:latin typeface="Arial"/>
             </a:endParaRPr>
           </a:p>
         </p:txBody>
@@ -4193,8 +3953,8 @@
         </p:nvSpPr>
         <p:spPr>
           <a:xfrm>
-            <a:off x="1097280" y="5074920"/>
-            <a:ext cx="10112760" cy="822600"/>
+            <a:off x="609480" y="273600"/>
+            <a:ext cx="10972440" cy="1144800"/>
           </a:xfrm>
           <a:prstGeom prst="rect">
             <a:avLst/>
@@ -4205,11 +3965,9 @@
             <a:noAutofit/>
           </a:bodyPr>
           <a:p>
-            <a:endParaRPr b="0" lang="en-US" sz="1800" spc="-1" strike="noStrike">
-              <a:solidFill>
-                <a:srgbClr val="000000"/>
-              </a:solidFill>
-              <a:latin typeface="Calibri"/>
+            <a:pPr algn="ctr"/>
+            <a:endParaRPr b="0" lang="pt-BR" sz="4400" spc="-1" strike="noStrike">
+              <a:latin typeface="Arial"/>
             </a:endParaRPr>
           </a:p>
         </p:txBody>
@@ -4248,8 +4006,8 @@
         </p:nvSpPr>
         <p:spPr>
           <a:xfrm>
-            <a:off x="1097280" y="5074920"/>
-            <a:ext cx="10112760" cy="3814560"/>
+            <a:off x="609480" y="273600"/>
+            <a:ext cx="10972440" cy="5307840"/>
           </a:xfrm>
           <a:prstGeom prst="rect">
             <a:avLst/>
@@ -4301,8 +4059,8 @@
         </p:nvSpPr>
         <p:spPr>
           <a:xfrm>
-            <a:off x="1097280" y="5074920"/>
-            <a:ext cx="10112760" cy="822600"/>
+            <a:off x="609480" y="273600"/>
+            <a:ext cx="10972440" cy="1144800"/>
           </a:xfrm>
           <a:prstGeom prst="rect">
             <a:avLst/>
@@ -4313,11 +4071,9 @@
             <a:noAutofit/>
           </a:bodyPr>
           <a:p>
-            <a:endParaRPr b="0" lang="en-US" sz="1800" spc="-1" strike="noStrike">
-              <a:solidFill>
-                <a:srgbClr val="000000"/>
-              </a:solidFill>
-              <a:latin typeface="Calibri"/>
+            <a:pPr algn="ctr"/>
+            <a:endParaRPr b="0" lang="pt-BR" sz="4400" spc="-1" strike="noStrike">
+              <a:latin typeface="Arial"/>
             </a:endParaRPr>
           </a:p>
         </p:txBody>
@@ -4334,8 +4090,8 @@
         </p:nvSpPr>
         <p:spPr>
           <a:xfrm>
-            <a:off x="0" y="0"/>
-            <a:ext cx="5949360" cy="2343960"/>
+            <a:off x="609480" y="1604520"/>
+            <a:ext cx="5354280" cy="1896840"/>
           </a:xfrm>
           <a:prstGeom prst="rect">
             <a:avLst/>
@@ -4346,11 +4102,8 @@
             <a:normAutofit/>
           </a:bodyPr>
           <a:p>
-            <a:endParaRPr b="0" lang="en-US" sz="2800" spc="-1" strike="noStrike">
-              <a:solidFill>
-                <a:srgbClr val="000000"/>
-              </a:solidFill>
-              <a:latin typeface="Calibri"/>
+            <a:endParaRPr b="0" lang="pt-BR" sz="3200" spc="-1" strike="noStrike">
+              <a:latin typeface="Arial"/>
             </a:endParaRPr>
           </a:p>
         </p:txBody>
@@ -4367,8 +4120,8 @@
         </p:nvSpPr>
         <p:spPr>
           <a:xfrm>
-            <a:off x="6247080" y="0"/>
-            <a:ext cx="5949360" cy="4914720"/>
+            <a:off x="6231960" y="1604520"/>
+            <a:ext cx="5354280" cy="3977280"/>
           </a:xfrm>
           <a:prstGeom prst="rect">
             <a:avLst/>
@@ -4379,11 +4132,8 @@
             <a:normAutofit/>
           </a:bodyPr>
           <a:p>
-            <a:endParaRPr b="0" lang="en-US" sz="2800" spc="-1" strike="noStrike">
-              <a:solidFill>
-                <a:srgbClr val="000000"/>
-              </a:solidFill>
-              <a:latin typeface="Calibri"/>
+            <a:endParaRPr b="0" lang="pt-BR" sz="3200" spc="-1" strike="noStrike">
+              <a:latin typeface="Arial"/>
             </a:endParaRPr>
           </a:p>
         </p:txBody>
@@ -4400,8 +4150,8 @@
         </p:nvSpPr>
         <p:spPr>
           <a:xfrm>
-            <a:off x="0" y="2567160"/>
-            <a:ext cx="5949360" cy="2343960"/>
+            <a:off x="609480" y="3682080"/>
+            <a:ext cx="5354280" cy="1896840"/>
           </a:xfrm>
           <a:prstGeom prst="rect">
             <a:avLst/>
@@ -4412,11 +4162,8 @@
             <a:normAutofit/>
           </a:bodyPr>
           <a:p>
-            <a:endParaRPr b="0" lang="en-US" sz="2800" spc="-1" strike="noStrike">
-              <a:solidFill>
-                <a:srgbClr val="000000"/>
-              </a:solidFill>
-              <a:latin typeface="Calibri"/>
+            <a:endParaRPr b="0" lang="pt-BR" sz="3200" spc="-1" strike="noStrike">
+              <a:latin typeface="Arial"/>
             </a:endParaRPr>
           </a:p>
         </p:txBody>
@@ -4455,8 +4202,8 @@
         </p:nvSpPr>
         <p:spPr>
           <a:xfrm>
-            <a:off x="1097280" y="5074920"/>
-            <a:ext cx="10112760" cy="822600"/>
+            <a:off x="609480" y="273600"/>
+            <a:ext cx="10972440" cy="1144800"/>
           </a:xfrm>
           <a:prstGeom prst="rect">
             <a:avLst/>
@@ -4467,11 +4214,9 @@
             <a:noAutofit/>
           </a:bodyPr>
           <a:p>
-            <a:endParaRPr b="0" lang="en-US" sz="1800" spc="-1" strike="noStrike">
-              <a:solidFill>
-                <a:srgbClr val="000000"/>
-              </a:solidFill>
-              <a:latin typeface="Calibri"/>
+            <a:pPr algn="ctr"/>
+            <a:endParaRPr b="0" lang="pt-BR" sz="4400" spc="-1" strike="noStrike">
+              <a:latin typeface="Arial"/>
             </a:endParaRPr>
           </a:p>
         </p:txBody>
@@ -4488,8 +4233,8 @@
         </p:nvSpPr>
         <p:spPr>
           <a:xfrm>
-            <a:off x="0" y="0"/>
-            <a:ext cx="5949360" cy="4914720"/>
+            <a:off x="609480" y="1604520"/>
+            <a:ext cx="5354280" cy="3977280"/>
           </a:xfrm>
           <a:prstGeom prst="rect">
             <a:avLst/>
@@ -4500,11 +4245,8 @@
             <a:normAutofit/>
           </a:bodyPr>
           <a:p>
-            <a:endParaRPr b="0" lang="en-US" sz="2800" spc="-1" strike="noStrike">
-              <a:solidFill>
-                <a:srgbClr val="000000"/>
-              </a:solidFill>
-              <a:latin typeface="Calibri"/>
+            <a:endParaRPr b="0" lang="pt-BR" sz="3200" spc="-1" strike="noStrike">
+              <a:latin typeface="Arial"/>
             </a:endParaRPr>
           </a:p>
         </p:txBody>
@@ -4521,8 +4263,8 @@
         </p:nvSpPr>
         <p:spPr>
           <a:xfrm>
-            <a:off x="6247080" y="0"/>
-            <a:ext cx="5949360" cy="2343960"/>
+            <a:off x="6231960" y="1604520"/>
+            <a:ext cx="5354280" cy="1896840"/>
           </a:xfrm>
           <a:prstGeom prst="rect">
             <a:avLst/>
@@ -4533,11 +4275,8 @@
             <a:normAutofit/>
           </a:bodyPr>
           <a:p>
-            <a:endParaRPr b="0" lang="en-US" sz="2800" spc="-1" strike="noStrike">
-              <a:solidFill>
-                <a:srgbClr val="000000"/>
-              </a:solidFill>
-              <a:latin typeface="Calibri"/>
+            <a:endParaRPr b="0" lang="pt-BR" sz="3200" spc="-1" strike="noStrike">
+              <a:latin typeface="Arial"/>
             </a:endParaRPr>
           </a:p>
         </p:txBody>
@@ -4554,8 +4293,8 @@
         </p:nvSpPr>
         <p:spPr>
           <a:xfrm>
-            <a:off x="6247080" y="2567160"/>
-            <a:ext cx="5949360" cy="2343960"/>
+            <a:off x="6231960" y="3682080"/>
+            <a:ext cx="5354280" cy="1896840"/>
           </a:xfrm>
           <a:prstGeom prst="rect">
             <a:avLst/>
@@ -4566,11 +4305,8 @@
             <a:normAutofit/>
           </a:bodyPr>
           <a:p>
-            <a:endParaRPr b="0" lang="en-US" sz="2800" spc="-1" strike="noStrike">
-              <a:solidFill>
-                <a:srgbClr val="000000"/>
-              </a:solidFill>
-              <a:latin typeface="Calibri"/>
+            <a:endParaRPr b="0" lang="pt-BR" sz="3200" spc="-1" strike="noStrike">
+              <a:latin typeface="Arial"/>
             </a:endParaRPr>
           </a:p>
         </p:txBody>
@@ -4609,8 +4345,8 @@
         </p:nvSpPr>
         <p:spPr>
           <a:xfrm>
-            <a:off x="1097280" y="5074920"/>
-            <a:ext cx="10112760" cy="822600"/>
+            <a:off x="609480" y="273600"/>
+            <a:ext cx="10972440" cy="1144800"/>
           </a:xfrm>
           <a:prstGeom prst="rect">
             <a:avLst/>
@@ -4621,11 +4357,9 @@
             <a:noAutofit/>
           </a:bodyPr>
           <a:p>
-            <a:endParaRPr b="0" lang="en-US" sz="1800" spc="-1" strike="noStrike">
-              <a:solidFill>
-                <a:srgbClr val="000000"/>
-              </a:solidFill>
-              <a:latin typeface="Calibri"/>
+            <a:pPr algn="ctr"/>
+            <a:endParaRPr b="0" lang="pt-BR" sz="4400" spc="-1" strike="noStrike">
+              <a:latin typeface="Arial"/>
             </a:endParaRPr>
           </a:p>
         </p:txBody>
@@ -4642,8 +4376,8 @@
         </p:nvSpPr>
         <p:spPr>
           <a:xfrm>
-            <a:off x="0" y="0"/>
-            <a:ext cx="5949360" cy="2343960"/>
+            <a:off x="609480" y="1604520"/>
+            <a:ext cx="5354280" cy="1896840"/>
           </a:xfrm>
           <a:prstGeom prst="rect">
             <a:avLst/>
@@ -4654,11 +4388,8 @@
             <a:normAutofit/>
           </a:bodyPr>
           <a:p>
-            <a:endParaRPr b="0" lang="en-US" sz="2800" spc="-1" strike="noStrike">
-              <a:solidFill>
-                <a:srgbClr val="000000"/>
-              </a:solidFill>
-              <a:latin typeface="Calibri"/>
+            <a:endParaRPr b="0" lang="pt-BR" sz="3200" spc="-1" strike="noStrike">
+              <a:latin typeface="Arial"/>
             </a:endParaRPr>
           </a:p>
         </p:txBody>
@@ -4675,8 +4406,8 @@
         </p:nvSpPr>
         <p:spPr>
           <a:xfrm>
-            <a:off x="6247080" y="0"/>
-            <a:ext cx="5949360" cy="2343960"/>
+            <a:off x="6231960" y="1604520"/>
+            <a:ext cx="5354280" cy="1896840"/>
           </a:xfrm>
           <a:prstGeom prst="rect">
             <a:avLst/>
@@ -4687,11 +4418,8 @@
             <a:normAutofit/>
           </a:bodyPr>
           <a:p>
-            <a:endParaRPr b="0" lang="en-US" sz="2800" spc="-1" strike="noStrike">
-              <a:solidFill>
-                <a:srgbClr val="000000"/>
-              </a:solidFill>
-              <a:latin typeface="Calibri"/>
+            <a:endParaRPr b="0" lang="pt-BR" sz="3200" spc="-1" strike="noStrike">
+              <a:latin typeface="Arial"/>
             </a:endParaRPr>
           </a:p>
         </p:txBody>
@@ -4708,8 +4436,8 @@
         </p:nvSpPr>
         <p:spPr>
           <a:xfrm>
-            <a:off x="0" y="2567160"/>
-            <a:ext cx="12191760" cy="2343960"/>
+            <a:off x="609480" y="3682080"/>
+            <a:ext cx="10972440" cy="1896840"/>
           </a:xfrm>
           <a:prstGeom prst="rect">
             <a:avLst/>
@@ -4720,11 +4448,8 @@
             <a:normAutofit/>
           </a:bodyPr>
           <a:p>
-            <a:endParaRPr b="0" lang="en-US" sz="2800" spc="-1" strike="noStrike">
-              <a:solidFill>
-                <a:srgbClr val="000000"/>
-              </a:solidFill>
-              <a:latin typeface="Calibri"/>
+            <a:endParaRPr b="0" lang="pt-BR" sz="3200" spc="-1" strike="noStrike">
+              <a:latin typeface="Arial"/>
             </a:endParaRPr>
           </a:p>
         </p:txBody>
@@ -4774,10 +4499,7 @@
           </a:prstGeom>
           <a:ln w="6350">
             <a:solidFill>
-              <a:srgbClr val="000000">
-                <a:lumMod val="50000"/>
-                <a:lumOff val="50000"/>
-              </a:srgbClr>
+              <a:srgbClr val="808080"/>
             </a:solidFill>
             <a:round/>
           </a:ln>
@@ -4807,37 +4529,26 @@
         </p:nvSpPr>
         <p:spPr>
           <a:xfrm>
-            <a:off x="1097280" y="1303560"/>
-            <a:ext cx="10058040" cy="1879560"/>
-          </a:xfrm>
-          <a:prstGeom prst="rect">
-            <a:avLst/>
-          </a:prstGeom>
-        </p:spPr>
-        <p:txBody>
-          <a:bodyPr anchor="ctr">
-            <a:normAutofit/>
-          </a:bodyPr>
-          <a:p>
-            <a:pPr>
-              <a:lnSpc>
-                <a:spcPct val="85000"/>
-              </a:lnSpc>
-            </a:pPr>
-            <a:r>
-              <a:rPr b="0" lang="en-US" sz="6000" spc="-52" strike="noStrike">
-                <a:solidFill>
-                  <a:srgbClr val="262626"/>
-                </a:solidFill>
-                <a:latin typeface="Calibri Light"/>
-              </a:rPr>
-              <a:t>Click to edit Master title style</a:t>
-            </a:r>
-            <a:endParaRPr b="0" lang="en-US" sz="6000" spc="-1" strike="noStrike">
-              <a:solidFill>
-                <a:srgbClr val="000000"/>
-              </a:solidFill>
-              <a:latin typeface="Calibri"/>
+            <a:off x="1097280" y="5074920"/>
+            <a:ext cx="10112400" cy="822240"/>
+          </a:xfrm>
+          <a:prstGeom prst="rect">
+            <a:avLst/>
+          </a:prstGeom>
+        </p:spPr>
+        <p:txBody>
+          <a:bodyPr lIns="0" rIns="0" tIns="0" bIns="0" anchor="ctr">
+            <a:noAutofit/>
+          </a:bodyPr>
+          <a:p>
+            <a:r>
+              <a:rPr b="0" lang="pt-BR" sz="1800" spc="-1" strike="noStrike">
+                <a:latin typeface="Arial"/>
+              </a:rPr>
+              <a:t>Clique para editar o formato do texto do título</a:t>
+            </a:r>
+            <a:endParaRPr b="0" lang="pt-BR" sz="1800" spc="-1" strike="noStrike">
+              <a:latin typeface="Arial"/>
             </a:endParaRPr>
           </a:p>
         </p:txBody>
@@ -4878,19 +4589,13 @@
               <a:buChar char=""/>
             </a:pPr>
             <a:r>
-              <a:rPr b="0" lang="en-US" sz="2800" spc="-1" strike="noStrike">
-                <a:solidFill>
-                  <a:srgbClr val="000000"/>
-                </a:solidFill>
-                <a:latin typeface="Calibri"/>
+              <a:rPr b="0" lang="pt-BR" sz="3200" spc="-1" strike="noStrike">
+                <a:latin typeface="Arial"/>
               </a:rPr>
               <a:t>Clique para editar o formato do texto da estrutura de tópicos</a:t>
             </a:r>
-            <a:endParaRPr b="0" lang="en-US" sz="2800" spc="-1" strike="noStrike">
-              <a:solidFill>
-                <a:srgbClr val="000000"/>
-              </a:solidFill>
-              <a:latin typeface="Calibri"/>
+            <a:endParaRPr b="0" lang="pt-BR" sz="3200" spc="-1" strike="noStrike">
+              <a:latin typeface="Arial"/>
             </a:endParaRPr>
           </a:p>
           <a:p>
@@ -4906,19 +4611,13 @@
               <a:buChar char=""/>
             </a:pPr>
             <a:r>
-              <a:rPr b="0" lang="en-US" sz="2000" spc="-1" strike="noStrike">
-                <a:solidFill>
-                  <a:srgbClr val="000000"/>
-                </a:solidFill>
-                <a:latin typeface="Calibri"/>
+              <a:rPr b="0" lang="pt-BR" sz="2800" spc="-1" strike="noStrike">
+                <a:latin typeface="Arial"/>
               </a:rPr>
               <a:t>2.º nível da estrutura de tópicos</a:t>
             </a:r>
-            <a:endParaRPr b="0" lang="en-US" sz="2000" spc="-1" strike="noStrike">
-              <a:solidFill>
-                <a:srgbClr val="000000"/>
-              </a:solidFill>
-              <a:latin typeface="Calibri"/>
+            <a:endParaRPr b="0" lang="pt-BR" sz="2800" spc="-1" strike="noStrike">
+              <a:latin typeface="Arial"/>
             </a:endParaRPr>
           </a:p>
           <a:p>
@@ -4934,19 +4633,13 @@
               <a:buChar char=""/>
             </a:pPr>
             <a:r>
-              <a:rPr b="0" lang="en-US" sz="1800" spc="-1" strike="noStrike">
-                <a:solidFill>
-                  <a:srgbClr val="000000"/>
-                </a:solidFill>
-                <a:latin typeface="Calibri"/>
+              <a:rPr b="0" lang="pt-BR" sz="2400" spc="-1" strike="noStrike">
+                <a:latin typeface="Arial"/>
               </a:rPr>
               <a:t>3.º nível da estrutura de tópicos</a:t>
             </a:r>
-            <a:endParaRPr b="0" lang="en-US" sz="1800" spc="-1" strike="noStrike">
-              <a:solidFill>
-                <a:srgbClr val="000000"/>
-              </a:solidFill>
-              <a:latin typeface="Calibri"/>
+            <a:endParaRPr b="0" lang="pt-BR" sz="2400" spc="-1" strike="noStrike">
+              <a:latin typeface="Arial"/>
             </a:endParaRPr>
           </a:p>
           <a:p>
@@ -4962,19 +4655,13 @@
               <a:buChar char=""/>
             </a:pPr>
             <a:r>
-              <a:rPr b="0" lang="en-US" sz="1600" spc="-1" strike="noStrike">
-                <a:solidFill>
-                  <a:srgbClr val="000000"/>
-                </a:solidFill>
-                <a:latin typeface="Calibri"/>
+              <a:rPr b="0" lang="pt-BR" sz="2000" spc="-1" strike="noStrike">
+                <a:latin typeface="Arial"/>
               </a:rPr>
               <a:t>4.º nível da estrutura de tópicos</a:t>
             </a:r>
-            <a:endParaRPr b="0" lang="en-US" sz="1600" spc="-1" strike="noStrike">
-              <a:solidFill>
-                <a:srgbClr val="000000"/>
-              </a:solidFill>
-              <a:latin typeface="Calibri"/>
+            <a:endParaRPr b="0" lang="pt-BR" sz="2000" spc="-1" strike="noStrike">
+              <a:latin typeface="Arial"/>
             </a:endParaRPr>
           </a:p>
           <a:p>
@@ -4990,19 +4677,13 @@
               <a:buChar char=""/>
             </a:pPr>
             <a:r>
-              <a:rPr b="0" lang="en-US" sz="2000" spc="-1" strike="noStrike">
-                <a:solidFill>
-                  <a:srgbClr val="000000"/>
-                </a:solidFill>
-                <a:latin typeface="Calibri"/>
+              <a:rPr b="0" lang="pt-BR" sz="2000" spc="-1" strike="noStrike">
+                <a:latin typeface="Arial"/>
               </a:rPr>
               <a:t>5.º nível da estrutura de tópicos</a:t>
             </a:r>
-            <a:endParaRPr b="0" lang="en-US" sz="2000" spc="-1" strike="noStrike">
-              <a:solidFill>
-                <a:srgbClr val="000000"/>
-              </a:solidFill>
-              <a:latin typeface="Calibri"/>
+            <a:endParaRPr b="0" lang="pt-BR" sz="2000" spc="-1" strike="noStrike">
+              <a:latin typeface="Arial"/>
             </a:endParaRPr>
           </a:p>
           <a:p>
@@ -5018,19 +4699,13 @@
               <a:buChar char=""/>
             </a:pPr>
             <a:r>
-              <a:rPr b="0" lang="en-US" sz="2000" spc="-1" strike="noStrike">
-                <a:solidFill>
-                  <a:srgbClr val="000000"/>
-                </a:solidFill>
-                <a:latin typeface="Calibri"/>
+              <a:rPr b="0" lang="pt-BR" sz="2000" spc="-1" strike="noStrike">
+                <a:latin typeface="Arial"/>
               </a:rPr>
               <a:t>6.º nível da estrutura de tópicos</a:t>
             </a:r>
-            <a:endParaRPr b="0" lang="en-US" sz="2000" spc="-1" strike="noStrike">
-              <a:solidFill>
-                <a:srgbClr val="000000"/>
-              </a:solidFill>
-              <a:latin typeface="Calibri"/>
+            <a:endParaRPr b="0" lang="pt-BR" sz="2000" spc="-1" strike="noStrike">
+              <a:latin typeface="Arial"/>
             </a:endParaRPr>
           </a:p>
           <a:p>
@@ -5046,19 +4721,13 @@
               <a:buChar char=""/>
             </a:pPr>
             <a:r>
-              <a:rPr b="0" lang="en-US" sz="2000" spc="-1" strike="noStrike">
-                <a:solidFill>
-                  <a:srgbClr val="000000"/>
-                </a:solidFill>
-                <a:latin typeface="Calibri"/>
+              <a:rPr b="0" lang="pt-BR" sz="2000" spc="-1" strike="noStrike">
+                <a:latin typeface="Arial"/>
               </a:rPr>
               <a:t>7.º nível da estrutura de tópicos</a:t>
             </a:r>
-            <a:endParaRPr b="0" lang="en-US" sz="2000" spc="-1" strike="noStrike">
-              <a:solidFill>
-                <a:srgbClr val="000000"/>
-              </a:solidFill>
-              <a:latin typeface="Calibri"/>
+            <a:endParaRPr b="0" lang="pt-BR" sz="2000" spc="-1" strike="noStrike">
+              <a:latin typeface="Arial"/>
             </a:endParaRPr>
           </a:p>
         </p:txBody>
@@ -5123,10 +4792,7 @@
           </a:prstGeom>
           <a:ln w="6350">
             <a:solidFill>
-              <a:srgbClr val="000000">
-                <a:lumMod val="50000"/>
-                <a:lumOff val="50000"/>
-              </a:srgbClr>
+              <a:srgbClr val="808080"/>
             </a:solidFill>
             <a:round/>
           </a:ln>
@@ -5156,345 +4822,206 @@
         </p:nvSpPr>
         <p:spPr>
           <a:xfrm>
-            <a:off x="666720" y="226800"/>
-            <a:ext cx="10946880" cy="789840"/>
-          </a:xfrm>
-          <a:prstGeom prst="rect">
-            <a:avLst/>
-          </a:prstGeom>
-        </p:spPr>
-        <p:txBody>
-          <a:bodyPr anchor="b">
+            <a:off x="609480" y="273600"/>
+            <a:ext cx="10972440" cy="1144800"/>
+          </a:xfrm>
+          <a:prstGeom prst="rect">
+            <a:avLst/>
+          </a:prstGeom>
+        </p:spPr>
+        <p:txBody>
+          <a:bodyPr lIns="0" rIns="0" tIns="0" bIns="0" anchor="ctr">
             <a:noAutofit/>
           </a:bodyPr>
           <a:p>
-            <a:pPr>
-              <a:lnSpc>
-                <a:spcPct val="85000"/>
-              </a:lnSpc>
-            </a:pPr>
-            <a:r>
-              <a:rPr b="0" lang="en-US" sz="4800" spc="-52" strike="noStrike">
-                <a:solidFill>
-                  <a:srgbClr val="000000"/>
-                </a:solidFill>
-                <a:latin typeface="Calibri Light"/>
-              </a:rPr>
-              <a:t>Click to edit Master title style</a:t>
-            </a:r>
-            <a:endParaRPr b="0" lang="en-US" sz="4800" spc="-1" strike="noStrike">
-              <a:solidFill>
+            <a:pPr algn="ctr"/>
+            <a:r>
+              <a:rPr b="0" lang="pt-BR" sz="4400" spc="-1" strike="noStrike">
+                <a:latin typeface="Arial"/>
+              </a:rPr>
+              <a:t>Clique para editar o formato do texto do título</a:t>
+            </a:r>
+            <a:endParaRPr b="0" lang="pt-BR" sz="4400" spc="-1" strike="noStrike">
+              <a:latin typeface="Arial"/>
+            </a:endParaRPr>
+          </a:p>
+        </p:txBody>
+      </p:sp>
+      <p:sp>
+        <p:nvSpPr>
+          <p:cNvPr id="41" name="PlaceHolder 2"/>
+          <p:cNvSpPr>
+            <a:spLocks noGrp="1"/>
+          </p:cNvSpPr>
+          <p:nvPr>
+            <p:ph type="body"/>
+          </p:nvPr>
+        </p:nvSpPr>
+        <p:spPr>
+          <a:xfrm>
+            <a:off x="609480" y="1604520"/>
+            <a:ext cx="10972440" cy="3977280"/>
+          </a:xfrm>
+          <a:prstGeom prst="rect">
+            <a:avLst/>
+          </a:prstGeom>
+        </p:spPr>
+        <p:txBody>
+          <a:bodyPr lIns="0" rIns="0" tIns="0" bIns="0">
+            <a:normAutofit/>
+          </a:bodyPr>
+          <a:p>
+            <a:pPr marL="432000" indent="-324000">
+              <a:spcBef>
+                <a:spcPts val="1417"/>
+              </a:spcBef>
+              <a:buClr>
                 <a:srgbClr val="000000"/>
-              </a:solidFill>
-              <a:latin typeface="Calibri"/>
-            </a:endParaRPr>
-          </a:p>
-        </p:txBody>
-      </p:sp>
-      <p:sp>
-        <p:nvSpPr>
-          <p:cNvPr id="41" name="PlaceHolder 2"/>
-          <p:cNvSpPr>
-            <a:spLocks noGrp="1"/>
-          </p:cNvSpPr>
-          <p:nvPr>
-            <p:ph type="body"/>
-          </p:nvPr>
-        </p:nvSpPr>
-        <p:spPr>
-          <a:xfrm>
-            <a:off x="666720" y="1262520"/>
-            <a:ext cx="10946880" cy="5283360"/>
-          </a:xfrm>
-          <a:prstGeom prst="rect">
-            <a:avLst/>
-          </a:prstGeom>
-        </p:spPr>
-        <p:txBody>
-          <a:bodyPr lIns="0" rIns="0">
-            <a:noAutofit/>
-          </a:bodyPr>
-          <a:p>
-            <a:pPr marL="91440" indent="-284040">
-              <a:lnSpc>
-                <a:spcPct val="100000"/>
-              </a:lnSpc>
+              </a:buClr>
+              <a:buSzPct val="45000"/>
+              <a:buFont typeface="Wingdings" charset="2"/>
+              <a:buChar char=""/>
+            </a:pPr>
+            <a:r>
+              <a:rPr b="0" lang="pt-BR" sz="3200" spc="-1" strike="noStrike">
+                <a:latin typeface="Arial"/>
+              </a:rPr>
+              <a:t>Clique para editar o formato do texto da estrutura de tópicos</a:t>
+            </a:r>
+            <a:endParaRPr b="0" lang="pt-BR" sz="3200" spc="-1" strike="noStrike">
+              <a:latin typeface="Arial"/>
+            </a:endParaRPr>
+          </a:p>
+          <a:p>
+            <a:pPr lvl="1" marL="864000" indent="-324000">
               <a:spcBef>
-                <a:spcPts val="1199"/>
+                <a:spcPts val="1134"/>
               </a:spcBef>
-              <a:spcAft>
-                <a:spcPts val="201"/>
-              </a:spcAft>
               <a:buClr>
-                <a:srgbClr val="e48312"/>
+                <a:srgbClr val="000000"/>
               </a:buClr>
-              <a:buFont typeface="Arial"/>
-              <a:buChar char="•"/>
-            </a:pPr>
-            <a:r>
-              <a:rPr b="0" lang="en-US" sz="2800" spc="-1" strike="noStrike">
-                <a:solidFill>
-                  <a:srgbClr val="000000"/>
-                </a:solidFill>
-                <a:latin typeface="Calibri"/>
-              </a:rPr>
-              <a:t>Click to edit Master text styles</a:t>
-            </a:r>
-            <a:endParaRPr b="0" lang="en-US" sz="2800" spc="-1" strike="noStrike">
-              <a:solidFill>
+              <a:buSzPct val="75000"/>
+              <a:buFont typeface="Symbol" charset="2"/>
+              <a:buChar char=""/>
+            </a:pPr>
+            <a:r>
+              <a:rPr b="0" lang="pt-BR" sz="2800" spc="-1" strike="noStrike">
+                <a:latin typeface="Arial"/>
+              </a:rPr>
+              <a:t>2.º nível da estrutura de tópicos</a:t>
+            </a:r>
+            <a:endParaRPr b="0" lang="pt-BR" sz="2800" spc="-1" strike="noStrike">
+              <a:latin typeface="Arial"/>
+            </a:endParaRPr>
+          </a:p>
+          <a:p>
+            <a:pPr lvl="2" marL="1296000" indent="-288000">
+              <a:spcBef>
+                <a:spcPts val="850"/>
+              </a:spcBef>
+              <a:buClr>
                 <a:srgbClr val="000000"/>
-              </a:solidFill>
-              <a:latin typeface="Calibri"/>
-            </a:endParaRPr>
-          </a:p>
-          <a:p>
-            <a:pPr lvl="1" marL="487080" indent="-285480">
-              <a:lnSpc>
-                <a:spcPct val="100000"/>
-              </a:lnSpc>
+              </a:buClr>
+              <a:buSzPct val="45000"/>
+              <a:buFont typeface="Wingdings" charset="2"/>
+              <a:buChar char=""/>
+            </a:pPr>
+            <a:r>
+              <a:rPr b="0" lang="pt-BR" sz="2400" spc="-1" strike="noStrike">
+                <a:latin typeface="Arial"/>
+              </a:rPr>
+              <a:t>3.º nível da estrutura de tópicos</a:t>
+            </a:r>
+            <a:endParaRPr b="0" lang="pt-BR" sz="2400" spc="-1" strike="noStrike">
+              <a:latin typeface="Arial"/>
+            </a:endParaRPr>
+          </a:p>
+          <a:p>
+            <a:pPr lvl="3" marL="1728000" indent="-216000">
               <a:spcBef>
-                <a:spcPts val="201"/>
+                <a:spcPts val="567"/>
               </a:spcBef>
-              <a:spcAft>
-                <a:spcPts val="400"/>
-              </a:spcAft>
               <a:buClr>
-                <a:srgbClr val="e48312"/>
+                <a:srgbClr val="000000"/>
               </a:buClr>
-              <a:buFont typeface="Arial"/>
-              <a:buChar char="•"/>
-            </a:pPr>
-            <a:r>
-              <a:rPr b="0" lang="en-US" sz="2400" spc="-1" strike="noStrike">
-                <a:solidFill>
-                  <a:srgbClr val="000000"/>
-                </a:solidFill>
-                <a:latin typeface="Calibri"/>
-              </a:rPr>
-              <a:t>Second level</a:t>
-            </a:r>
-            <a:endParaRPr b="0" lang="en-US" sz="2400" spc="-1" strike="noStrike">
-              <a:solidFill>
+              <a:buSzPct val="75000"/>
+              <a:buFont typeface="Symbol" charset="2"/>
+              <a:buChar char=""/>
+            </a:pPr>
+            <a:r>
+              <a:rPr b="0" lang="pt-BR" sz="2000" spc="-1" strike="noStrike">
+                <a:latin typeface="Arial"/>
+              </a:rPr>
+              <a:t>4.º nível da estrutura de tópicos</a:t>
+            </a:r>
+            <a:endParaRPr b="0" lang="pt-BR" sz="2000" spc="-1" strike="noStrike">
+              <a:latin typeface="Arial"/>
+            </a:endParaRPr>
+          </a:p>
+          <a:p>
+            <a:pPr lvl="4" marL="2160000" indent="-216000">
+              <a:spcBef>
+                <a:spcPts val="283"/>
+              </a:spcBef>
+              <a:buClr>
                 <a:srgbClr val="000000"/>
-              </a:solidFill>
-              <a:latin typeface="Calibri"/>
-            </a:endParaRPr>
-          </a:p>
-          <a:p>
-            <a:pPr lvl="2" marL="669960" indent="-285480">
-              <a:lnSpc>
-                <a:spcPct val="100000"/>
-              </a:lnSpc>
+              </a:buClr>
+              <a:buSzPct val="45000"/>
+              <a:buFont typeface="Wingdings" charset="2"/>
+              <a:buChar char=""/>
+            </a:pPr>
+            <a:r>
+              <a:rPr b="0" lang="pt-BR" sz="2000" spc="-1" strike="noStrike">
+                <a:latin typeface="Arial"/>
+              </a:rPr>
+              <a:t>5.º nível da estrutura de tópicos</a:t>
+            </a:r>
+            <a:endParaRPr b="0" lang="pt-BR" sz="2000" spc="-1" strike="noStrike">
+              <a:latin typeface="Arial"/>
+            </a:endParaRPr>
+          </a:p>
+          <a:p>
+            <a:pPr lvl="5" marL="2592000" indent="-216000">
               <a:spcBef>
-                <a:spcPts val="201"/>
+                <a:spcPts val="283"/>
               </a:spcBef>
-              <a:spcAft>
-                <a:spcPts val="400"/>
-              </a:spcAft>
               <a:buClr>
-                <a:srgbClr val="e48312"/>
+                <a:srgbClr val="000000"/>
               </a:buClr>
-              <a:buFont typeface="Arial"/>
-              <a:buChar char="•"/>
-            </a:pPr>
-            <a:r>
-              <a:rPr b="0" lang="en-US" sz="2000" spc="-1" strike="noStrike">
-                <a:solidFill>
-                  <a:srgbClr val="000000"/>
-                </a:solidFill>
-                <a:latin typeface="Calibri"/>
-              </a:rPr>
-              <a:t>Third level</a:t>
-            </a:r>
-            <a:endParaRPr b="0" lang="en-US" sz="2000" spc="-1" strike="noStrike">
-              <a:solidFill>
+              <a:buSzPct val="45000"/>
+              <a:buFont typeface="Wingdings" charset="2"/>
+              <a:buChar char=""/>
+            </a:pPr>
+            <a:r>
+              <a:rPr b="0" lang="pt-BR" sz="2000" spc="-1" strike="noStrike">
+                <a:latin typeface="Arial"/>
+              </a:rPr>
+              <a:t>6.º nível da estrutura de tópicos</a:t>
+            </a:r>
+            <a:endParaRPr b="0" lang="pt-BR" sz="2000" spc="-1" strike="noStrike">
+              <a:latin typeface="Arial"/>
+            </a:endParaRPr>
+          </a:p>
+          <a:p>
+            <a:pPr lvl="6" marL="3024000" indent="-216000">
+              <a:spcBef>
+                <a:spcPts val="283"/>
+              </a:spcBef>
+              <a:buClr>
                 <a:srgbClr val="000000"/>
-              </a:solidFill>
-              <a:latin typeface="Calibri"/>
-            </a:endParaRPr>
-          </a:p>
-          <a:p>
-            <a:pPr lvl="3" marL="852840" indent="-285480">
-              <a:lnSpc>
-                <a:spcPct val="100000"/>
-              </a:lnSpc>
-              <a:spcBef>
-                <a:spcPts val="201"/>
-              </a:spcBef>
-              <a:spcAft>
-                <a:spcPts val="400"/>
-              </a:spcAft>
-              <a:buClr>
-                <a:srgbClr val="e48312"/>
               </a:buClr>
-              <a:buFont typeface="Arial"/>
-              <a:buChar char="•"/>
-            </a:pPr>
-            <a:r>
-              <a:rPr b="0" lang="en-US" sz="1800" spc="-1" strike="noStrike">
-                <a:solidFill>
-                  <a:srgbClr val="000000"/>
-                </a:solidFill>
-                <a:latin typeface="Calibri"/>
-              </a:rPr>
-              <a:t>Fourth level</a:t>
-            </a:r>
-            <a:endParaRPr b="0" lang="en-US" sz="1800" spc="-1" strike="noStrike">
-              <a:solidFill>
-                <a:srgbClr val="000000"/>
-              </a:solidFill>
-              <a:latin typeface="Calibri"/>
-            </a:endParaRPr>
-          </a:p>
-          <a:p>
-            <a:pPr lvl="4" marL="1035720" indent="-285480">
-              <a:lnSpc>
-                <a:spcPct val="100000"/>
-              </a:lnSpc>
-              <a:spcBef>
-                <a:spcPts val="201"/>
-              </a:spcBef>
-              <a:spcAft>
-                <a:spcPts val="400"/>
-              </a:spcAft>
-              <a:buClr>
-                <a:srgbClr val="e48312"/>
-              </a:buClr>
-              <a:buFont typeface="Arial"/>
-              <a:buChar char="•"/>
-            </a:pPr>
-            <a:r>
-              <a:rPr b="0" lang="en-US" sz="1600" spc="-1" strike="noStrike">
-                <a:solidFill>
-                  <a:srgbClr val="000000"/>
-                </a:solidFill>
-                <a:latin typeface="Calibri"/>
-              </a:rPr>
-              <a:t>Fifth level</a:t>
-            </a:r>
-            <a:endParaRPr b="0" lang="en-US" sz="1600" spc="-1" strike="noStrike">
-              <a:solidFill>
-                <a:srgbClr val="000000"/>
-              </a:solidFill>
-              <a:latin typeface="Calibri"/>
-            </a:endParaRPr>
-          </a:p>
-        </p:txBody>
-      </p:sp>
-      <p:sp>
-        <p:nvSpPr>
-          <p:cNvPr id="42" name="PlaceHolder 3"/>
-          <p:cNvSpPr>
-            <a:spLocks noGrp="1"/>
-          </p:cNvSpPr>
-          <p:nvPr>
-            <p:ph type="dt"/>
-          </p:nvPr>
-        </p:nvSpPr>
-        <p:spPr>
-          <a:xfrm>
-            <a:off x="1097280" y="6459840"/>
-            <a:ext cx="2471760" cy="364680"/>
-          </a:xfrm>
-          <a:prstGeom prst="rect">
-            <a:avLst/>
-          </a:prstGeom>
-        </p:spPr>
-        <p:txBody>
-          <a:bodyPr lIns="90000" rIns="90000" tIns="45000" bIns="45000">
-            <a:noAutofit/>
-          </a:bodyPr>
-          <a:p>
-            <a:pPr>
-              <a:lnSpc>
-                <a:spcPct val="100000"/>
-              </a:lnSpc>
-            </a:pPr>
-            <a:fld id="{0EF0F396-7751-4AE0-9A7D-61C189CDF624}" type="datetime">
-              <a:rPr b="0" lang="en-US" sz="1800" spc="-1" strike="noStrike">
-                <a:solidFill>
-                  <a:srgbClr val="000000"/>
-                </a:solidFill>
-                <a:latin typeface="Calibri"/>
-              </a:rPr>
-              <a:t>8/10/23</a:t>
-            </a:fld>
-            <a:endParaRPr b="0" lang="pt-BR" sz="1800" spc="-1" strike="noStrike">
-              <a:latin typeface="Times New Roman"/>
-            </a:endParaRPr>
-          </a:p>
-        </p:txBody>
-      </p:sp>
-      <p:sp>
-        <p:nvSpPr>
-          <p:cNvPr id="43" name="PlaceHolder 4"/>
-          <p:cNvSpPr>
-            <a:spLocks noGrp="1"/>
-          </p:cNvSpPr>
-          <p:nvPr>
-            <p:ph type="ftr"/>
-          </p:nvPr>
-        </p:nvSpPr>
-        <p:spPr>
-          <a:xfrm>
-            <a:off x="3686040" y="6459840"/>
-            <a:ext cx="4822560" cy="364680"/>
-          </a:xfrm>
-          <a:prstGeom prst="rect">
-            <a:avLst/>
-          </a:prstGeom>
-        </p:spPr>
-        <p:txBody>
-          <a:bodyPr lIns="90000" rIns="90000" tIns="45000" bIns="45000">
-            <a:noAutofit/>
-          </a:bodyPr>
-          <a:p>
-            <a:endParaRPr b="0" lang="pt-BR" sz="2400" spc="-1" strike="noStrike">
-              <a:latin typeface="Times New Roman"/>
-            </a:endParaRPr>
-          </a:p>
-        </p:txBody>
-      </p:sp>
-      <p:sp>
-        <p:nvSpPr>
-          <p:cNvPr id="44" name="PlaceHolder 5"/>
-          <p:cNvSpPr>
-            <a:spLocks noGrp="1"/>
-          </p:cNvSpPr>
-          <p:nvPr>
-            <p:ph type="sldNum"/>
-          </p:nvPr>
-        </p:nvSpPr>
-        <p:spPr>
-          <a:xfrm>
-            <a:off x="9900360" y="6459840"/>
-            <a:ext cx="1311840" cy="364680"/>
-          </a:xfrm>
-          <a:prstGeom prst="rect">
-            <a:avLst/>
-          </a:prstGeom>
-        </p:spPr>
-        <p:txBody>
-          <a:bodyPr lIns="90000" rIns="90000" tIns="45000" bIns="45000">
-            <a:noAutofit/>
-          </a:bodyPr>
-          <a:p>
-            <a:pPr>
-              <a:lnSpc>
-                <a:spcPct val="100000"/>
-              </a:lnSpc>
-            </a:pPr>
-            <a:fld id="{0618ABD9-9DB9-4C01-B7AB-073CA79A78BE}" type="slidenum">
-              <a:rPr b="0" lang="en-US" sz="1800" spc="-1" strike="noStrike">
-                <a:solidFill>
-                  <a:srgbClr val="000000"/>
-                </a:solidFill>
-                <a:latin typeface="Calibri"/>
-              </a:rPr>
-              <a:t>&lt;número&gt;</a:t>
-            </a:fld>
-            <a:endParaRPr b="0" lang="pt-BR" sz="1800" spc="-1" strike="noStrike">
-              <a:latin typeface="Times New Roman"/>
+              <a:buSzPct val="45000"/>
+              <a:buFont typeface="Wingdings" charset="2"/>
+              <a:buChar char=""/>
+            </a:pPr>
+            <a:r>
+              <a:rPr b="0" lang="pt-BR" sz="2000" spc="-1" strike="noStrike">
+                <a:latin typeface="Arial"/>
+              </a:rPr>
+              <a:t>7.º nível da estrutura de tópicos</a:t>
+            </a:r>
+            <a:endParaRPr b="0" lang="pt-BR" sz="2000" spc="-1" strike="noStrike">
+              <a:latin typeface="Arial"/>
             </a:endParaRPr>
           </a:p>
         </p:txBody>
@@ -5545,7 +5072,7 @@
       </p:grpSpPr>
       <p:sp>
         <p:nvSpPr>
-          <p:cNvPr id="81" name="Straight Connector 9"/>
+          <p:cNvPr id="78" name="Straight Connector 9"/>
           <p:cNvSpPr/>
           <p:nvPr/>
         </p:nvSpPr>
@@ -5559,10 +5086,7 @@
           </a:prstGeom>
           <a:ln w="6350">
             <a:solidFill>
-              <a:srgbClr val="000000">
-                <a:lumMod val="50000"/>
-                <a:lumOff val="50000"/>
-              </a:srgbClr>
+              <a:srgbClr val="808080"/>
             </a:solidFill>
             <a:round/>
           </a:ln>
@@ -5582,14 +5106,14 @@
       </p:sp>
       <p:sp>
         <p:nvSpPr>
-          <p:cNvPr id="82" name="Rectangle 7"/>
+          <p:cNvPr id="79" name="Rectangle 7"/>
           <p:cNvSpPr/>
           <p:nvPr/>
         </p:nvSpPr>
         <p:spPr>
           <a:xfrm>
             <a:off x="0" y="4952880"/>
-            <a:ext cx="12188520" cy="1904760"/>
+            <a:ext cx="12188160" cy="1904400"/>
           </a:xfrm>
           <a:prstGeom prst="rect">
             <a:avLst/>
@@ -5618,14 +5142,14 @@
       </p:sp>
       <p:sp>
         <p:nvSpPr>
-          <p:cNvPr id="83" name="Rectangle 8"/>
+          <p:cNvPr id="80" name="Rectangle 8"/>
           <p:cNvSpPr/>
           <p:nvPr/>
         </p:nvSpPr>
         <p:spPr>
           <a:xfrm>
             <a:off x="0" y="4915080"/>
-            <a:ext cx="12188520" cy="63720"/>
+            <a:ext cx="12188160" cy="63360"/>
           </a:xfrm>
           <a:prstGeom prst="rect">
             <a:avLst/>
@@ -5654,7 +5178,7 @@
       </p:sp>
       <p:sp>
         <p:nvSpPr>
-          <p:cNvPr id="84" name="PlaceHolder 1"/>
+          <p:cNvPr id="81" name="PlaceHolder 1"/>
           <p:cNvSpPr>
             <a:spLocks noGrp="1"/>
           </p:cNvSpPr>
@@ -5664,258 +5188,206 @@
         </p:nvSpPr>
         <p:spPr>
           <a:xfrm>
-            <a:off x="1097280" y="5074920"/>
-            <a:ext cx="10112760" cy="822600"/>
-          </a:xfrm>
-          <a:prstGeom prst="rect">
-            <a:avLst/>
-          </a:prstGeom>
-        </p:spPr>
-        <p:txBody>
-          <a:bodyPr tIns="0" bIns="0" anchor="b">
+            <a:off x="609480" y="273600"/>
+            <a:ext cx="10972440" cy="1144800"/>
+          </a:xfrm>
+          <a:prstGeom prst="rect">
+            <a:avLst/>
+          </a:prstGeom>
+        </p:spPr>
+        <p:txBody>
+          <a:bodyPr lIns="0" rIns="0" tIns="0" bIns="0" anchor="ctr">
             <a:noAutofit/>
           </a:bodyPr>
           <a:p>
-            <a:pPr>
-              <a:lnSpc>
-                <a:spcPct val="85000"/>
-              </a:lnSpc>
-            </a:pPr>
-            <a:r>
-              <a:rPr b="0" lang="en-US" sz="3600" spc="-52" strike="noStrike">
-                <a:solidFill>
-                  <a:srgbClr val="ffffff"/>
-                </a:solidFill>
-                <a:latin typeface="Calibri Light"/>
-              </a:rPr>
-              <a:t>Click to edit Master title style</a:t>
-            </a:r>
-            <a:endParaRPr b="0" lang="en-US" sz="3600" spc="-1" strike="noStrike">
-              <a:solidFill>
+            <a:pPr algn="ctr"/>
+            <a:r>
+              <a:rPr b="0" lang="pt-BR" sz="4400" spc="-1" strike="noStrike">
+                <a:latin typeface="Arial"/>
+              </a:rPr>
+              <a:t>Clique para editar o formato do texto do título</a:t>
+            </a:r>
+            <a:endParaRPr b="0" lang="pt-BR" sz="4400" spc="-1" strike="noStrike">
+              <a:latin typeface="Arial"/>
+            </a:endParaRPr>
+          </a:p>
+        </p:txBody>
+      </p:sp>
+      <p:sp>
+        <p:nvSpPr>
+          <p:cNvPr id="82" name="PlaceHolder 2"/>
+          <p:cNvSpPr>
+            <a:spLocks noGrp="1"/>
+          </p:cNvSpPr>
+          <p:nvPr>
+            <p:ph type="body"/>
+          </p:nvPr>
+        </p:nvSpPr>
+        <p:spPr>
+          <a:xfrm>
+            <a:off x="609480" y="1604520"/>
+            <a:ext cx="10972440" cy="3977280"/>
+          </a:xfrm>
+          <a:prstGeom prst="rect">
+            <a:avLst/>
+          </a:prstGeom>
+        </p:spPr>
+        <p:txBody>
+          <a:bodyPr lIns="0" rIns="0" tIns="0" bIns="0">
+            <a:normAutofit/>
+          </a:bodyPr>
+          <a:p>
+            <a:pPr marL="432000" indent="-324000">
+              <a:spcBef>
+                <a:spcPts val="1417"/>
+              </a:spcBef>
+              <a:buClr>
                 <a:srgbClr val="000000"/>
-              </a:solidFill>
-              <a:latin typeface="Calibri"/>
-            </a:endParaRPr>
-          </a:p>
-        </p:txBody>
-      </p:sp>
-      <p:sp>
-        <p:nvSpPr>
-          <p:cNvPr id="85" name="PlaceHolder 2"/>
-          <p:cNvSpPr>
-            <a:spLocks noGrp="1"/>
-          </p:cNvSpPr>
-          <p:nvPr>
-            <p:ph type="body"/>
-          </p:nvPr>
-        </p:nvSpPr>
-        <p:spPr>
-          <a:xfrm>
-            <a:off x="0" y="0"/>
-            <a:ext cx="12191760" cy="4914720"/>
-          </a:xfrm>
-          <a:prstGeom prst="rect">
-            <a:avLst/>
-          </a:prstGeom>
-        </p:spPr>
-        <p:txBody>
-          <a:bodyPr lIns="457200" rIns="90000" tIns="457200" bIns="45000">
-            <a:noAutofit/>
-          </a:bodyPr>
-          <a:p>
-            <a:pPr>
-              <a:lnSpc>
-                <a:spcPct val="100000"/>
-              </a:lnSpc>
-              <a:tabLst>
-                <a:tab algn="l" pos="0"/>
-              </a:tabLst>
-            </a:pPr>
-            <a:r>
-              <a:rPr b="0" lang="en-US" sz="3200" spc="-1" strike="noStrike">
-                <a:solidFill>
-                  <a:srgbClr val="ffffff"/>
-                </a:solidFill>
-                <a:latin typeface="Calibri"/>
-              </a:rPr>
-              <a:t>Click icon to add picture</a:t>
-            </a:r>
-            <a:endParaRPr b="0" lang="en-US" sz="3200" spc="-1" strike="noStrike">
-              <a:solidFill>
+              </a:buClr>
+              <a:buSzPct val="45000"/>
+              <a:buFont typeface="Wingdings" charset="2"/>
+              <a:buChar char=""/>
+            </a:pPr>
+            <a:r>
+              <a:rPr b="0" lang="pt-BR" sz="3200" spc="-1" strike="noStrike">
+                <a:latin typeface="Arial"/>
+              </a:rPr>
+              <a:t>Clique para editar o formato do texto da estrutura de tópicos</a:t>
+            </a:r>
+            <a:endParaRPr b="0" lang="pt-BR" sz="3200" spc="-1" strike="noStrike">
+              <a:latin typeface="Arial"/>
+            </a:endParaRPr>
+          </a:p>
+          <a:p>
+            <a:pPr lvl="1" marL="864000" indent="-324000">
+              <a:spcBef>
+                <a:spcPts val="1134"/>
+              </a:spcBef>
+              <a:buClr>
                 <a:srgbClr val="000000"/>
-              </a:solidFill>
-              <a:latin typeface="Calibri"/>
-            </a:endParaRPr>
-          </a:p>
-        </p:txBody>
-      </p:sp>
-      <p:sp>
-        <p:nvSpPr>
-          <p:cNvPr id="86" name="PlaceHolder 3"/>
-          <p:cNvSpPr>
-            <a:spLocks noGrp="1"/>
-          </p:cNvSpPr>
-          <p:nvPr>
-            <p:ph type="body"/>
-          </p:nvPr>
-        </p:nvSpPr>
-        <p:spPr>
-          <a:xfrm>
-            <a:off x="1097280" y="5906880"/>
-            <a:ext cx="10112760" cy="594000"/>
-          </a:xfrm>
-          <a:prstGeom prst="rect">
-            <a:avLst/>
-          </a:prstGeom>
-        </p:spPr>
-        <p:txBody>
-          <a:bodyPr tIns="0" bIns="0">
-            <a:normAutofit/>
-          </a:bodyPr>
-          <a:p>
-            <a:pPr>
-              <a:lnSpc>
-                <a:spcPct val="90000"/>
-              </a:lnSpc>
-              <a:spcAft>
-                <a:spcPts val="601"/>
-              </a:spcAft>
-              <a:tabLst>
-                <a:tab algn="l" pos="0"/>
-              </a:tabLst>
-            </a:pPr>
-            <a:r>
-              <a:rPr b="0" lang="en-US" sz="1500" spc="-1" strike="noStrike">
-                <a:solidFill>
-                  <a:srgbClr val="ffffff"/>
-                </a:solidFill>
-                <a:latin typeface="Calibri"/>
-              </a:rPr>
-              <a:t>Click to edit Master text styles</a:t>
-            </a:r>
-            <a:endParaRPr b="0" lang="en-US" sz="1500" spc="-1" strike="noStrike">
-              <a:solidFill>
+              </a:buClr>
+              <a:buSzPct val="75000"/>
+              <a:buFont typeface="Symbol" charset="2"/>
+              <a:buChar char=""/>
+            </a:pPr>
+            <a:r>
+              <a:rPr b="0" lang="pt-BR" sz="2800" spc="-1" strike="noStrike">
+                <a:latin typeface="Arial"/>
+              </a:rPr>
+              <a:t>2.º nível da estrutura de tópicos</a:t>
+            </a:r>
+            <a:endParaRPr b="0" lang="pt-BR" sz="2800" spc="-1" strike="noStrike">
+              <a:latin typeface="Arial"/>
+            </a:endParaRPr>
+          </a:p>
+          <a:p>
+            <a:pPr lvl="2" marL="1296000" indent="-288000">
+              <a:spcBef>
+                <a:spcPts val="850"/>
+              </a:spcBef>
+              <a:buClr>
                 <a:srgbClr val="000000"/>
-              </a:solidFill>
-              <a:latin typeface="Calibri"/>
-            </a:endParaRPr>
-          </a:p>
-        </p:txBody>
-      </p:sp>
-      <p:sp>
-        <p:nvSpPr>
-          <p:cNvPr id="87" name="PlaceHolder 4"/>
-          <p:cNvSpPr>
-            <a:spLocks noGrp="1"/>
-          </p:cNvSpPr>
-          <p:nvPr>
-            <p:ph type="dt"/>
-          </p:nvPr>
-        </p:nvSpPr>
-        <p:spPr>
-          <a:xfrm>
-            <a:off x="1097280" y="6459840"/>
-            <a:ext cx="2471760" cy="364680"/>
-          </a:xfrm>
-          <a:prstGeom prst="rect">
-            <a:avLst/>
-          </a:prstGeom>
-        </p:spPr>
-        <p:txBody>
-          <a:bodyPr lIns="90000" rIns="90000" tIns="45000" bIns="45000">
-            <a:noAutofit/>
-          </a:bodyPr>
-          <a:p>
-            <a:pPr>
-              <a:lnSpc>
-                <a:spcPct val="100000"/>
-              </a:lnSpc>
-            </a:pPr>
-            <a:fld id="{562D1A2E-9679-48BC-A6EB-35C422CB4DE9}" type="datetime">
-              <a:rPr b="0" lang="en-US" sz="1800" spc="-1" strike="noStrike">
-                <a:solidFill>
-                  <a:srgbClr val="000000"/>
-                </a:solidFill>
-                <a:latin typeface="Calibri"/>
-              </a:rPr>
-              <a:t>8/10/23</a:t>
-            </a:fld>
-            <a:endParaRPr b="0" lang="pt-BR" sz="1800" spc="-1" strike="noStrike">
-              <a:latin typeface="Times New Roman"/>
-            </a:endParaRPr>
-          </a:p>
-        </p:txBody>
-      </p:sp>
-      <p:sp>
-        <p:nvSpPr>
-          <p:cNvPr id="88" name="PlaceHolder 5"/>
-          <p:cNvSpPr>
-            <a:spLocks noGrp="1"/>
-          </p:cNvSpPr>
-          <p:nvPr>
-            <p:ph type="ftr"/>
-          </p:nvPr>
-        </p:nvSpPr>
-        <p:spPr>
-          <a:xfrm>
-            <a:off x="3686040" y="6459840"/>
-            <a:ext cx="4822560" cy="364680"/>
-          </a:xfrm>
-          <a:prstGeom prst="rect">
-            <a:avLst/>
-          </a:prstGeom>
-        </p:spPr>
-        <p:txBody>
-          <a:bodyPr lIns="90000" rIns="90000" tIns="45000" bIns="45000">
-            <a:noAutofit/>
-          </a:bodyPr>
-          <a:p>
+              </a:buClr>
+              <a:buSzPct val="45000"/>
+              <a:buFont typeface="Wingdings" charset="2"/>
+              <a:buChar char=""/>
+            </a:pPr>
+            <a:r>
+              <a:rPr b="0" lang="pt-BR" sz="2400" spc="-1" strike="noStrike">
+                <a:latin typeface="Arial"/>
+              </a:rPr>
+              <a:t>3.º nível da estrutura de tópicos</a:t>
+            </a:r>
             <a:endParaRPr b="0" lang="pt-BR" sz="2400" spc="-1" strike="noStrike">
-              <a:latin typeface="Times New Roman"/>
-            </a:endParaRPr>
-          </a:p>
-        </p:txBody>
-      </p:sp>
-      <p:sp>
-        <p:nvSpPr>
-          <p:cNvPr id="89" name="PlaceHolder 6"/>
-          <p:cNvSpPr>
-            <a:spLocks noGrp="1"/>
-          </p:cNvSpPr>
-          <p:nvPr>
-            <p:ph type="sldNum"/>
-          </p:nvPr>
-        </p:nvSpPr>
-        <p:spPr>
-          <a:xfrm>
-            <a:off x="9900360" y="6459840"/>
-            <a:ext cx="1311840" cy="364680"/>
-          </a:xfrm>
-          <a:prstGeom prst="rect">
-            <a:avLst/>
-          </a:prstGeom>
-        </p:spPr>
-        <p:txBody>
-          <a:bodyPr lIns="90000" rIns="90000" tIns="45000" bIns="45000">
-            <a:noAutofit/>
-          </a:bodyPr>
-          <a:p>
-            <a:pPr>
-              <a:lnSpc>
-                <a:spcPct val="100000"/>
-              </a:lnSpc>
-            </a:pPr>
-            <a:fld id="{EE94109E-1E09-4419-8D01-9A0F330AA165}" type="slidenum">
-              <a:rPr b="0" lang="en-US" sz="1800" spc="-1" strike="noStrike">
-                <a:solidFill>
-                  <a:srgbClr val="000000"/>
-                </a:solidFill>
-                <a:latin typeface="Calibri"/>
-              </a:rPr>
-              <a:t>&lt;número&gt;</a:t>
-            </a:fld>
-            <a:endParaRPr b="0" lang="pt-BR" sz="1800" spc="-1" strike="noStrike">
-              <a:latin typeface="Times New Roman"/>
+              <a:latin typeface="Arial"/>
+            </a:endParaRPr>
+          </a:p>
+          <a:p>
+            <a:pPr lvl="3" marL="1728000" indent="-216000">
+              <a:spcBef>
+                <a:spcPts val="567"/>
+              </a:spcBef>
+              <a:buClr>
+                <a:srgbClr val="000000"/>
+              </a:buClr>
+              <a:buSzPct val="75000"/>
+              <a:buFont typeface="Symbol" charset="2"/>
+              <a:buChar char=""/>
+            </a:pPr>
+            <a:r>
+              <a:rPr b="0" lang="pt-BR" sz="2000" spc="-1" strike="noStrike">
+                <a:latin typeface="Arial"/>
+              </a:rPr>
+              <a:t>4.º nível da estrutura de tópicos</a:t>
+            </a:r>
+            <a:endParaRPr b="0" lang="pt-BR" sz="2000" spc="-1" strike="noStrike">
+              <a:latin typeface="Arial"/>
+            </a:endParaRPr>
+          </a:p>
+          <a:p>
+            <a:pPr lvl="4" marL="2160000" indent="-216000">
+              <a:spcBef>
+                <a:spcPts val="283"/>
+              </a:spcBef>
+              <a:buClr>
+                <a:srgbClr val="000000"/>
+              </a:buClr>
+              <a:buSzPct val="45000"/>
+              <a:buFont typeface="Wingdings" charset="2"/>
+              <a:buChar char=""/>
+            </a:pPr>
+            <a:r>
+              <a:rPr b="0" lang="pt-BR" sz="2000" spc="-1" strike="noStrike">
+                <a:latin typeface="Arial"/>
+              </a:rPr>
+              <a:t>5.º nível da estrutura de tópicos</a:t>
+            </a:r>
+            <a:endParaRPr b="0" lang="pt-BR" sz="2000" spc="-1" strike="noStrike">
+              <a:latin typeface="Arial"/>
+            </a:endParaRPr>
+          </a:p>
+          <a:p>
+            <a:pPr lvl="5" marL="2592000" indent="-216000">
+              <a:spcBef>
+                <a:spcPts val="283"/>
+              </a:spcBef>
+              <a:buClr>
+                <a:srgbClr val="000000"/>
+              </a:buClr>
+              <a:buSzPct val="45000"/>
+              <a:buFont typeface="Wingdings" charset="2"/>
+              <a:buChar char=""/>
+            </a:pPr>
+            <a:r>
+              <a:rPr b="0" lang="pt-BR" sz="2000" spc="-1" strike="noStrike">
+                <a:latin typeface="Arial"/>
+              </a:rPr>
+              <a:t>6.º nível da estrutura de tópicos</a:t>
+            </a:r>
+            <a:endParaRPr b="0" lang="pt-BR" sz="2000" spc="-1" strike="noStrike">
+              <a:latin typeface="Arial"/>
+            </a:endParaRPr>
+          </a:p>
+          <a:p>
+            <a:pPr lvl="6" marL="3024000" indent="-216000">
+              <a:spcBef>
+                <a:spcPts val="283"/>
+              </a:spcBef>
+              <a:buClr>
+                <a:srgbClr val="000000"/>
+              </a:buClr>
+              <a:buSzPct val="45000"/>
+              <a:buFont typeface="Wingdings" charset="2"/>
+              <a:buChar char=""/>
+            </a:pPr>
+            <a:r>
+              <a:rPr b="0" lang="pt-BR" sz="2000" spc="-1" strike="noStrike">
+                <a:latin typeface="Arial"/>
+              </a:rPr>
+              <a:t>7.º nível da estrutura de tópicos</a:t>
+            </a:r>
+            <a:endParaRPr b="0" lang="pt-BR" sz="2000" spc="-1" strike="noStrike">
+              <a:latin typeface="Arial"/>
             </a:endParaRPr>
           </a:p>
         </p:txBody>
@@ -5969,14 +5441,14 @@
       </p:grpSpPr>
       <p:sp>
         <p:nvSpPr>
-          <p:cNvPr id="132" name="Retângulo 9"/>
+          <p:cNvPr id="125" name="Retângulo 9"/>
           <p:cNvSpPr/>
           <p:nvPr/>
         </p:nvSpPr>
         <p:spPr>
           <a:xfrm>
             <a:off x="0" y="0"/>
-            <a:ext cx="12191760" cy="6857640"/>
+            <a:ext cx="12191400" cy="6857280"/>
           </a:xfrm>
           <a:prstGeom prst="rect">
             <a:avLst/>
@@ -6010,14 +5482,14 @@
       </p:sp>
       <p:sp>
         <p:nvSpPr>
-          <p:cNvPr id="133" name="Title 1"/>
-          <p:cNvSpPr txBox="1"/>
+          <p:cNvPr id="126" name="Title 1"/>
+          <p:cNvSpPr/>
           <p:nvPr/>
         </p:nvSpPr>
         <p:spPr>
           <a:xfrm>
             <a:off x="1097280" y="1512720"/>
-            <a:ext cx="10058040" cy="3459240"/>
+            <a:ext cx="10057680" cy="3458880"/>
           </a:xfrm>
           <a:prstGeom prst="rect">
             <a:avLst/>
@@ -6027,8 +5499,14 @@
             <a:noFill/>
           </a:ln>
         </p:spPr>
-        <p:txBody>
-          <a:bodyPr anchor="ctr">
+        <p:style>
+          <a:lnRef idx="0"/>
+          <a:fillRef idx="0"/>
+          <a:effectRef idx="0"/>
+          <a:fontRef idx="minor"/>
+        </p:style>
+        <p:txBody>
+          <a:bodyPr lIns="90000" rIns="90000" tIns="45000" bIns="45000" anchor="ctr">
             <a:noAutofit/>
           </a:bodyPr>
           <a:p>
@@ -6046,25 +5524,22 @@
               </a:rPr>
               <a:t>Linguagens de Marcação e Scripts</a:t>
             </a:r>
-            <a:endParaRPr b="0" lang="en-US" sz="8800" spc="-1" strike="noStrike">
-              <a:solidFill>
-                <a:srgbClr val="000000"/>
-              </a:solidFill>
-              <a:latin typeface="Calibri"/>
-            </a:endParaRPr>
-          </a:p>
-        </p:txBody>
-      </p:sp>
-      <p:sp>
-        <p:nvSpPr>
-          <p:cNvPr id="134" name="Subtitle 2"/>
-          <p:cNvSpPr txBox="1"/>
+            <a:endParaRPr b="0" lang="pt-BR" sz="8800" spc="-1" strike="noStrike">
+              <a:latin typeface="Arial"/>
+            </a:endParaRPr>
+          </a:p>
+        </p:txBody>
+      </p:sp>
+      <p:sp>
+        <p:nvSpPr>
+          <p:cNvPr id="127" name="Subtitle 2"/>
+          <p:cNvSpPr/>
           <p:nvPr/>
         </p:nvSpPr>
         <p:spPr>
           <a:xfrm>
             <a:off x="1013400" y="5809320"/>
-            <a:ext cx="10058040" cy="518040"/>
+            <a:ext cx="10057680" cy="517680"/>
           </a:xfrm>
           <a:prstGeom prst="rect">
             <a:avLst/>
@@ -6074,8 +5549,14 @@
             <a:noFill/>
           </a:ln>
         </p:spPr>
-        <p:txBody>
-          <a:bodyPr>
+        <p:style>
+          <a:lnRef idx="0"/>
+          <a:fillRef idx="0"/>
+          <a:effectRef idx="0"/>
+          <a:fontRef idx="minor"/>
+        </p:style>
+        <p:txBody>
+          <a:bodyPr lIns="90000" rIns="90000" tIns="45000" bIns="45000">
             <a:normAutofit/>
           </a:bodyPr>
           <a:p>
@@ -6094,13 +5575,13 @@
               </a:tabLst>
             </a:pPr>
             <a:r>
-              <a:rPr b="1" lang="en-US" sz="3600" spc="199" strike="noStrike">
+              <a:rPr b="1" lang="en-US" sz="3600" spc="197" strike="noStrike">
                 <a:solidFill>
                   <a:srgbClr val="ffffff"/>
                 </a:solidFill>
                 <a:latin typeface="Calibri Light"/>
               </a:rPr>
-              <a:t>Prof. Jefferson de Carvalho </a:t>
+              <a:t>Prof. Jefferson de Carvalho</a:t>
             </a:r>
             <a:endParaRPr b="0" lang="pt-BR" sz="3600" spc="-1" strike="noStrike">
               <a:latin typeface="Arial"/>
@@ -6110,7 +5591,7 @@
       </p:sp>
       <p:sp>
         <p:nvSpPr>
-          <p:cNvPr id="135" name="Straight Connector 8"/>
+          <p:cNvPr id="128" name="Straight Connector 8"/>
           <p:cNvSpPr/>
           <p:nvPr/>
         </p:nvSpPr>
@@ -6124,10 +5605,7 @@
           </a:prstGeom>
           <a:ln w="6350">
             <a:solidFill>
-              <a:srgbClr val="000000">
-                <a:lumMod val="50000"/>
-                <a:lumOff val="50000"/>
-              </a:srgbClr>
+              <a:srgbClr val="808080"/>
             </a:solidFill>
             <a:round/>
           </a:ln>
@@ -6147,7 +5625,7 @@
       </p:sp>
       <p:pic>
         <p:nvPicPr>
-          <p:cNvPr id="136" name="" descr=""/>
+          <p:cNvPr id="129" name="" descr=""/>
           <p:cNvPicPr/>
           <p:nvPr/>
         </p:nvPicPr>
@@ -6158,7 +5636,7 @@
         <p:spPr>
           <a:xfrm>
             <a:off x="360" y="0"/>
-            <a:ext cx="3213000" cy="863640"/>
+            <a:ext cx="3212640" cy="863280"/>
           </a:xfrm>
           <a:prstGeom prst="rect">
             <a:avLst/>
@@ -6200,61 +5678,14 @@
       </p:grpSpPr>
       <p:sp>
         <p:nvSpPr>
-          <p:cNvPr id="160" name="Título 7"/>
-          <p:cNvSpPr txBox="1"/>
-          <p:nvPr/>
-        </p:nvSpPr>
-        <p:spPr>
-          <a:xfrm>
-            <a:off x="717120" y="5074920"/>
-            <a:ext cx="10112760" cy="822600"/>
-          </a:xfrm>
-          <a:prstGeom prst="rect">
-            <a:avLst/>
-          </a:prstGeom>
-          <a:noFill/>
-          <a:ln w="0">
-            <a:noFill/>
-          </a:ln>
-        </p:spPr>
-        <p:txBody>
-          <a:bodyPr tIns="0" bIns="0" anchor="b">
-            <a:noAutofit/>
-          </a:bodyPr>
-          <a:p>
-            <a:pPr>
-              <a:lnSpc>
-                <a:spcPct val="85000"/>
-              </a:lnSpc>
-            </a:pPr>
-            <a:r>
-              <a:rPr b="0" lang="en-US" sz="3600" spc="-52" strike="noStrike">
-                <a:solidFill>
-                  <a:srgbClr val="ffffff"/>
-                </a:solidFill>
-                <a:latin typeface="Calibri Light"/>
-              </a:rPr>
-              <a:t>Prof. Jefferson de Carvalho</a:t>
-            </a:r>
-            <a:endParaRPr b="0" lang="en-US" sz="3600" spc="-1" strike="noStrike">
-              <a:solidFill>
-                <a:srgbClr val="000000"/>
-              </a:solidFill>
-              <a:latin typeface="Calibri"/>
-            </a:endParaRPr>
-          </a:p>
-        </p:txBody>
-      </p:sp>
-      <p:sp>
-        <p:nvSpPr>
-          <p:cNvPr id="161" name="Google Shape;142;p26"/>
+          <p:cNvPr id="153" name="Título 7"/>
           <p:cNvSpPr/>
           <p:nvPr/>
         </p:nvSpPr>
         <p:spPr>
           <a:xfrm>
-            <a:off x="653760" y="701640"/>
-            <a:ext cx="7471800" cy="5454000"/>
+            <a:off x="717120" y="5326920"/>
+            <a:ext cx="10112400" cy="822240"/>
           </a:xfrm>
           <a:prstGeom prst="rect">
             <a:avLst/>
@@ -6271,7 +5702,76 @@
           <a:fontRef idx="minor"/>
         </p:style>
         <p:txBody>
-          <a:bodyPr tIns="91440" bIns="91440" anchor="ctr">
+          <a:bodyPr lIns="90000" rIns="90000" tIns="0" bIns="0" anchor="b">
+            <a:noAutofit/>
+          </a:bodyPr>
+          <a:p>
+            <a:pPr>
+              <a:lnSpc>
+                <a:spcPct val="85000"/>
+              </a:lnSpc>
+            </a:pPr>
+            <a:r>
+              <a:rPr b="0" lang="en-US" sz="3600" spc="-52" strike="noStrike">
+                <a:solidFill>
+                  <a:srgbClr val="ffffff"/>
+                </a:solidFill>
+                <a:latin typeface="Calibri Light"/>
+              </a:rPr>
+              <a:t>Prof. Jefferson de Carvalho</a:t>
+            </a:r>
+            <a:endParaRPr b="0" lang="pt-BR" sz="3600" spc="-1" strike="noStrike">
+              <a:latin typeface="Arial"/>
+            </a:endParaRPr>
+          </a:p>
+          <a:p>
+            <a:pPr>
+              <a:lnSpc>
+                <a:spcPct val="85000"/>
+              </a:lnSpc>
+            </a:pPr>
+            <a:r>
+              <a:rPr b="0" lang="en-US" sz="3600" spc="-52" strike="noStrike">
+                <a:solidFill>
+                  <a:srgbClr val="ffffff"/>
+                </a:solidFill>
+                <a:latin typeface="Calibri Light"/>
+              </a:rPr>
+              <a:t>Prof. Victor Farias (slides cedidos)</a:t>
+            </a:r>
+            <a:endParaRPr b="0" lang="pt-BR" sz="3600" spc="-1" strike="noStrike">
+              <a:latin typeface="Arial"/>
+            </a:endParaRPr>
+          </a:p>
+        </p:txBody>
+      </p:sp>
+      <p:sp>
+        <p:nvSpPr>
+          <p:cNvPr id="154" name="Google Shape;142;p26"/>
+          <p:cNvSpPr/>
+          <p:nvPr/>
+        </p:nvSpPr>
+        <p:spPr>
+          <a:xfrm>
+            <a:off x="653760" y="701640"/>
+            <a:ext cx="7471440" cy="5453640"/>
+          </a:xfrm>
+          <a:prstGeom prst="rect">
+            <a:avLst/>
+          </a:prstGeom>
+          <a:noFill/>
+          <a:ln w="0">
+            <a:noFill/>
+          </a:ln>
+        </p:spPr>
+        <p:style>
+          <a:lnRef idx="0"/>
+          <a:fillRef idx="0"/>
+          <a:effectRef idx="0"/>
+          <a:fontRef idx="minor"/>
+        </p:style>
+        <p:txBody>
+          <a:bodyPr lIns="90000" rIns="90000" tIns="91440" bIns="91440" anchor="ctr">
             <a:noAutofit/>
           </a:bodyPr>
           <a:p>
@@ -6286,6 +5786,7 @@
                   <a:srgbClr val="000000"/>
                 </a:solidFill>
                 <a:latin typeface="Calibri Light"/>
+                <a:ea typeface="DejaVu Sans"/>
               </a:rPr>
               <a:t>Perguntas?</a:t>
             </a:r>
@@ -6327,14 +5828,14 @@
       </p:grpSpPr>
       <p:sp>
         <p:nvSpPr>
-          <p:cNvPr id="137" name="Título 1"/>
-          <p:cNvSpPr txBox="1"/>
+          <p:cNvPr id="130" name="Título 1"/>
+          <p:cNvSpPr/>
           <p:nvPr/>
         </p:nvSpPr>
         <p:spPr>
           <a:xfrm>
             <a:off x="666720" y="226800"/>
-            <a:ext cx="10946880" cy="789840"/>
+            <a:ext cx="10946520" cy="789480"/>
           </a:xfrm>
           <a:prstGeom prst="rect">
             <a:avLst/>
@@ -6344,8 +5845,14 @@
             <a:noFill/>
           </a:ln>
         </p:spPr>
-        <p:txBody>
-          <a:bodyPr anchor="b">
+        <p:style>
+          <a:lnRef idx="0"/>
+          <a:fillRef idx="0"/>
+          <a:effectRef idx="0"/>
+          <a:fontRef idx="minor"/>
+        </p:style>
+        <p:txBody>
+          <a:bodyPr lIns="90000" rIns="90000" tIns="45000" bIns="45000" anchor="b">
             <a:noAutofit/>
           </a:bodyPr>
           <a:p>
@@ -6363,25 +5870,22 @@
               </a:rPr>
               <a:t>Objetivos</a:t>
             </a:r>
-            <a:endParaRPr b="0" lang="en-US" sz="4800" spc="-1" strike="noStrike">
-              <a:solidFill>
-                <a:srgbClr val="000000"/>
-              </a:solidFill>
-              <a:latin typeface="Calibri"/>
-            </a:endParaRPr>
-          </a:p>
-        </p:txBody>
-      </p:sp>
-      <p:sp>
-        <p:nvSpPr>
-          <p:cNvPr id="138" name="Espaço Reservado para Conteúdo 2"/>
-          <p:cNvSpPr txBox="1"/>
+            <a:endParaRPr b="0" lang="pt-BR" sz="4800" spc="-1" strike="noStrike">
+              <a:latin typeface="Arial"/>
+            </a:endParaRPr>
+          </a:p>
+        </p:txBody>
+      </p:sp>
+      <p:sp>
+        <p:nvSpPr>
+          <p:cNvPr id="131" name="Espaço Reservado para Conteúdo 2"/>
+          <p:cNvSpPr/>
           <p:nvPr/>
         </p:nvSpPr>
         <p:spPr>
           <a:xfrm>
             <a:off x="666720" y="1262520"/>
-            <a:ext cx="10946880" cy="5283360"/>
+            <a:ext cx="10946520" cy="5283000"/>
           </a:xfrm>
           <a:prstGeom prst="rect">
             <a:avLst/>
@@ -6391,12 +5895,18 @@
             <a:noFill/>
           </a:ln>
         </p:spPr>
-        <p:txBody>
-          <a:bodyPr lIns="0" rIns="0">
+        <p:style>
+          <a:lnRef idx="0"/>
+          <a:fillRef idx="0"/>
+          <a:effectRef idx="0"/>
+          <a:fontRef idx="minor"/>
+        </p:style>
+        <p:txBody>
+          <a:bodyPr lIns="0" rIns="0" tIns="45000" bIns="45000">
             <a:noAutofit/>
           </a:bodyPr>
           <a:p>
-            <a:pPr marL="91440" indent="-284040">
+            <a:pPr marL="91440" indent="-283680">
               <a:lnSpc>
                 <a:spcPct val="100000"/>
               </a:lnSpc>
@@ -6421,15 +5931,12 @@
               </a:rPr>
               <a:t>Objetivos Gerais</a:t>
             </a:r>
-            <a:endParaRPr b="0" lang="en-US" sz="2800" spc="-1" strike="noStrike">
-              <a:solidFill>
-                <a:srgbClr val="000000"/>
-              </a:solidFill>
-              <a:latin typeface="Calibri"/>
-            </a:endParaRPr>
-          </a:p>
-          <a:p>
-            <a:pPr lvl="1" marL="487080" indent="-285480">
+            <a:endParaRPr b="0" lang="pt-BR" sz="2800" spc="-1" strike="noStrike">
+              <a:latin typeface="Arial"/>
+            </a:endParaRPr>
+          </a:p>
+          <a:p>
+            <a:pPr lvl="1" marL="487080" indent="-285120">
               <a:lnSpc>
                 <a:spcPct val="100000"/>
               </a:lnSpc>
@@ -6454,15 +5961,12 @@
               </a:rPr>
               <a:t>Entender como usar scripts e linguagens de marcação para construir interfaces dinâmicas</a:t>
             </a:r>
-            <a:endParaRPr b="0" lang="en-US" sz="2400" spc="-1" strike="noStrike">
-              <a:solidFill>
-                <a:srgbClr val="000000"/>
-              </a:solidFill>
-              <a:latin typeface="Calibri"/>
-            </a:endParaRPr>
-          </a:p>
-          <a:p>
-            <a:pPr marL="91440" indent="-284040">
+            <a:endParaRPr b="0" lang="pt-BR" sz="2400" spc="-1" strike="noStrike">
+              <a:latin typeface="Arial"/>
+            </a:endParaRPr>
+          </a:p>
+          <a:p>
+            <a:pPr marL="91440" indent="-283680">
               <a:lnSpc>
                 <a:spcPct val="100000"/>
               </a:lnSpc>
@@ -6487,15 +5991,12 @@
               </a:rPr>
               <a:t>Objetivos específicos:</a:t>
             </a:r>
-            <a:endParaRPr b="0" lang="en-US" sz="2800" spc="-1" strike="noStrike">
-              <a:solidFill>
-                <a:srgbClr val="000000"/>
-              </a:solidFill>
-              <a:latin typeface="Calibri"/>
-            </a:endParaRPr>
-          </a:p>
-          <a:p>
-            <a:pPr lvl="1" marL="487080" indent="-285480">
+            <a:endParaRPr b="0" lang="pt-BR" sz="2800" spc="-1" strike="noStrike">
+              <a:latin typeface="Arial"/>
+            </a:endParaRPr>
+          </a:p>
+          <a:p>
+            <a:pPr lvl="1" marL="487080" indent="-285120">
               <a:lnSpc>
                 <a:spcPct val="100000"/>
               </a:lnSpc>
@@ -6520,15 +6021,12 @@
               </a:rPr>
               <a:t>Conhecer e aplicar conceitos de HTML e CSS</a:t>
             </a:r>
-            <a:endParaRPr b="0" lang="en-US" sz="2400" spc="-1" strike="noStrike">
-              <a:solidFill>
-                <a:srgbClr val="000000"/>
-              </a:solidFill>
-              <a:latin typeface="Calibri"/>
-            </a:endParaRPr>
-          </a:p>
-          <a:p>
-            <a:pPr lvl="1" marL="487080" indent="-285480">
+            <a:endParaRPr b="0" lang="pt-BR" sz="2400" spc="-1" strike="noStrike">
+              <a:latin typeface="Arial"/>
+            </a:endParaRPr>
+          </a:p>
+          <a:p>
+            <a:pPr lvl="1" marL="487080" indent="-285120">
               <a:lnSpc>
                 <a:spcPct val="100000"/>
               </a:lnSpc>
@@ -6553,15 +6051,12 @@
               </a:rPr>
               <a:t>Conhecer e aplicar conceitos de HTML5</a:t>
             </a:r>
-            <a:endParaRPr b="0" lang="en-US" sz="2400" spc="-1" strike="noStrike">
-              <a:solidFill>
-                <a:srgbClr val="000000"/>
-              </a:solidFill>
-              <a:latin typeface="Calibri"/>
-            </a:endParaRPr>
-          </a:p>
-          <a:p>
-            <a:pPr lvl="1" marL="487080" indent="-285480">
+            <a:endParaRPr b="0" lang="pt-BR" sz="2400" spc="-1" strike="noStrike">
+              <a:latin typeface="Arial"/>
+            </a:endParaRPr>
+          </a:p>
+          <a:p>
+            <a:pPr lvl="1" marL="487080" indent="-285120">
               <a:lnSpc>
                 <a:spcPct val="100000"/>
               </a:lnSpc>
@@ -6586,15 +6081,12 @@
               </a:rPr>
               <a:t>Conhecer e aplicar conceitos de Javascript</a:t>
             </a:r>
-            <a:endParaRPr b="0" lang="en-US" sz="2400" spc="-1" strike="noStrike">
-              <a:solidFill>
-                <a:srgbClr val="000000"/>
-              </a:solidFill>
-              <a:latin typeface="Calibri"/>
-            </a:endParaRPr>
-          </a:p>
-          <a:p>
-            <a:pPr lvl="1" marL="487080" indent="-285480">
+            <a:endParaRPr b="0" lang="pt-BR" sz="2400" spc="-1" strike="noStrike">
+              <a:latin typeface="Arial"/>
+            </a:endParaRPr>
+          </a:p>
+          <a:p>
+            <a:pPr lvl="1" marL="487080" indent="-285120">
               <a:lnSpc>
                 <a:spcPct val="100000"/>
               </a:lnSpc>
@@ -6619,11 +6111,8 @@
               </a:rPr>
               <a:t>Conhecer e aplicar conceitos de JSON</a:t>
             </a:r>
-            <a:endParaRPr b="0" lang="en-US" sz="2400" spc="-1" strike="noStrike">
-              <a:solidFill>
-                <a:srgbClr val="000000"/>
-              </a:solidFill>
-              <a:latin typeface="Calibri"/>
+            <a:endParaRPr b="0" lang="pt-BR" sz="2400" spc="-1" strike="noStrike">
+              <a:latin typeface="Arial"/>
             </a:endParaRPr>
           </a:p>
           <a:p>
@@ -6641,11 +6130,8 @@
                 <a:tab algn="l" pos="0"/>
               </a:tabLst>
             </a:pPr>
-            <a:endParaRPr b="0" lang="en-US" sz="2400" spc="-1" strike="noStrike">
-              <a:solidFill>
-                <a:srgbClr val="000000"/>
-              </a:solidFill>
-              <a:latin typeface="Calibri"/>
+            <a:endParaRPr b="0" lang="pt-BR" sz="2400" spc="-1" strike="noStrike">
+              <a:latin typeface="Arial"/>
             </a:endParaRPr>
           </a:p>
         </p:txBody>
@@ -6682,14 +6168,14 @@
       </p:grpSpPr>
       <p:sp>
         <p:nvSpPr>
-          <p:cNvPr id="139" name="Título 1"/>
-          <p:cNvSpPr txBox="1"/>
+          <p:cNvPr id="132" name="Título 1"/>
+          <p:cNvSpPr/>
           <p:nvPr/>
         </p:nvSpPr>
         <p:spPr>
           <a:xfrm>
             <a:off x="666720" y="226800"/>
-            <a:ext cx="10946880" cy="789840"/>
+            <a:ext cx="10946520" cy="789480"/>
           </a:xfrm>
           <a:prstGeom prst="rect">
             <a:avLst/>
@@ -6699,8 +6185,14 @@
             <a:noFill/>
           </a:ln>
         </p:spPr>
-        <p:txBody>
-          <a:bodyPr anchor="b">
+        <p:style>
+          <a:lnRef idx="0"/>
+          <a:fillRef idx="0"/>
+          <a:effectRef idx="0"/>
+          <a:fontRef idx="minor"/>
+        </p:style>
+        <p:txBody>
+          <a:bodyPr lIns="90000" rIns="90000" tIns="45000" bIns="45000" anchor="b">
             <a:noAutofit/>
           </a:bodyPr>
           <a:p>
@@ -6718,25 +6210,22 @@
               </a:rPr>
               <a:t>Conteúdo Programático</a:t>
             </a:r>
-            <a:endParaRPr b="0" lang="en-US" sz="4800" spc="-1" strike="noStrike">
-              <a:solidFill>
-                <a:srgbClr val="000000"/>
-              </a:solidFill>
-              <a:latin typeface="Calibri"/>
-            </a:endParaRPr>
-          </a:p>
-        </p:txBody>
-      </p:sp>
-      <p:sp>
-        <p:nvSpPr>
-          <p:cNvPr id="140" name="Espaço Reservado para Conteúdo 2"/>
-          <p:cNvSpPr txBox="1"/>
+            <a:endParaRPr b="0" lang="pt-BR" sz="4800" spc="-1" strike="noStrike">
+              <a:latin typeface="Arial"/>
+            </a:endParaRPr>
+          </a:p>
+        </p:txBody>
+      </p:sp>
+      <p:sp>
+        <p:nvSpPr>
+          <p:cNvPr id="133" name="Espaço Reservado para Conteúdo 2"/>
+          <p:cNvSpPr/>
           <p:nvPr/>
         </p:nvSpPr>
         <p:spPr>
           <a:xfrm>
             <a:off x="666720" y="1262520"/>
-            <a:ext cx="10946880" cy="5283360"/>
+            <a:ext cx="10946520" cy="5283000"/>
           </a:xfrm>
           <a:prstGeom prst="rect">
             <a:avLst/>
@@ -6746,12 +6235,18 @@
             <a:noFill/>
           </a:ln>
         </p:spPr>
-        <p:txBody>
-          <a:bodyPr lIns="0" rIns="0">
+        <p:style>
+          <a:lnRef idx="0"/>
+          <a:fillRef idx="0"/>
+          <a:effectRef idx="0"/>
+          <a:fontRef idx="minor"/>
+        </p:style>
+        <p:txBody>
+          <a:bodyPr lIns="0" rIns="0" tIns="45000" bIns="45000">
             <a:normAutofit/>
           </a:bodyPr>
           <a:p>
-            <a:pPr marL="91440" indent="-284040">
+            <a:pPr marL="91440" indent="-283680">
               <a:lnSpc>
                 <a:spcPct val="100000"/>
               </a:lnSpc>
@@ -6776,15 +6271,12 @@
               </a:rPr>
               <a:t>HTML</a:t>
             </a:r>
-            <a:endParaRPr b="0" lang="en-US" sz="2800" spc="-1" strike="noStrike">
-              <a:solidFill>
-                <a:srgbClr val="000000"/>
-              </a:solidFill>
-              <a:latin typeface="Calibri"/>
-            </a:endParaRPr>
-          </a:p>
-          <a:p>
-            <a:pPr lvl="1" marL="487080" indent="-285480">
+            <a:endParaRPr b="0" lang="pt-BR" sz="2800" spc="-1" strike="noStrike">
+              <a:latin typeface="Arial"/>
+            </a:endParaRPr>
+          </a:p>
+          <a:p>
+            <a:pPr lvl="1" marL="487080" indent="-285120">
               <a:lnSpc>
                 <a:spcPct val="100000"/>
               </a:lnSpc>
@@ -6809,15 +6301,12 @@
               </a:rPr>
               <a:t>Tags, atributos, elementos semânticos...</a:t>
             </a:r>
-            <a:endParaRPr b="0" lang="en-US" sz="2400" spc="-1" strike="noStrike">
-              <a:solidFill>
-                <a:srgbClr val="000000"/>
-              </a:solidFill>
-              <a:latin typeface="Calibri"/>
-            </a:endParaRPr>
-          </a:p>
-          <a:p>
-            <a:pPr marL="91440" indent="-284040">
+            <a:endParaRPr b="0" lang="pt-BR" sz="2400" spc="-1" strike="noStrike">
+              <a:latin typeface="Arial"/>
+            </a:endParaRPr>
+          </a:p>
+          <a:p>
+            <a:pPr marL="91440" indent="-283680">
               <a:lnSpc>
                 <a:spcPct val="100000"/>
               </a:lnSpc>
@@ -6842,15 +6331,12 @@
               </a:rPr>
               <a:t>CSS</a:t>
             </a:r>
-            <a:endParaRPr b="0" lang="en-US" sz="2800" spc="-1" strike="noStrike">
-              <a:solidFill>
-                <a:srgbClr val="000000"/>
-              </a:solidFill>
-              <a:latin typeface="Calibri"/>
-            </a:endParaRPr>
-          </a:p>
-          <a:p>
-            <a:pPr lvl="1" marL="487080" indent="-285480">
+            <a:endParaRPr b="0" lang="pt-BR" sz="2800" spc="-1" strike="noStrike">
+              <a:latin typeface="Arial"/>
+            </a:endParaRPr>
+          </a:p>
+          <a:p>
+            <a:pPr lvl="1" marL="487080" indent="-285120">
               <a:lnSpc>
                 <a:spcPct val="100000"/>
               </a:lnSpc>
@@ -6875,15 +6361,12 @@
               </a:rPr>
               <a:t>Seletores, cores, fundos, bordas...</a:t>
             </a:r>
-            <a:endParaRPr b="0" lang="en-US" sz="2400" spc="-1" strike="noStrike">
-              <a:solidFill>
-                <a:srgbClr val="000000"/>
-              </a:solidFill>
-              <a:latin typeface="Calibri"/>
-            </a:endParaRPr>
-          </a:p>
-          <a:p>
-            <a:pPr lvl="1" marL="487080" indent="-285480">
+            <a:endParaRPr b="0" lang="pt-BR" sz="2400" spc="-1" strike="noStrike">
+              <a:latin typeface="Arial"/>
+            </a:endParaRPr>
+          </a:p>
+          <a:p>
+            <a:pPr lvl="1" marL="487080" indent="-285120">
               <a:lnSpc>
                 <a:spcPct val="100000"/>
               </a:lnSpc>
@@ -6908,15 +6391,12 @@
               </a:rPr>
               <a:t>Layouts</a:t>
             </a:r>
-            <a:endParaRPr b="0" lang="en-US" sz="2400" spc="-1" strike="noStrike">
-              <a:solidFill>
-                <a:srgbClr val="000000"/>
-              </a:solidFill>
-              <a:latin typeface="Calibri"/>
-            </a:endParaRPr>
-          </a:p>
-          <a:p>
-            <a:pPr lvl="1" marL="487080" indent="-285480">
+            <a:endParaRPr b="0" lang="pt-BR" sz="2400" spc="-1" strike="noStrike">
+              <a:latin typeface="Arial"/>
+            </a:endParaRPr>
+          </a:p>
+          <a:p>
+            <a:pPr lvl="1" marL="487080" indent="-285120">
               <a:lnSpc>
                 <a:spcPct val="100000"/>
               </a:lnSpc>
@@ -6941,15 +6421,12 @@
               </a:rPr>
               <a:t>Componentes</a:t>
             </a:r>
-            <a:endParaRPr b="0" lang="en-US" sz="2400" spc="-1" strike="noStrike">
-              <a:solidFill>
-                <a:srgbClr val="000000"/>
-              </a:solidFill>
-              <a:latin typeface="Calibri"/>
-            </a:endParaRPr>
-          </a:p>
-          <a:p>
-            <a:pPr marL="91440" indent="-284040">
+            <a:endParaRPr b="0" lang="pt-BR" sz="2400" spc="-1" strike="noStrike">
+              <a:latin typeface="Arial"/>
+            </a:endParaRPr>
+          </a:p>
+          <a:p>
+            <a:pPr marL="91440" indent="-283680">
               <a:lnSpc>
                 <a:spcPct val="100000"/>
               </a:lnSpc>
@@ -6974,15 +6451,12 @@
               </a:rPr>
               <a:t>JavaScript</a:t>
             </a:r>
-            <a:endParaRPr b="0" lang="en-US" sz="2800" spc="-1" strike="noStrike">
-              <a:solidFill>
-                <a:srgbClr val="000000"/>
-              </a:solidFill>
-              <a:latin typeface="Calibri"/>
-            </a:endParaRPr>
-          </a:p>
-          <a:p>
-            <a:pPr lvl="1" marL="487080" indent="-285480">
+            <a:endParaRPr b="0" lang="pt-BR" sz="2800" spc="-1" strike="noStrike">
+              <a:latin typeface="Arial"/>
+            </a:endParaRPr>
+          </a:p>
+          <a:p>
+            <a:pPr lvl="1" marL="487080" indent="-285120">
               <a:lnSpc>
                 <a:spcPct val="100000"/>
               </a:lnSpc>
@@ -7007,15 +6481,12 @@
               </a:rPr>
               <a:t>HTML DOM</a:t>
             </a:r>
-            <a:endParaRPr b="0" lang="en-US" sz="2400" spc="-1" strike="noStrike">
-              <a:solidFill>
-                <a:srgbClr val="000000"/>
-              </a:solidFill>
-              <a:latin typeface="Calibri"/>
-            </a:endParaRPr>
-          </a:p>
-          <a:p>
-            <a:pPr lvl="1" marL="487080" indent="-285480">
+            <a:endParaRPr b="0" lang="pt-BR" sz="2400" spc="-1" strike="noStrike">
+              <a:latin typeface="Arial"/>
+            </a:endParaRPr>
+          </a:p>
+          <a:p>
+            <a:pPr lvl="1" marL="487080" indent="-285120">
               <a:lnSpc>
                 <a:spcPct val="100000"/>
               </a:lnSpc>
@@ -7040,15 +6511,12 @@
               </a:rPr>
               <a:t>JSON</a:t>
             </a:r>
-            <a:endParaRPr b="0" lang="en-US" sz="2400" spc="-1" strike="noStrike">
-              <a:solidFill>
-                <a:srgbClr val="000000"/>
-              </a:solidFill>
-              <a:latin typeface="Calibri"/>
-            </a:endParaRPr>
-          </a:p>
-          <a:p>
-            <a:pPr lvl="1" marL="487080" indent="-285480">
+            <a:endParaRPr b="0" lang="pt-BR" sz="2400" spc="-1" strike="noStrike">
+              <a:latin typeface="Arial"/>
+            </a:endParaRPr>
+          </a:p>
+          <a:p>
+            <a:pPr lvl="1" marL="487080" indent="-285120">
               <a:lnSpc>
                 <a:spcPct val="100000"/>
               </a:lnSpc>
@@ -7073,15 +6541,12 @@
               </a:rPr>
               <a:t>AJAX</a:t>
             </a:r>
-            <a:endParaRPr b="0" lang="en-US" sz="2400" spc="-1" strike="noStrike">
-              <a:solidFill>
-                <a:srgbClr val="000000"/>
-              </a:solidFill>
-              <a:latin typeface="Calibri"/>
-            </a:endParaRPr>
-          </a:p>
-          <a:p>
-            <a:pPr marL="91440" indent="-284040">
+            <a:endParaRPr b="0" lang="pt-BR" sz="2400" spc="-1" strike="noStrike">
+              <a:latin typeface="Arial"/>
+            </a:endParaRPr>
+          </a:p>
+          <a:p>
+            <a:pPr marL="91440" indent="-283680">
               <a:lnSpc>
                 <a:spcPct val="100000"/>
               </a:lnSpc>
@@ -7106,18 +6571,15 @@
               </a:rPr>
               <a:t>BootStrap</a:t>
             </a:r>
-            <a:endParaRPr b="0" lang="en-US" sz="2800" spc="-1" strike="noStrike">
-              <a:solidFill>
-                <a:srgbClr val="000000"/>
-              </a:solidFill>
-              <a:latin typeface="Calibri"/>
+            <a:endParaRPr b="0" lang="pt-BR" sz="2800" spc="-1" strike="noStrike">
+              <a:latin typeface="Arial"/>
             </a:endParaRPr>
           </a:p>
         </p:txBody>
       </p:sp>
       <p:pic>
         <p:nvPicPr>
-          <p:cNvPr id="141" name="Imagem 3" descr=""/>
+          <p:cNvPr id="134" name="Imagem 3" descr=""/>
           <p:cNvPicPr/>
           <p:nvPr/>
         </p:nvPicPr>
@@ -7128,7 +6590,7 @@
         <p:spPr>
           <a:xfrm>
             <a:off x="7620120" y="0"/>
-            <a:ext cx="4571640" cy="6857640"/>
+            <a:ext cx="4571280" cy="6857280"/>
           </a:xfrm>
           <a:prstGeom prst="rect">
             <a:avLst/>
@@ -7170,14 +6632,14 @@
       </p:grpSpPr>
       <p:sp>
         <p:nvSpPr>
-          <p:cNvPr id="142" name="Título 1"/>
-          <p:cNvSpPr txBox="1"/>
+          <p:cNvPr id="135" name="Título 1"/>
+          <p:cNvSpPr/>
           <p:nvPr/>
         </p:nvSpPr>
         <p:spPr>
           <a:xfrm>
             <a:off x="666720" y="226800"/>
-            <a:ext cx="10946880" cy="789840"/>
+            <a:ext cx="10946520" cy="789480"/>
           </a:xfrm>
           <a:prstGeom prst="rect">
             <a:avLst/>
@@ -7187,8 +6649,14 @@
             <a:noFill/>
           </a:ln>
         </p:spPr>
-        <p:txBody>
-          <a:bodyPr anchor="b">
+        <p:style>
+          <a:lnRef idx="0"/>
+          <a:fillRef idx="0"/>
+          <a:effectRef idx="0"/>
+          <a:fontRef idx="minor"/>
+        </p:style>
+        <p:txBody>
+          <a:bodyPr lIns="90000" rIns="90000" tIns="45000" bIns="45000" anchor="b">
             <a:noAutofit/>
           </a:bodyPr>
           <a:p>
@@ -7206,25 +6674,22 @@
               </a:rPr>
               <a:t>Ferramentas</a:t>
             </a:r>
-            <a:endParaRPr b="0" lang="en-US" sz="4800" spc="-1" strike="noStrike">
-              <a:solidFill>
-                <a:srgbClr val="000000"/>
-              </a:solidFill>
-              <a:latin typeface="Calibri"/>
-            </a:endParaRPr>
-          </a:p>
-        </p:txBody>
-      </p:sp>
-      <p:sp>
-        <p:nvSpPr>
-          <p:cNvPr id="143" name="Espaço Reservado para Conteúdo 2"/>
-          <p:cNvSpPr txBox="1"/>
+            <a:endParaRPr b="0" lang="pt-BR" sz="4800" spc="-1" strike="noStrike">
+              <a:latin typeface="Arial"/>
+            </a:endParaRPr>
+          </a:p>
+        </p:txBody>
+      </p:sp>
+      <p:sp>
+        <p:nvSpPr>
+          <p:cNvPr id="136" name="Espaço Reservado para Conteúdo 2"/>
+          <p:cNvSpPr/>
           <p:nvPr/>
         </p:nvSpPr>
         <p:spPr>
           <a:xfrm>
             <a:off x="460440" y="1148040"/>
-            <a:ext cx="11502720" cy="5709600"/>
+            <a:ext cx="11502360" cy="5709240"/>
           </a:xfrm>
           <a:prstGeom prst="rect">
             <a:avLst/>
@@ -7234,12 +6699,18 @@
             <a:noFill/>
           </a:ln>
         </p:spPr>
-        <p:txBody>
-          <a:bodyPr lIns="0" rIns="0">
+        <p:style>
+          <a:lnRef idx="0"/>
+          <a:fillRef idx="0"/>
+          <a:effectRef idx="0"/>
+          <a:fontRef idx="minor"/>
+        </p:style>
+        <p:txBody>
+          <a:bodyPr lIns="0" rIns="0" tIns="45000" bIns="45000">
             <a:normAutofit/>
           </a:bodyPr>
           <a:p>
-            <a:pPr marL="91440" indent="-284040">
+            <a:pPr marL="91440" indent="-283680">
               <a:lnSpc>
                 <a:spcPct val="100000"/>
               </a:lnSpc>
@@ -7280,13 +6751,10 @@
                 </a:solidFill>
                 <a:latin typeface="Calibri"/>
               </a:rPr>
-              <a:t>: Vscode</a:t>
-            </a:r>
-            <a:endParaRPr b="0" lang="en-US" sz="2800" spc="-1" strike="noStrike">
-              <a:solidFill>
-                <a:srgbClr val="000000"/>
-              </a:solidFill>
-              <a:latin typeface="Calibri"/>
+              <a:t>: VSCode</a:t>
+            </a:r>
+            <a:endParaRPr b="0" lang="pt-BR" sz="2800" spc="-1" strike="noStrike">
+              <a:latin typeface="Arial"/>
             </a:endParaRPr>
           </a:p>
           <a:p>
@@ -7301,15 +6769,12 @@
                 <a:spcPts val="201"/>
               </a:spcAft>
             </a:pPr>
-            <a:endParaRPr b="0" lang="en-US" sz="2800" spc="-1" strike="noStrike">
-              <a:solidFill>
-                <a:srgbClr val="000000"/>
-              </a:solidFill>
-              <a:latin typeface="Calibri"/>
-            </a:endParaRPr>
-          </a:p>
-          <a:p>
-            <a:pPr marL="91440" indent="-284040">
+            <a:endParaRPr b="0" lang="pt-BR" sz="2800" spc="-1" strike="noStrike">
+              <a:latin typeface="Arial"/>
+            </a:endParaRPr>
+          </a:p>
+          <a:p>
+            <a:pPr>
               <a:lnSpc>
                 <a:spcPct val="100000"/>
               </a:lnSpc>
@@ -7319,17 +6784,9 @@
               <a:spcAft>
                 <a:spcPts val="201"/>
               </a:spcAft>
-              <a:buClr>
-                <a:srgbClr val="e48312"/>
-              </a:buClr>
-              <a:buFont typeface="Arial"/>
-              <a:buChar char="•"/>
-            </a:pPr>
-            <a:endParaRPr b="0" lang="en-US" sz="2800" spc="-1" strike="noStrike">
-              <a:solidFill>
-                <a:srgbClr val="000000"/>
-              </a:solidFill>
-              <a:latin typeface="Calibri"/>
+            </a:pPr>
+            <a:endParaRPr b="0" lang="pt-BR" sz="2800" spc="-1" strike="noStrike">
+              <a:latin typeface="Arial"/>
             </a:endParaRPr>
           </a:p>
           <a:p>
@@ -7347,15 +6804,12 @@
                 <a:tab algn="l" pos="0"/>
               </a:tabLst>
             </a:pPr>
-            <a:endParaRPr b="0" lang="en-US" sz="2800" spc="-1" strike="noStrike">
-              <a:solidFill>
-                <a:srgbClr val="000000"/>
-              </a:solidFill>
-              <a:latin typeface="Calibri"/>
-            </a:endParaRPr>
-          </a:p>
-          <a:p>
-            <a:pPr marL="91440" indent="-284040">
+            <a:endParaRPr b="0" lang="pt-BR" sz="2800" spc="-1" strike="noStrike">
+              <a:latin typeface="Arial"/>
+            </a:endParaRPr>
+          </a:p>
+          <a:p>
+            <a:pPr marL="91440" indent="-283680">
               <a:lnSpc>
                 <a:spcPct val="100000"/>
               </a:lnSpc>
@@ -7401,11 +6855,8 @@
               </a:rPr>
               <a:t>: SIGAA</a:t>
             </a:r>
-            <a:endParaRPr b="0" lang="en-US" sz="2800" spc="-1" strike="noStrike">
-              <a:solidFill>
-                <a:srgbClr val="000000"/>
-              </a:solidFill>
-              <a:latin typeface="Calibri"/>
+            <a:endParaRPr b="0" lang="pt-BR" sz="2800" spc="-1" strike="noStrike">
+              <a:latin typeface="Arial"/>
             </a:endParaRPr>
           </a:p>
           <a:p>
@@ -7432,15 +6883,12 @@
               </a:rPr>
               <a:t>           </a:t>
             </a:r>
-            <a:endParaRPr b="0" lang="en-US" sz="2800" spc="-1" strike="noStrike">
-              <a:solidFill>
-                <a:srgbClr val="000000"/>
-              </a:solidFill>
-              <a:latin typeface="Calibri"/>
-            </a:endParaRPr>
-          </a:p>
-          <a:p>
-            <a:pPr marL="91440" indent="-284040">
+            <a:endParaRPr b="0" lang="pt-BR" sz="2800" spc="-1" strike="noStrike">
+              <a:latin typeface="Arial"/>
+            </a:endParaRPr>
+          </a:p>
+          <a:p>
+            <a:pPr marL="91440" indent="-283680">
               <a:lnSpc>
                 <a:spcPct val="100000"/>
               </a:lnSpc>
@@ -7486,11 +6934,8 @@
               </a:rPr>
               <a:t>: w3schools.com</a:t>
             </a:r>
-            <a:endParaRPr b="0" lang="en-US" sz="2800" spc="-1" strike="noStrike">
-              <a:solidFill>
-                <a:srgbClr val="000000"/>
-              </a:solidFill>
-              <a:latin typeface="Calibri"/>
+            <a:endParaRPr b="0" lang="pt-BR" sz="2800" spc="-1" strike="noStrike">
+              <a:latin typeface="Arial"/>
             </a:endParaRPr>
           </a:p>
           <a:p>
@@ -7508,15 +6953,12 @@
                 <a:tab algn="l" pos="0"/>
               </a:tabLst>
             </a:pPr>
-            <a:endParaRPr b="0" lang="en-US" sz="2800" spc="-1" strike="noStrike">
-              <a:solidFill>
-                <a:srgbClr val="000000"/>
-              </a:solidFill>
-              <a:latin typeface="Calibri"/>
-            </a:endParaRPr>
-          </a:p>
-          <a:p>
-            <a:pPr marL="91440" indent="-284040">
+            <a:endParaRPr b="0" lang="pt-BR" sz="2800" spc="-1" strike="noStrike">
+              <a:latin typeface="Arial"/>
+            </a:endParaRPr>
+          </a:p>
+          <a:p>
+            <a:pPr marL="91440" indent="-283680">
               <a:lnSpc>
                 <a:spcPct val="100000"/>
               </a:lnSpc>
@@ -7572,11 +7014,8 @@
               </a:rPr>
               <a:t>)</a:t>
             </a:r>
-            <a:endParaRPr b="0" lang="en-US" sz="2800" spc="-1" strike="noStrike">
-              <a:solidFill>
-                <a:srgbClr val="000000"/>
-              </a:solidFill>
-              <a:latin typeface="Calibri"/>
+            <a:endParaRPr b="0" lang="pt-BR" sz="2800" spc="-1" strike="noStrike">
+              <a:latin typeface="Arial"/>
             </a:endParaRPr>
           </a:p>
           <a:p>
@@ -7594,25 +7033,22 @@
                 <a:tab algn="l" pos="0"/>
               </a:tabLst>
             </a:pPr>
-            <a:endParaRPr b="0" lang="en-US" sz="2800" spc="-1" strike="noStrike">
-              <a:solidFill>
-                <a:srgbClr val="000000"/>
-              </a:solidFill>
-              <a:latin typeface="Calibri"/>
-            </a:endParaRPr>
-          </a:p>
-        </p:txBody>
-      </p:sp>
-      <p:sp>
-        <p:nvSpPr>
-          <p:cNvPr id="144" name="CaixaDeTexto 5"/>
+            <a:endParaRPr b="0" lang="pt-BR" sz="2800" spc="-1" strike="noStrike">
+              <a:latin typeface="Arial"/>
+            </a:endParaRPr>
+          </a:p>
+        </p:txBody>
+      </p:sp>
+      <p:sp>
+        <p:nvSpPr>
+          <p:cNvPr id="137" name="CaixaDeTexto 5"/>
           <p:cNvSpPr/>
           <p:nvPr/>
         </p:nvSpPr>
         <p:spPr>
           <a:xfrm>
             <a:off x="9392760" y="4714920"/>
-            <a:ext cx="891360" cy="364680"/>
+            <a:ext cx="891000" cy="364320"/>
           </a:xfrm>
           <a:prstGeom prst="rect">
             <a:avLst/>
@@ -7644,6 +7080,7 @@
                   <a:srgbClr val="000000"/>
                 </a:solidFill>
                 <a:latin typeface="Calibri"/>
+                <a:ea typeface="DejaVu Sans"/>
               </a:rPr>
               <a:t>VSCode</a:t>
             </a:r>
@@ -7655,14 +7092,14 @@
       </p:sp>
       <p:sp>
         <p:nvSpPr>
-          <p:cNvPr id="145" name="AutoShape 2"/>
+          <p:cNvPr id="138" name="AutoShape 2"/>
           <p:cNvSpPr/>
           <p:nvPr/>
         </p:nvSpPr>
         <p:spPr>
           <a:xfrm>
             <a:off x="155520" y="-144360"/>
-            <a:ext cx="304560" cy="304560"/>
+            <a:ext cx="304200" cy="304200"/>
           </a:xfrm>
           <a:prstGeom prst="rect">
             <a:avLst/>
@@ -7681,14 +7118,14 @@
       </p:sp>
       <p:sp>
         <p:nvSpPr>
-          <p:cNvPr id="146" name="AutoShape 10"/>
+          <p:cNvPr id="139" name="AutoShape 10"/>
           <p:cNvSpPr/>
           <p:nvPr/>
         </p:nvSpPr>
         <p:spPr>
           <a:xfrm>
             <a:off x="460440" y="160200"/>
-            <a:ext cx="304560" cy="304560"/>
+            <a:ext cx="304200" cy="304200"/>
           </a:xfrm>
           <a:prstGeom prst="rect">
             <a:avLst/>
@@ -7707,7 +7144,7 @@
       </p:sp>
       <p:pic>
         <p:nvPicPr>
-          <p:cNvPr id="147" name="Imagem 6" descr=""/>
+          <p:cNvPr id="140" name="Imagem 6" descr=""/>
           <p:cNvPicPr/>
           <p:nvPr/>
         </p:nvPicPr>
@@ -7718,7 +7155,7 @@
         <p:spPr>
           <a:xfrm>
             <a:off x="6992280" y="1581120"/>
-            <a:ext cx="5082480" cy="3224160"/>
+            <a:ext cx="5082120" cy="3223800"/>
           </a:xfrm>
           <a:prstGeom prst="rect">
             <a:avLst/>
@@ -7730,7 +7167,7 @@
       </p:pic>
       <p:pic>
         <p:nvPicPr>
-          <p:cNvPr id="148" name="Imagem 7" descr=""/>
+          <p:cNvPr id="141" name="Imagem 7" descr=""/>
           <p:cNvPicPr/>
           <p:nvPr/>
         </p:nvPicPr>
@@ -7741,7 +7178,7 @@
         <p:spPr>
           <a:xfrm>
             <a:off x="864720" y="1157760"/>
-            <a:ext cx="541800" cy="541800"/>
+            <a:ext cx="541440" cy="541440"/>
           </a:xfrm>
           <a:prstGeom prst="rect">
             <a:avLst/>
@@ -7753,7 +7190,7 @@
       </p:pic>
       <p:pic>
         <p:nvPicPr>
-          <p:cNvPr id="149" name="Imagem 8" descr=""/>
+          <p:cNvPr id="142" name="Imagem 8" descr=""/>
           <p:cNvPicPr/>
           <p:nvPr/>
         </p:nvPicPr>
@@ -7764,7 +7201,7 @@
         <p:spPr>
           <a:xfrm>
             <a:off x="765000" y="4641120"/>
-            <a:ext cx="784440" cy="784440"/>
+            <a:ext cx="784080" cy="784080"/>
           </a:xfrm>
           <a:prstGeom prst="rect">
             <a:avLst/>
@@ -7806,14 +7243,14 @@
       </p:grpSpPr>
       <p:sp>
         <p:nvSpPr>
-          <p:cNvPr id="150" name="Título 1"/>
-          <p:cNvSpPr txBox="1"/>
+          <p:cNvPr id="143" name="Título 1"/>
+          <p:cNvSpPr/>
           <p:nvPr/>
         </p:nvSpPr>
         <p:spPr>
           <a:xfrm>
             <a:off x="666720" y="226800"/>
-            <a:ext cx="10946880" cy="789840"/>
+            <a:ext cx="10946520" cy="789480"/>
           </a:xfrm>
           <a:prstGeom prst="rect">
             <a:avLst/>
@@ -7823,8 +7260,14 @@
             <a:noFill/>
           </a:ln>
         </p:spPr>
-        <p:txBody>
-          <a:bodyPr anchor="b">
+        <p:style>
+          <a:lnRef idx="0"/>
+          <a:fillRef idx="0"/>
+          <a:effectRef idx="0"/>
+          <a:fontRef idx="minor"/>
+        </p:style>
+        <p:txBody>
+          <a:bodyPr lIns="90000" rIns="90000" tIns="45000" bIns="45000" anchor="b">
             <a:noAutofit/>
           </a:bodyPr>
           <a:p>
@@ -7842,25 +7285,22 @@
               </a:rPr>
               <a:t>Avaliação</a:t>
             </a:r>
-            <a:endParaRPr b="0" lang="en-US" sz="4800" spc="-1" strike="noStrike">
-              <a:solidFill>
-                <a:srgbClr val="000000"/>
-              </a:solidFill>
-              <a:latin typeface="Calibri"/>
-            </a:endParaRPr>
-          </a:p>
-        </p:txBody>
-      </p:sp>
-      <p:sp>
-        <p:nvSpPr>
-          <p:cNvPr id="151" name="Espaço Reservado para Conteúdo 2"/>
-          <p:cNvSpPr txBox="1"/>
+            <a:endParaRPr b="0" lang="pt-BR" sz="4800" spc="-1" strike="noStrike">
+              <a:latin typeface="Arial"/>
+            </a:endParaRPr>
+          </a:p>
+        </p:txBody>
+      </p:sp>
+      <p:sp>
+        <p:nvSpPr>
+          <p:cNvPr id="144" name="Espaço Reservado para Conteúdo 2"/>
+          <p:cNvSpPr/>
           <p:nvPr/>
         </p:nvSpPr>
         <p:spPr>
           <a:xfrm>
             <a:off x="666720" y="1262520"/>
-            <a:ext cx="10946880" cy="5283360"/>
+            <a:ext cx="10946520" cy="5283000"/>
           </a:xfrm>
           <a:prstGeom prst="rect">
             <a:avLst/>
@@ -7870,12 +7310,18 @@
             <a:noFill/>
           </a:ln>
         </p:spPr>
-        <p:txBody>
-          <a:bodyPr lIns="0" rIns="0">
+        <p:style>
+          <a:lnRef idx="0"/>
+          <a:fillRef idx="0"/>
+          <a:effectRef idx="0"/>
+          <a:fontRef idx="minor"/>
+        </p:style>
+        <p:txBody>
+          <a:bodyPr lIns="0" rIns="0" tIns="45000" bIns="45000">
             <a:noAutofit/>
           </a:bodyPr>
           <a:p>
-            <a:pPr marL="91440" indent="-284040">
+            <a:pPr marL="91440" indent="-283680">
               <a:lnSpc>
                 <a:spcPct val="100000"/>
               </a:lnSpc>
@@ -7900,15 +7346,12 @@
               </a:rPr>
               <a:t>Atividades + Provas</a:t>
             </a:r>
-            <a:endParaRPr b="0" lang="en-US" sz="2800" spc="-1" strike="noStrike">
-              <a:solidFill>
-                <a:srgbClr val="000000"/>
-              </a:solidFill>
-              <a:latin typeface="Calibri"/>
-            </a:endParaRPr>
-          </a:p>
-          <a:p>
-            <a:pPr marL="91440" indent="-284040">
+            <a:endParaRPr b="0" lang="pt-BR" sz="2800" spc="-1" strike="noStrike">
+              <a:latin typeface="Arial"/>
+            </a:endParaRPr>
+          </a:p>
+          <a:p>
+            <a:pPr marL="91440" indent="-283680">
               <a:lnSpc>
                 <a:spcPct val="100000"/>
               </a:lnSpc>
@@ -7933,15 +7376,12 @@
               </a:rPr>
               <a:t>Cada atividade tem seu peso. Se não estiver especificado, é peso 1.</a:t>
             </a:r>
-            <a:endParaRPr b="0" lang="en-US" sz="2800" spc="-1" strike="noStrike">
-              <a:solidFill>
-                <a:srgbClr val="000000"/>
-              </a:solidFill>
-              <a:latin typeface="Calibri"/>
-            </a:endParaRPr>
-          </a:p>
-          <a:p>
-            <a:pPr marL="91440" indent="-284040">
+            <a:endParaRPr b="0" lang="pt-BR" sz="2800" spc="-1" strike="noStrike">
+              <a:latin typeface="Arial"/>
+            </a:endParaRPr>
+          </a:p>
+          <a:p>
+            <a:pPr marL="91440" indent="-283680">
               <a:lnSpc>
                 <a:spcPct val="100000"/>
               </a:lnSpc>
@@ -7966,15 +7406,12 @@
               </a:rPr>
               <a:t>Entrega atrasada: 2 pontos de desconto por dia</a:t>
             </a:r>
-            <a:endParaRPr b="0" lang="en-US" sz="2800" spc="-1" strike="noStrike">
-              <a:solidFill>
-                <a:srgbClr val="000000"/>
-              </a:solidFill>
-              <a:latin typeface="Calibri"/>
-            </a:endParaRPr>
-          </a:p>
-          <a:p>
-            <a:pPr marL="91440" indent="-284040">
+            <a:endParaRPr b="0" lang="pt-BR" sz="2800" spc="-1" strike="noStrike">
+              <a:latin typeface="Arial"/>
+            </a:endParaRPr>
+          </a:p>
+          <a:p>
+            <a:pPr marL="91440" indent="-283680">
               <a:lnSpc>
                 <a:spcPct val="100000"/>
               </a:lnSpc>
@@ -7999,15 +7436,12 @@
               </a:rPr>
               <a:t>Nota final = 0,2*(média_atividades)+0,8(média_provas)</a:t>
             </a:r>
-            <a:endParaRPr b="0" lang="en-US" sz="2800" spc="-1" strike="noStrike">
-              <a:solidFill>
-                <a:srgbClr val="000000"/>
-              </a:solidFill>
-              <a:latin typeface="Calibri"/>
-            </a:endParaRPr>
-          </a:p>
-          <a:p>
-            <a:pPr marL="91440" indent="-284040">
+            <a:endParaRPr b="0" lang="pt-BR" sz="2800" spc="-1" strike="noStrike">
+              <a:latin typeface="Arial"/>
+            </a:endParaRPr>
+          </a:p>
+          <a:p>
+            <a:pPr marL="91440" indent="-283680">
               <a:lnSpc>
                 <a:spcPct val="100000"/>
               </a:lnSpc>
@@ -8032,15 +7466,12 @@
               </a:rPr>
               <a:t>Se nota final maior ou igual a 7</a:t>
             </a:r>
-            <a:endParaRPr b="0" lang="en-US" sz="2800" spc="-1" strike="noStrike">
-              <a:solidFill>
-                <a:srgbClr val="000000"/>
-              </a:solidFill>
-              <a:latin typeface="Calibri"/>
-            </a:endParaRPr>
-          </a:p>
-          <a:p>
-            <a:pPr lvl="1" marL="487080" indent="-285480">
+            <a:endParaRPr b="0" lang="pt-BR" sz="2800" spc="-1" strike="noStrike">
+              <a:latin typeface="Arial"/>
+            </a:endParaRPr>
+          </a:p>
+          <a:p>
+            <a:pPr lvl="1" marL="487080" indent="-285120">
               <a:lnSpc>
                 <a:spcPct val="100000"/>
               </a:lnSpc>
@@ -8065,15 +7496,12 @@
               </a:rPr>
               <a:t>Aprovado!</a:t>
             </a:r>
-            <a:endParaRPr b="0" lang="en-US" sz="2400" spc="-1" strike="noStrike">
-              <a:solidFill>
-                <a:srgbClr val="000000"/>
-              </a:solidFill>
-              <a:latin typeface="Calibri"/>
-            </a:endParaRPr>
-          </a:p>
-          <a:p>
-            <a:pPr marL="91440" indent="-284040">
+            <a:endParaRPr b="0" lang="pt-BR" sz="2400" spc="-1" strike="noStrike">
+              <a:latin typeface="Arial"/>
+            </a:endParaRPr>
+          </a:p>
+          <a:p>
+            <a:pPr marL="91440" indent="-283680">
               <a:lnSpc>
                 <a:spcPct val="100000"/>
               </a:lnSpc>
@@ -8098,15 +7526,12 @@
               </a:rPr>
               <a:t>Se nota final entre 4 e 7</a:t>
             </a:r>
-            <a:endParaRPr b="0" lang="en-US" sz="2800" spc="-1" strike="noStrike">
-              <a:solidFill>
-                <a:srgbClr val="000000"/>
-              </a:solidFill>
-              <a:latin typeface="Calibri"/>
-            </a:endParaRPr>
-          </a:p>
-          <a:p>
-            <a:pPr lvl="1" marL="487080" indent="-285480">
+            <a:endParaRPr b="0" lang="pt-BR" sz="2800" spc="-1" strike="noStrike">
+              <a:latin typeface="Arial"/>
+            </a:endParaRPr>
+          </a:p>
+          <a:p>
+            <a:pPr lvl="1" marL="487080" indent="-285120">
               <a:lnSpc>
                 <a:spcPct val="100000"/>
               </a:lnSpc>
@@ -8131,15 +7556,12 @@
               </a:rPr>
               <a:t>Avaliação final</a:t>
             </a:r>
-            <a:endParaRPr b="0" lang="en-US" sz="2400" spc="-1" strike="noStrike">
-              <a:solidFill>
-                <a:srgbClr val="000000"/>
-              </a:solidFill>
-              <a:latin typeface="Calibri"/>
-            </a:endParaRPr>
-          </a:p>
-          <a:p>
-            <a:pPr lvl="1" marL="487080" indent="-285480">
+            <a:endParaRPr b="0" lang="pt-BR" sz="2400" spc="-1" strike="noStrike">
+              <a:latin typeface="Arial"/>
+            </a:endParaRPr>
+          </a:p>
+          <a:p>
+            <a:pPr lvl="1" marL="487080" indent="-285120">
               <a:lnSpc>
                 <a:spcPct val="100000"/>
               </a:lnSpc>
@@ -8164,11 +7586,8 @@
               </a:rPr>
               <a:t>Aprovado se (nota final + Avaliação)/2 maior ou igual 5</a:t>
             </a:r>
-            <a:endParaRPr b="0" lang="en-US" sz="2400" spc="-1" strike="noStrike">
-              <a:solidFill>
-                <a:srgbClr val="000000"/>
-              </a:solidFill>
-              <a:latin typeface="Calibri"/>
+            <a:endParaRPr b="0" lang="pt-BR" sz="2400" spc="-1" strike="noStrike">
+              <a:latin typeface="Arial"/>
             </a:endParaRPr>
           </a:p>
         </p:txBody>
@@ -8205,14 +7624,14 @@
       </p:grpSpPr>
       <p:sp>
         <p:nvSpPr>
-          <p:cNvPr id="152" name="Title 1"/>
-          <p:cNvSpPr txBox="1"/>
+          <p:cNvPr id="145" name="Title 1"/>
+          <p:cNvSpPr/>
           <p:nvPr/>
         </p:nvSpPr>
         <p:spPr>
           <a:xfrm>
             <a:off x="666720" y="226800"/>
-            <a:ext cx="10946880" cy="789840"/>
+            <a:ext cx="10946520" cy="789480"/>
           </a:xfrm>
           <a:prstGeom prst="rect">
             <a:avLst/>
@@ -8222,8 +7641,14 @@
             <a:noFill/>
           </a:ln>
         </p:spPr>
-        <p:txBody>
-          <a:bodyPr anchor="b">
+        <p:style>
+          <a:lnRef idx="0"/>
+          <a:fillRef idx="0"/>
+          <a:effectRef idx="0"/>
+          <a:fontRef idx="minor"/>
+        </p:style>
+        <p:txBody>
+          <a:bodyPr lIns="90000" rIns="90000" tIns="45000" bIns="45000" anchor="b">
             <a:noAutofit/>
           </a:bodyPr>
           <a:p>
@@ -8241,25 +7666,22 @@
               </a:rPr>
               <a:t>Dinâmica Atividades</a:t>
             </a:r>
-            <a:endParaRPr b="0" lang="en-US" sz="4800" spc="-1" strike="noStrike">
-              <a:solidFill>
-                <a:srgbClr val="000000"/>
-              </a:solidFill>
-              <a:latin typeface="Calibri"/>
-            </a:endParaRPr>
-          </a:p>
-        </p:txBody>
-      </p:sp>
-      <p:sp>
-        <p:nvSpPr>
-          <p:cNvPr id="153" name="Content Placeholder 2"/>
-          <p:cNvSpPr txBox="1"/>
+            <a:endParaRPr b="0" lang="pt-BR" sz="4800" spc="-1" strike="noStrike">
+              <a:latin typeface="Arial"/>
+            </a:endParaRPr>
+          </a:p>
+        </p:txBody>
+      </p:sp>
+      <p:sp>
+        <p:nvSpPr>
+          <p:cNvPr id="146" name="Content Placeholder 2"/>
+          <p:cNvSpPr/>
           <p:nvPr/>
         </p:nvSpPr>
         <p:spPr>
           <a:xfrm>
             <a:off x="666720" y="1262520"/>
-            <a:ext cx="10946880" cy="5283360"/>
+            <a:ext cx="10946520" cy="5283000"/>
           </a:xfrm>
           <a:prstGeom prst="rect">
             <a:avLst/>
@@ -8269,12 +7691,18 @@
             <a:noFill/>
           </a:ln>
         </p:spPr>
-        <p:txBody>
-          <a:bodyPr lIns="0" rIns="0">
+        <p:style>
+          <a:lnRef idx="0"/>
+          <a:fillRef idx="0"/>
+          <a:effectRef idx="0"/>
+          <a:fontRef idx="minor"/>
+        </p:style>
+        <p:txBody>
+          <a:bodyPr lIns="0" rIns="0" tIns="45000" bIns="45000">
             <a:normAutofit/>
           </a:bodyPr>
           <a:p>
-            <a:pPr marL="91440" indent="-284040">
+            <a:pPr marL="91440" indent="-283680">
               <a:lnSpc>
                 <a:spcPct val="100000"/>
               </a:lnSpc>
@@ -8299,15 +7727,12 @@
               </a:rPr>
               <a:t>As atividades são feitas em sala e terminadas em casa</a:t>
             </a:r>
-            <a:endParaRPr b="0" lang="en-US" sz="2800" spc="-1" strike="noStrike">
-              <a:solidFill>
-                <a:srgbClr val="000000"/>
-              </a:solidFill>
-              <a:latin typeface="Calibri"/>
-            </a:endParaRPr>
-          </a:p>
-          <a:p>
-            <a:pPr marL="91440" indent="-284040">
+            <a:endParaRPr b="0" lang="pt-BR" sz="2800" spc="-1" strike="noStrike">
+              <a:latin typeface="Arial"/>
+            </a:endParaRPr>
+          </a:p>
+          <a:p>
+            <a:pPr marL="91440" indent="-283680">
               <a:lnSpc>
                 <a:spcPct val="100000"/>
               </a:lnSpc>
@@ -8332,15 +7757,12 @@
               </a:rPr>
               <a:t>Teremos atividade em sala na maioria das aulas</a:t>
             </a:r>
-            <a:endParaRPr b="0" lang="en-US" sz="2800" spc="-1" strike="noStrike">
-              <a:solidFill>
-                <a:srgbClr val="000000"/>
-              </a:solidFill>
-              <a:latin typeface="Calibri"/>
-            </a:endParaRPr>
-          </a:p>
-          <a:p>
-            <a:pPr marL="91440" indent="-284040">
+            <a:endParaRPr b="0" lang="pt-BR" sz="2800" spc="-1" strike="noStrike">
+              <a:latin typeface="Arial"/>
+            </a:endParaRPr>
+          </a:p>
+          <a:p>
+            <a:pPr marL="91440" indent="-283680">
               <a:lnSpc>
                 <a:spcPct val="100000"/>
               </a:lnSpc>
@@ -8365,15 +7787,12 @@
               </a:rPr>
               <a:t>Pode entregar atrasado com desconto de 2 pontos por dia</a:t>
             </a:r>
-            <a:endParaRPr b="0" lang="en-US" sz="2800" spc="-1" strike="noStrike">
-              <a:solidFill>
-                <a:srgbClr val="000000"/>
-              </a:solidFill>
-              <a:latin typeface="Calibri"/>
-            </a:endParaRPr>
-          </a:p>
-          <a:p>
-            <a:pPr marL="91440" indent="-284040">
+            <a:endParaRPr b="0" lang="pt-BR" sz="2800" spc="-1" strike="noStrike">
+              <a:latin typeface="Arial"/>
+            </a:endParaRPr>
+          </a:p>
+          <a:p>
+            <a:pPr marL="91440" indent="-283680">
               <a:lnSpc>
                 <a:spcPct val="100000"/>
               </a:lnSpc>
@@ -8398,15 +7817,12 @@
               </a:rPr>
               <a:t>Se perder alguma atividade, é melhor fazer a atividade perdida (mesmo que não valha nada) para treinar a matéria anterior</a:t>
             </a:r>
-            <a:endParaRPr b="0" lang="en-US" sz="2800" spc="-1" strike="noStrike">
-              <a:solidFill>
-                <a:srgbClr val="000000"/>
-              </a:solidFill>
-              <a:latin typeface="Calibri"/>
-            </a:endParaRPr>
-          </a:p>
-          <a:p>
-            <a:pPr lvl="1" marL="487080" indent="-285480">
+            <a:endParaRPr b="0" lang="pt-BR" sz="2800" spc="-1" strike="noStrike">
+              <a:latin typeface="Arial"/>
+            </a:endParaRPr>
+          </a:p>
+          <a:p>
+            <a:pPr lvl="1" marL="487080" indent="-285120">
               <a:lnSpc>
                 <a:spcPct val="100000"/>
               </a:lnSpc>
@@ -8431,15 +7847,12 @@
               </a:rPr>
               <a:t>É difícil fazer uma atividade sem fazer as anteriores</a:t>
             </a:r>
-            <a:endParaRPr b="0" lang="en-US" sz="2400" spc="-1" strike="noStrike">
-              <a:solidFill>
-                <a:srgbClr val="000000"/>
-              </a:solidFill>
-              <a:latin typeface="Calibri"/>
-            </a:endParaRPr>
-          </a:p>
-          <a:p>
-            <a:pPr lvl="1" marL="487080" indent="-285480">
+            <a:endParaRPr b="0" lang="pt-BR" sz="2400" spc="-1" strike="noStrike">
+              <a:latin typeface="Arial"/>
+            </a:endParaRPr>
+          </a:p>
+          <a:p>
+            <a:pPr lvl="1" marL="487080" indent="-285120">
               <a:lnSpc>
                 <a:spcPct val="100000"/>
               </a:lnSpc>
@@ -8464,15 +7877,12 @@
               </a:rPr>
               <a:t>O conhecimento em programação é uma escada</a:t>
             </a:r>
-            <a:endParaRPr b="0" lang="en-US" sz="2400" spc="-1" strike="noStrike">
-              <a:solidFill>
-                <a:srgbClr val="000000"/>
-              </a:solidFill>
-              <a:latin typeface="Calibri"/>
-            </a:endParaRPr>
-          </a:p>
-          <a:p>
-            <a:pPr marL="91440" indent="-284040">
+            <a:endParaRPr b="0" lang="pt-BR" sz="2400" spc="-1" strike="noStrike">
+              <a:latin typeface="Arial"/>
+            </a:endParaRPr>
+          </a:p>
+          <a:p>
+            <a:pPr marL="91440" indent="-283680">
               <a:lnSpc>
                 <a:spcPct val="100000"/>
               </a:lnSpc>
@@ -8497,15 +7907,12 @@
               </a:rPr>
               <a:t>Feedback das atividades é em sala</a:t>
             </a:r>
-            <a:endParaRPr b="0" lang="en-US" sz="2800" spc="-1" strike="noStrike">
-              <a:solidFill>
-                <a:srgbClr val="000000"/>
-              </a:solidFill>
-              <a:latin typeface="Calibri"/>
-            </a:endParaRPr>
-          </a:p>
-          <a:p>
-            <a:pPr lvl="1" marL="487080" indent="-285480">
+            <a:endParaRPr b="0" lang="pt-BR" sz="2800" spc="-1" strike="noStrike">
+              <a:latin typeface="Arial"/>
+            </a:endParaRPr>
+          </a:p>
+          <a:p>
+            <a:pPr lvl="1" marL="487080" indent="-285120">
               <a:lnSpc>
                 <a:spcPct val="100000"/>
               </a:lnSpc>
@@ -8530,15 +7937,12 @@
               </a:rPr>
               <a:t>Individualmente, por demanda de vocês</a:t>
             </a:r>
-            <a:endParaRPr b="0" lang="en-US" sz="2400" spc="-1" strike="noStrike">
-              <a:solidFill>
-                <a:srgbClr val="000000"/>
-              </a:solidFill>
-              <a:latin typeface="Calibri"/>
-            </a:endParaRPr>
-          </a:p>
-          <a:p>
-            <a:pPr lvl="1" marL="487080" indent="-285480">
+            <a:endParaRPr b="0" lang="pt-BR" sz="2400" spc="-1" strike="noStrike">
+              <a:latin typeface="Arial"/>
+            </a:endParaRPr>
+          </a:p>
+          <a:p>
+            <a:pPr lvl="1" marL="487080" indent="-285120">
               <a:lnSpc>
                 <a:spcPct val="100000"/>
               </a:lnSpc>
@@ -8563,19 +7967,18 @@
               </a:rPr>
               <a:t>Para todos, por correção da atividade em sala</a:t>
             </a:r>
-            <a:endParaRPr b="0" lang="en-US" sz="2400" spc="-1" strike="noStrike">
-              <a:solidFill>
-                <a:srgbClr val="000000"/>
-              </a:solidFill>
-              <a:latin typeface="Calibri"/>
-            </a:endParaRPr>
-          </a:p>
-          <a:p>
-            <a:endParaRPr b="0" lang="en-US" sz="2400" spc="-1" strike="noStrike">
-              <a:solidFill>
-                <a:srgbClr val="000000"/>
-              </a:solidFill>
-              <a:latin typeface="Calibri"/>
+            <a:endParaRPr b="0" lang="pt-BR" sz="2400" spc="-1" strike="noStrike">
+              <a:latin typeface="Arial"/>
+            </a:endParaRPr>
+          </a:p>
+          <a:p>
+            <a:pPr>
+              <a:lnSpc>
+                <a:spcPct val="100000"/>
+              </a:lnSpc>
+            </a:pPr>
+            <a:endParaRPr b="0" lang="pt-BR" sz="2400" spc="-1" strike="noStrike">
+              <a:latin typeface="Arial"/>
             </a:endParaRPr>
           </a:p>
           <a:p>
@@ -8590,11 +7993,8 @@
                 <a:spcPts val="201"/>
               </a:spcAft>
             </a:pPr>
-            <a:endParaRPr b="0" lang="en-US" sz="2400" spc="-1" strike="noStrike">
-              <a:solidFill>
-                <a:srgbClr val="000000"/>
-              </a:solidFill>
-              <a:latin typeface="Calibri"/>
+            <a:endParaRPr b="0" lang="pt-BR" sz="2400" spc="-1" strike="noStrike">
+              <a:latin typeface="Arial"/>
             </a:endParaRPr>
           </a:p>
           <a:p>
@@ -8609,11 +8009,8 @@
                 <a:spcPts val="201"/>
               </a:spcAft>
             </a:pPr>
-            <a:endParaRPr b="0" lang="en-US" sz="2400" spc="-1" strike="noStrike">
-              <a:solidFill>
-                <a:srgbClr val="000000"/>
-              </a:solidFill>
-              <a:latin typeface="Calibri"/>
+            <a:endParaRPr b="0" lang="pt-BR" sz="2400" spc="-1" strike="noStrike">
+              <a:latin typeface="Arial"/>
             </a:endParaRPr>
           </a:p>
         </p:txBody>
@@ -8650,14 +8047,14 @@
       </p:grpSpPr>
       <p:sp>
         <p:nvSpPr>
-          <p:cNvPr id="154" name="Title 1"/>
-          <p:cNvSpPr txBox="1"/>
+          <p:cNvPr id="147" name="Title 1"/>
+          <p:cNvSpPr/>
           <p:nvPr/>
         </p:nvSpPr>
         <p:spPr>
           <a:xfrm>
             <a:off x="666720" y="226800"/>
-            <a:ext cx="10946880" cy="789840"/>
+            <a:ext cx="10946520" cy="789480"/>
           </a:xfrm>
           <a:prstGeom prst="rect">
             <a:avLst/>
@@ -8667,8 +8064,14 @@
             <a:noFill/>
           </a:ln>
         </p:spPr>
-        <p:txBody>
-          <a:bodyPr anchor="b">
+        <p:style>
+          <a:lnRef idx="0"/>
+          <a:fillRef idx="0"/>
+          <a:effectRef idx="0"/>
+          <a:fontRef idx="minor"/>
+        </p:style>
+        <p:txBody>
+          <a:bodyPr lIns="90000" rIns="90000" tIns="45000" bIns="45000" anchor="b">
             <a:noAutofit/>
           </a:bodyPr>
           <a:p>
@@ -8686,25 +8089,22 @@
               </a:rPr>
               <a:t>Observações importante!</a:t>
             </a:r>
-            <a:endParaRPr b="0" lang="en-US" sz="4800" spc="-1" strike="noStrike">
-              <a:solidFill>
-                <a:srgbClr val="000000"/>
-              </a:solidFill>
-              <a:latin typeface="Calibri"/>
-            </a:endParaRPr>
-          </a:p>
-        </p:txBody>
-      </p:sp>
-      <p:sp>
-        <p:nvSpPr>
-          <p:cNvPr id="155" name="Content Placeholder 2"/>
-          <p:cNvSpPr txBox="1"/>
+            <a:endParaRPr b="0" lang="pt-BR" sz="4800" spc="-1" strike="noStrike">
+              <a:latin typeface="Arial"/>
+            </a:endParaRPr>
+          </a:p>
+        </p:txBody>
+      </p:sp>
+      <p:sp>
+        <p:nvSpPr>
+          <p:cNvPr id="148" name="Content Placeholder 2"/>
+          <p:cNvSpPr/>
           <p:nvPr/>
         </p:nvSpPr>
         <p:spPr>
           <a:xfrm>
             <a:off x="666720" y="1262520"/>
-            <a:ext cx="10946880" cy="5283360"/>
+            <a:ext cx="10946520" cy="5283000"/>
           </a:xfrm>
           <a:prstGeom prst="rect">
             <a:avLst/>
@@ -8714,12 +8114,18 @@
             <a:noFill/>
           </a:ln>
         </p:spPr>
-        <p:txBody>
-          <a:bodyPr lIns="0" rIns="0">
+        <p:style>
+          <a:lnRef idx="0"/>
+          <a:fillRef idx="0"/>
+          <a:effectRef idx="0"/>
+          <a:fontRef idx="minor"/>
+        </p:style>
+        <p:txBody>
+          <a:bodyPr lIns="0" rIns="0" tIns="45000" bIns="45000">
             <a:noAutofit/>
           </a:bodyPr>
           <a:p>
-            <a:pPr marL="91440" indent="-284040">
+            <a:pPr marL="91440" indent="-283680">
               <a:lnSpc>
                 <a:spcPct val="100000"/>
               </a:lnSpc>
@@ -8753,15 +8159,12 @@
               </a:rPr>
               <a:t> </a:t>
             </a:r>
-            <a:endParaRPr b="0" lang="en-US" sz="2800" spc="-1" strike="noStrike">
-              <a:solidFill>
-                <a:srgbClr val="000000"/>
-              </a:solidFill>
-              <a:latin typeface="Calibri"/>
-            </a:endParaRPr>
-          </a:p>
-          <a:p>
-            <a:pPr marL="91440" indent="-284040">
+            <a:endParaRPr b="0" lang="pt-BR" sz="2800" spc="-1" strike="noStrike">
+              <a:latin typeface="Arial"/>
+            </a:endParaRPr>
+          </a:p>
+          <a:p>
+            <a:pPr marL="91440" indent="-283680">
               <a:lnSpc>
                 <a:spcPct val="100000"/>
               </a:lnSpc>
@@ -8786,15 +8189,12 @@
               </a:rPr>
               <a:t>Atividades são individuais</a:t>
             </a:r>
-            <a:endParaRPr b="0" lang="en-US" sz="2800" spc="-1" strike="noStrike">
-              <a:solidFill>
-                <a:srgbClr val="000000"/>
-              </a:solidFill>
-              <a:latin typeface="Calibri"/>
-            </a:endParaRPr>
-          </a:p>
-          <a:p>
-            <a:pPr marL="91440" indent="-284040">
+            <a:endParaRPr b="0" lang="pt-BR" sz="2800" spc="-1" strike="noStrike">
+              <a:latin typeface="Arial"/>
+            </a:endParaRPr>
+          </a:p>
+          <a:p>
+            <a:pPr marL="91440" indent="-283680">
               <a:lnSpc>
                 <a:spcPct val="100000"/>
               </a:lnSpc>
@@ -8828,15 +8228,12 @@
               </a:rPr>
               <a:t>Monitores e amigos podem ajudar pontualmente</a:t>
             </a:r>
-            <a:endParaRPr b="0" lang="en-US" sz="2800" spc="-1" strike="noStrike">
-              <a:solidFill>
-                <a:srgbClr val="000000"/>
-              </a:solidFill>
-              <a:latin typeface="Calibri"/>
-            </a:endParaRPr>
-          </a:p>
-          <a:p>
-            <a:pPr lvl="1" marL="487080" indent="-285480">
+            <a:endParaRPr b="0" lang="pt-BR" sz="2800" spc="-1" strike="noStrike">
+              <a:latin typeface="Arial"/>
+            </a:endParaRPr>
+          </a:p>
+          <a:p>
+            <a:pPr lvl="1" marL="487080" indent="-285120">
               <a:lnSpc>
                 <a:spcPct val="100000"/>
               </a:lnSpc>
@@ -8870,15 +8267,12 @@
               </a:rPr>
               <a:t>Mas é necessário haver uma autonomia em fazer os trabalhos</a:t>
             </a:r>
-            <a:endParaRPr b="0" lang="en-US" sz="2400" spc="-1" strike="noStrike">
-              <a:solidFill>
-                <a:srgbClr val="000000"/>
-              </a:solidFill>
-              <a:latin typeface="Calibri"/>
-            </a:endParaRPr>
-          </a:p>
-          <a:p>
-            <a:pPr lvl="1" marL="487080" indent="-285480">
+            <a:endParaRPr b="0" lang="pt-BR" sz="2400" spc="-1" strike="noStrike">
+              <a:latin typeface="Arial"/>
+            </a:endParaRPr>
+          </a:p>
+          <a:p>
+            <a:pPr lvl="1" marL="487080" indent="-285120">
               <a:lnSpc>
                 <a:spcPct val="100000"/>
               </a:lnSpc>
@@ -8912,15 +8306,12 @@
               </a:rPr>
               <a:t>Cuidado para não usar seus monitores como muletas</a:t>
             </a:r>
-            <a:endParaRPr b="0" lang="en-US" sz="2400" spc="-1" strike="noStrike">
-              <a:solidFill>
-                <a:srgbClr val="000000"/>
-              </a:solidFill>
-              <a:latin typeface="Calibri"/>
-            </a:endParaRPr>
-          </a:p>
-          <a:p>
-            <a:pPr lvl="1" marL="487080" indent="-285480">
+            <a:endParaRPr b="0" lang="pt-BR" sz="2400" spc="-1" strike="noStrike">
+              <a:latin typeface="Arial"/>
+            </a:endParaRPr>
+          </a:p>
+          <a:p>
+            <a:pPr lvl="1" marL="487080" indent="-285120">
               <a:lnSpc>
                 <a:spcPct val="100000"/>
               </a:lnSpc>
@@ -8954,15 +8345,12 @@
               </a:rPr>
               <a:t>Trabalhos ficam super parecidos (quase cópia)</a:t>
             </a:r>
-            <a:endParaRPr b="0" lang="en-US" sz="2400" spc="-1" strike="noStrike">
-              <a:solidFill>
-                <a:srgbClr val="000000"/>
-              </a:solidFill>
-              <a:latin typeface="Calibri"/>
-            </a:endParaRPr>
-          </a:p>
-          <a:p>
-            <a:pPr marL="91440" indent="-284040">
+            <a:endParaRPr b="0" lang="pt-BR" sz="2400" spc="-1" strike="noStrike">
+              <a:latin typeface="Arial"/>
+            </a:endParaRPr>
+          </a:p>
+          <a:p>
+            <a:pPr marL="91440" indent="-283680">
               <a:lnSpc>
                 <a:spcPct val="100000"/>
               </a:lnSpc>
@@ -9005,11 +8393,8 @@
               </a:rPr>
               <a:t>! Afinal, a prova é individual</a:t>
             </a:r>
-            <a:endParaRPr b="0" lang="en-US" sz="2800" spc="-1" strike="noStrike">
-              <a:solidFill>
-                <a:srgbClr val="000000"/>
-              </a:solidFill>
-              <a:latin typeface="Calibri"/>
+            <a:endParaRPr b="0" lang="pt-BR" sz="2800" spc="-1" strike="noStrike">
+              <a:latin typeface="Arial"/>
             </a:endParaRPr>
           </a:p>
           <a:p>
@@ -9027,15 +8412,12 @@
                 <a:tab algn="l" pos="0"/>
               </a:tabLst>
             </a:pPr>
-            <a:endParaRPr b="0" lang="en-US" sz="2800" spc="-1" strike="noStrike">
-              <a:solidFill>
-                <a:srgbClr val="000000"/>
-              </a:solidFill>
-              <a:latin typeface="Calibri"/>
-            </a:endParaRPr>
-          </a:p>
-          <a:p>
-            <a:pPr marL="91440" indent="-284040">
+            <a:endParaRPr b="0" lang="pt-BR" sz="2800" spc="-1" strike="noStrike">
+              <a:latin typeface="Arial"/>
+            </a:endParaRPr>
+          </a:p>
+          <a:p>
+            <a:pPr marL="91440" indent="-283680">
               <a:lnSpc>
                 <a:spcPct val="100000"/>
               </a:lnSpc>
@@ -9072,11 +8454,8 @@
               </a:rPr>
               <a:t>: Cuidado com a propaganda negativa dos veteranos!</a:t>
             </a:r>
-            <a:endParaRPr b="0" lang="en-US" sz="2800" spc="-1" strike="noStrike">
-              <a:solidFill>
-                <a:srgbClr val="000000"/>
-              </a:solidFill>
-              <a:latin typeface="Calibri"/>
+            <a:endParaRPr b="0" lang="pt-BR" sz="2800" spc="-1" strike="noStrike">
+              <a:latin typeface="Arial"/>
             </a:endParaRPr>
           </a:p>
           <a:p>
@@ -9094,11 +8473,8 @@
                 <a:tab algn="l" pos="0"/>
               </a:tabLst>
             </a:pPr>
-            <a:endParaRPr b="0" lang="en-US" sz="2800" spc="-1" strike="noStrike">
-              <a:solidFill>
-                <a:srgbClr val="000000"/>
-              </a:solidFill>
-              <a:latin typeface="Calibri"/>
+            <a:endParaRPr b="0" lang="pt-BR" sz="2800" spc="-1" strike="noStrike">
+              <a:latin typeface="Arial"/>
             </a:endParaRPr>
           </a:p>
           <a:p>
@@ -9116,11 +8492,8 @@
                 <a:tab algn="l" pos="0"/>
               </a:tabLst>
             </a:pPr>
-            <a:endParaRPr b="0" lang="en-US" sz="2800" spc="-1" strike="noStrike">
-              <a:solidFill>
-                <a:srgbClr val="000000"/>
-              </a:solidFill>
-              <a:latin typeface="Calibri"/>
+            <a:endParaRPr b="0" lang="pt-BR" sz="2800" spc="-1" strike="noStrike">
+              <a:latin typeface="Arial"/>
             </a:endParaRPr>
           </a:p>
         </p:txBody>
@@ -9157,14 +8530,14 @@
       </p:grpSpPr>
       <p:sp>
         <p:nvSpPr>
-          <p:cNvPr id="156" name="Título 1"/>
-          <p:cNvSpPr txBox="1"/>
+          <p:cNvPr id="149" name="Título 1"/>
+          <p:cNvSpPr/>
           <p:nvPr/>
         </p:nvSpPr>
         <p:spPr>
           <a:xfrm>
             <a:off x="666720" y="226800"/>
-            <a:ext cx="10946880" cy="789840"/>
+            <a:ext cx="10946520" cy="789480"/>
           </a:xfrm>
           <a:prstGeom prst="rect">
             <a:avLst/>
@@ -9174,8 +8547,14 @@
             <a:noFill/>
           </a:ln>
         </p:spPr>
-        <p:txBody>
-          <a:bodyPr anchor="b">
+        <p:style>
+          <a:lnRef idx="0"/>
+          <a:fillRef idx="0"/>
+          <a:effectRef idx="0"/>
+          <a:fontRef idx="minor"/>
+        </p:style>
+        <p:txBody>
+          <a:bodyPr lIns="90000" rIns="90000" tIns="45000" bIns="45000" anchor="b">
             <a:noAutofit/>
           </a:bodyPr>
           <a:p>
@@ -9193,25 +8572,22 @@
               </a:rPr>
               <a:t>Erros</a:t>
             </a:r>
-            <a:endParaRPr b="0" lang="en-US" sz="4800" spc="-1" strike="noStrike">
-              <a:solidFill>
-                <a:srgbClr val="000000"/>
-              </a:solidFill>
-              <a:latin typeface="Calibri"/>
-            </a:endParaRPr>
-          </a:p>
-        </p:txBody>
-      </p:sp>
-      <p:sp>
-        <p:nvSpPr>
-          <p:cNvPr id="157" name="Espaço Reservado para Conteúdo 2"/>
-          <p:cNvSpPr txBox="1"/>
+            <a:endParaRPr b="0" lang="pt-BR" sz="4800" spc="-1" strike="noStrike">
+              <a:latin typeface="Arial"/>
+            </a:endParaRPr>
+          </a:p>
+        </p:txBody>
+      </p:sp>
+      <p:sp>
+        <p:nvSpPr>
+          <p:cNvPr id="150" name="Espaço Reservado para Conteúdo 2"/>
+          <p:cNvSpPr/>
           <p:nvPr/>
         </p:nvSpPr>
         <p:spPr>
           <a:xfrm>
             <a:off x="666720" y="1262520"/>
-            <a:ext cx="10946880" cy="5283360"/>
+            <a:ext cx="10946520" cy="5283000"/>
           </a:xfrm>
           <a:prstGeom prst="rect">
             <a:avLst/>
@@ -9221,12 +8597,18 @@
             <a:noFill/>
           </a:ln>
         </p:spPr>
-        <p:txBody>
-          <a:bodyPr lIns="0" rIns="0">
+        <p:style>
+          <a:lnRef idx="0"/>
+          <a:fillRef idx="0"/>
+          <a:effectRef idx="0"/>
+          <a:fontRef idx="minor"/>
+        </p:style>
+        <p:txBody>
+          <a:bodyPr lIns="0" rIns="0" tIns="45000" bIns="45000">
             <a:normAutofit/>
           </a:bodyPr>
           <a:p>
-            <a:pPr marL="91440" indent="-284040">
+            <a:pPr marL="91440" indent="-283680">
               <a:lnSpc>
                 <a:spcPct val="100000"/>
               </a:lnSpc>
@@ -9260,15 +8642,12 @@
               </a:rPr>
               <a:t>Erros fazem parte do aprendizado!</a:t>
             </a:r>
-            <a:endParaRPr b="0" lang="en-US" sz="2800" spc="-1" strike="noStrike">
-              <a:solidFill>
-                <a:srgbClr val="000000"/>
-              </a:solidFill>
-              <a:latin typeface="Calibri"/>
-            </a:endParaRPr>
-          </a:p>
-          <a:p>
-            <a:pPr marL="91440" indent="-284040">
+            <a:endParaRPr b="0" lang="pt-BR" sz="2800" spc="-1" strike="noStrike">
+              <a:latin typeface="Arial"/>
+            </a:endParaRPr>
+          </a:p>
+          <a:p>
+            <a:pPr marL="91440" indent="-283680">
               <a:lnSpc>
                 <a:spcPct val="100000"/>
               </a:lnSpc>
@@ -9302,15 +8681,12 @@
               </a:rPr>
               <a:t>É preciso saber resolver os erros sozinho.</a:t>
             </a:r>
-            <a:endParaRPr b="0" lang="en-US" sz="2800" spc="-1" strike="noStrike">
-              <a:solidFill>
-                <a:srgbClr val="000000"/>
-              </a:solidFill>
-              <a:latin typeface="Calibri"/>
-            </a:endParaRPr>
-          </a:p>
-          <a:p>
-            <a:pPr marL="91440" indent="-284040">
+            <a:endParaRPr b="0" lang="pt-BR" sz="2800" spc="-1" strike="noStrike">
+              <a:latin typeface="Arial"/>
+            </a:endParaRPr>
+          </a:p>
+          <a:p>
+            <a:pPr marL="91440" indent="-283680">
               <a:lnSpc>
                 <a:spcPct val="100000"/>
               </a:lnSpc>
@@ -9344,15 +8720,12 @@
               </a:rPr>
               <a:t>Melhor processo de aprendizado: entender o erro e tentar consertar. Se não conseguir, pede ajuda.</a:t>
             </a:r>
-            <a:endParaRPr b="0" lang="en-US" sz="2800" spc="-1" strike="noStrike">
-              <a:solidFill>
-                <a:srgbClr val="000000"/>
-              </a:solidFill>
-              <a:latin typeface="Calibri"/>
-            </a:endParaRPr>
-          </a:p>
-          <a:p>
-            <a:pPr marL="91440" indent="-284040">
+            <a:endParaRPr b="0" lang="pt-BR" sz="2800" spc="-1" strike="noStrike">
+              <a:latin typeface="Arial"/>
+            </a:endParaRPr>
+          </a:p>
+          <a:p>
+            <a:pPr marL="91440" indent="-283680">
               <a:lnSpc>
                 <a:spcPct val="100000"/>
               </a:lnSpc>
@@ -9377,11 +8750,8 @@
               </a:rPr>
               <a:t>Erro comum: Mudar o código na tentativa/erro sem entender o que está acontecendo</a:t>
             </a:r>
-            <a:endParaRPr b="0" lang="en-US" sz="2800" spc="-1" strike="noStrike">
-              <a:solidFill>
-                <a:srgbClr val="000000"/>
-              </a:solidFill>
-              <a:latin typeface="Calibri"/>
+            <a:endParaRPr b="0" lang="pt-BR" sz="2800" spc="-1" strike="noStrike">
+              <a:latin typeface="Arial"/>
             </a:endParaRPr>
           </a:p>
         </p:txBody>
@@ -9418,14 +8788,14 @@
       </p:grpSpPr>
       <p:sp>
         <p:nvSpPr>
-          <p:cNvPr id="158" name="Título 1"/>
-          <p:cNvSpPr txBox="1"/>
+          <p:cNvPr id="151" name="Título 1"/>
+          <p:cNvSpPr/>
           <p:nvPr/>
         </p:nvSpPr>
         <p:spPr>
           <a:xfrm>
             <a:off x="666720" y="226800"/>
-            <a:ext cx="10946880" cy="789840"/>
+            <a:ext cx="10946520" cy="789480"/>
           </a:xfrm>
           <a:prstGeom prst="rect">
             <a:avLst/>
@@ -9435,8 +8805,14 @@
             <a:noFill/>
           </a:ln>
         </p:spPr>
-        <p:txBody>
-          <a:bodyPr anchor="b">
+        <p:style>
+          <a:lnRef idx="0"/>
+          <a:fillRef idx="0"/>
+          <a:effectRef idx="0"/>
+          <a:fontRef idx="minor"/>
+        </p:style>
+        <p:txBody>
+          <a:bodyPr lIns="90000" rIns="90000" tIns="45000" bIns="45000" anchor="b">
             <a:noAutofit/>
           </a:bodyPr>
           <a:p>
@@ -9454,25 +8830,22 @@
               </a:rPr>
               <a:t>Processo de resolução de erros</a:t>
             </a:r>
-            <a:endParaRPr b="0" lang="en-US" sz="4800" spc="-1" strike="noStrike">
-              <a:solidFill>
-                <a:srgbClr val="000000"/>
-              </a:solidFill>
-              <a:latin typeface="Calibri"/>
-            </a:endParaRPr>
-          </a:p>
-        </p:txBody>
-      </p:sp>
-      <p:sp>
-        <p:nvSpPr>
-          <p:cNvPr id="159" name="Espaço Reservado para Conteúdo 2"/>
-          <p:cNvSpPr txBox="1"/>
+            <a:endParaRPr b="0" lang="pt-BR" sz="4800" spc="-1" strike="noStrike">
+              <a:latin typeface="Arial"/>
+            </a:endParaRPr>
+          </a:p>
+        </p:txBody>
+      </p:sp>
+      <p:sp>
+        <p:nvSpPr>
+          <p:cNvPr id="152" name="Espaço Reservado para Conteúdo 2"/>
+          <p:cNvSpPr/>
           <p:nvPr/>
         </p:nvSpPr>
         <p:spPr>
           <a:xfrm>
             <a:off x="666720" y="1262520"/>
-            <a:ext cx="10946880" cy="5283360"/>
+            <a:ext cx="10946520" cy="5283000"/>
           </a:xfrm>
           <a:prstGeom prst="rect">
             <a:avLst/>
@@ -9482,12 +8855,18 @@
             <a:noFill/>
           </a:ln>
         </p:spPr>
-        <p:txBody>
-          <a:bodyPr lIns="0" rIns="0">
+        <p:style>
+          <a:lnRef idx="0"/>
+          <a:fillRef idx="0"/>
+          <a:effectRef idx="0"/>
+          <a:fontRef idx="minor"/>
+        </p:style>
+        <p:txBody>
+          <a:bodyPr lIns="0" rIns="0" tIns="45000" bIns="45000">
             <a:noAutofit/>
           </a:bodyPr>
           <a:p>
-            <a:pPr marL="91440" indent="-284040">
+            <a:pPr marL="91440" indent="-283680">
               <a:lnSpc>
                 <a:spcPct val="100000"/>
               </a:lnSpc>
@@ -9512,15 +8891,12 @@
               </a:rPr>
               <a:t>O que fazer?</a:t>
             </a:r>
-            <a:endParaRPr b="0" lang="en-US" sz="2800" spc="-1" strike="noStrike">
-              <a:solidFill>
-                <a:srgbClr val="000000"/>
-              </a:solidFill>
-              <a:latin typeface="Calibri"/>
-            </a:endParaRPr>
-          </a:p>
-          <a:p>
-            <a:pPr lvl="1" marL="487080" indent="-285480">
+            <a:endParaRPr b="0" lang="pt-BR" sz="2800" spc="-1" strike="noStrike">
+              <a:latin typeface="Arial"/>
+            </a:endParaRPr>
+          </a:p>
+          <a:p>
+            <a:pPr lvl="1" marL="487080" indent="-285120">
               <a:lnSpc>
                 <a:spcPct val="100000"/>
               </a:lnSpc>
@@ -9554,15 +8930,12 @@
               </a:rPr>
               <a:t>Ler mensagem de erro com calma</a:t>
             </a:r>
-            <a:endParaRPr b="0" lang="en-US" sz="2400" spc="-1" strike="noStrike">
-              <a:solidFill>
-                <a:srgbClr val="000000"/>
-              </a:solidFill>
-              <a:latin typeface="Calibri"/>
-            </a:endParaRPr>
-          </a:p>
-          <a:p>
-            <a:pPr lvl="1" marL="487080" indent="-285480">
+            <a:endParaRPr b="0" lang="pt-BR" sz="2400" spc="-1" strike="noStrike">
+              <a:latin typeface="Arial"/>
+            </a:endParaRPr>
+          </a:p>
+          <a:p>
+            <a:pPr lvl="1" marL="487080" indent="-285120">
               <a:lnSpc>
                 <a:spcPct val="100000"/>
               </a:lnSpc>
@@ -9596,15 +8969,12 @@
               </a:rPr>
               <a:t>Traduzir para português</a:t>
             </a:r>
-            <a:endParaRPr b="0" lang="en-US" sz="2400" spc="-1" strike="noStrike">
-              <a:solidFill>
-                <a:srgbClr val="000000"/>
-              </a:solidFill>
-              <a:latin typeface="Calibri"/>
-            </a:endParaRPr>
-          </a:p>
-          <a:p>
-            <a:pPr lvl="1" marL="487080" indent="-285480">
+            <a:endParaRPr b="0" lang="pt-BR" sz="2400" spc="-1" strike="noStrike">
+              <a:latin typeface="Arial"/>
+            </a:endParaRPr>
+          </a:p>
+          <a:p>
+            <a:pPr lvl="1" marL="487080" indent="-285120">
               <a:lnSpc>
                 <a:spcPct val="100000"/>
               </a:lnSpc>
@@ -9638,15 +9008,12 @@
               </a:rPr>
               <a:t>Tentar entender</a:t>
             </a:r>
-            <a:endParaRPr b="0" lang="en-US" sz="2400" spc="-1" strike="noStrike">
-              <a:solidFill>
-                <a:srgbClr val="000000"/>
-              </a:solidFill>
-              <a:latin typeface="Calibri"/>
-            </a:endParaRPr>
-          </a:p>
-          <a:p>
-            <a:pPr lvl="1" marL="487080" indent="-285480">
+            <a:endParaRPr b="0" lang="pt-BR" sz="2400" spc="-1" strike="noStrike">
+              <a:latin typeface="Arial"/>
+            </a:endParaRPr>
+          </a:p>
+          <a:p>
+            <a:pPr lvl="1" marL="487080" indent="-285120">
               <a:lnSpc>
                 <a:spcPct val="100000"/>
               </a:lnSpc>
@@ -9680,15 +9047,12 @@
               </a:rPr>
               <a:t>Olhar o inspetor do navegador: verificar onde estão os elementos, se as regras css funcionaram…</a:t>
             </a:r>
-            <a:endParaRPr b="0" lang="en-US" sz="2400" spc="-1" strike="noStrike">
-              <a:solidFill>
-                <a:srgbClr val="000000"/>
-              </a:solidFill>
-              <a:latin typeface="Calibri"/>
-            </a:endParaRPr>
-          </a:p>
-          <a:p>
-            <a:pPr lvl="1" marL="487080" indent="-285480">
+            <a:endParaRPr b="0" lang="pt-BR" sz="2400" spc="-1" strike="noStrike">
+              <a:latin typeface="Arial"/>
+            </a:endParaRPr>
+          </a:p>
+          <a:p>
+            <a:pPr lvl="1" marL="487080" indent="-285120">
               <a:lnSpc>
                 <a:spcPct val="100000"/>
               </a:lnSpc>
@@ -9713,15 +9077,12 @@
               </a:rPr>
               <a:t>console.log é seu melhor amigo! Imprimir variáveis na tela seguindo o fluxo da execução</a:t>
             </a:r>
-            <a:endParaRPr b="0" lang="en-US" sz="2400" spc="-1" strike="noStrike">
-              <a:solidFill>
-                <a:srgbClr val="000000"/>
-              </a:solidFill>
-              <a:latin typeface="Calibri"/>
-            </a:endParaRPr>
-          </a:p>
-          <a:p>
-            <a:pPr marL="91440" indent="-284040">
+            <a:endParaRPr b="0" lang="pt-BR" sz="2400" spc="-1" strike="noStrike">
+              <a:latin typeface="Arial"/>
+            </a:endParaRPr>
+          </a:p>
+          <a:p>
+            <a:pPr marL="91440" indent="-283680">
               <a:lnSpc>
                 <a:spcPct val="100000"/>
               </a:lnSpc>
@@ -9746,15 +9107,12 @@
               </a:rPr>
               <a:t>Se não conseguir</a:t>
             </a:r>
-            <a:endParaRPr b="0" lang="en-US" sz="2800" spc="-1" strike="noStrike">
-              <a:solidFill>
-                <a:srgbClr val="000000"/>
-              </a:solidFill>
-              <a:latin typeface="Calibri"/>
-            </a:endParaRPr>
-          </a:p>
-          <a:p>
-            <a:pPr lvl="1" marL="487080" indent="-285480">
+            <a:endParaRPr b="0" lang="pt-BR" sz="2800" spc="-1" strike="noStrike">
+              <a:latin typeface="Arial"/>
+            </a:endParaRPr>
+          </a:p>
+          <a:p>
+            <a:pPr lvl="1" marL="487080" indent="-285120">
               <a:lnSpc>
                 <a:spcPct val="100000"/>
               </a:lnSpc>
@@ -9779,15 +9137,12 @@
               </a:rPr>
               <a:t>Olhar no google</a:t>
             </a:r>
-            <a:endParaRPr b="0" lang="en-US" sz="2400" spc="-1" strike="noStrike">
-              <a:solidFill>
-                <a:srgbClr val="000000"/>
-              </a:solidFill>
-              <a:latin typeface="Calibri"/>
-            </a:endParaRPr>
-          </a:p>
-          <a:p>
-            <a:pPr lvl="1" marL="487080" indent="-285480">
+            <a:endParaRPr b="0" lang="pt-BR" sz="2400" spc="-1" strike="noStrike">
+              <a:latin typeface="Arial"/>
+            </a:endParaRPr>
+          </a:p>
+          <a:p>
+            <a:pPr lvl="1" marL="487080" indent="-285120">
               <a:lnSpc>
                 <a:spcPct val="100000"/>
               </a:lnSpc>
@@ -9812,11 +9167,8 @@
               </a:rPr>
               <a:t>Falar com o professor/monitor/amigo</a:t>
             </a:r>
-            <a:endParaRPr b="0" lang="en-US" sz="2400" spc="-1" strike="noStrike">
-              <a:solidFill>
-                <a:srgbClr val="000000"/>
-              </a:solidFill>
-              <a:latin typeface="Calibri"/>
+            <a:endParaRPr b="0" lang="pt-BR" sz="2400" spc="-1" strike="noStrike">
+              <a:latin typeface="Arial"/>
             </a:endParaRPr>
           </a:p>
           <a:p>
@@ -9831,11 +9183,8 @@
                 <a:spcPts val="201"/>
               </a:spcAft>
             </a:pPr>
-            <a:endParaRPr b="0" lang="en-US" sz="2400" spc="-1" strike="noStrike">
-              <a:solidFill>
-                <a:srgbClr val="000000"/>
-              </a:solidFill>
-              <a:latin typeface="Calibri"/>
+            <a:endParaRPr b="0" lang="pt-BR" sz="2400" spc="-1" strike="noStrike">
+              <a:latin typeface="Arial"/>
             </a:endParaRPr>
           </a:p>
         </p:txBody>
